--- a/Machine Learning.pptx
+++ b/Machine Learning.pptx
@@ -54,21 +54,28 @@
     <p:sldId id="299" r:id="rId49"/>
     <p:sldId id="300" r:id="rId50"/>
     <p:sldId id="301" r:id="rId51"/>
+    <p:sldId id="302" r:id="rId52"/>
+    <p:sldId id="303" r:id="rId53"/>
+    <p:sldId id="304" r:id="rId54"/>
+    <p:sldId id="305" r:id="rId55"/>
+    <p:sldId id="306" r:id="rId56"/>
+    <p:sldId id="307" r:id="rId57"/>
+    <p:sldId id="308" r:id="rId58"/>
   </p:sldIdLst>
   <p:sldSz cy="5143500" cx="9144000"/>
   <p:notesSz cx="6858000" cy="9144000"/>
   <p:embeddedFontLst>
     <p:embeddedFont>
       <p:font typeface="Nunito"/>
-      <p:regular r:id="rId52"/>
-      <p:bold r:id="rId53"/>
-      <p:italic r:id="rId54"/>
-      <p:boldItalic r:id="rId55"/>
+      <p:regular r:id="rId59"/>
+      <p:bold r:id="rId60"/>
+      <p:italic r:id="rId61"/>
+      <p:boldItalic r:id="rId62"/>
     </p:embeddedFont>
     <p:embeddedFont>
       <p:font typeface="Maven Pro"/>
-      <p:regular r:id="rId56"/>
-      <p:bold r:id="rId57"/>
+      <p:regular r:id="rId63"/>
+      <p:bold r:id="rId64"/>
     </p:embeddedFont>
   </p:embeddedFontLst>
   <p:defaultTextStyle>
@@ -1556,7 +1563,7 @@
       </p:grpSpPr>
       <p:sp>
         <p:nvSpPr>
-          <p:cNvPr id="375" name="Google Shape;375;g95f992e820_0_16:notes"/>
+          <p:cNvPr id="375" name="Google Shape;375;g986b94262e_0_0:notes"/>
           <p:cNvSpPr/>
           <p:nvPr>
             <p:ph idx="2" type="sldImg"/>
@@ -1591,7 +1598,7 @@
       </p:sp>
       <p:sp>
         <p:nvSpPr>
-          <p:cNvPr id="376" name="Google Shape;376;g95f992e820_0_16:notes"/>
+          <p:cNvPr id="376" name="Google Shape;376;g986b94262e_0_0:notes"/>
           <p:cNvSpPr txBox="1"/>
           <p:nvPr>
             <p:ph idx="1" type="body"/>
@@ -1641,7 +1648,7 @@
   <p:cSld>
     <p:spTree>
       <p:nvGrpSpPr>
-        <p:cNvPr id="380" name="Shape 380"/>
+        <p:cNvPr id="379" name="Shape 379"/>
         <p:cNvGrpSpPr/>
         <p:nvPr/>
       </p:nvGrpSpPr>
@@ -1655,7 +1662,7 @@
       </p:grpSpPr>
       <p:sp>
         <p:nvSpPr>
-          <p:cNvPr id="381" name="Google Shape;381;g95f992e820_0_21:notes"/>
+          <p:cNvPr id="380" name="Google Shape;380;g95f992e820_0_16:notes"/>
           <p:cNvSpPr/>
           <p:nvPr>
             <p:ph idx="2" type="sldImg"/>
@@ -1690,7 +1697,7 @@
       </p:sp>
       <p:sp>
         <p:nvSpPr>
-          <p:cNvPr id="382" name="Google Shape;382;g95f992e820_0_21:notes"/>
+          <p:cNvPr id="381" name="Google Shape;381;g95f992e820_0_16:notes"/>
           <p:cNvSpPr txBox="1"/>
           <p:nvPr>
             <p:ph idx="1" type="body"/>
@@ -1754,7 +1761,7 @@
       </p:grpSpPr>
       <p:sp>
         <p:nvSpPr>
-          <p:cNvPr id="386" name="Google Shape;386;g95f992e820_0_25:notes"/>
+          <p:cNvPr id="386" name="Google Shape;386;g95f992e820_0_21:notes"/>
           <p:cNvSpPr/>
           <p:nvPr>
             <p:ph idx="2" type="sldImg"/>
@@ -1789,7 +1796,7 @@
       </p:sp>
       <p:sp>
         <p:nvSpPr>
-          <p:cNvPr id="387" name="Google Shape;387;g95f992e820_0_25:notes"/>
+          <p:cNvPr id="387" name="Google Shape;387;g95f992e820_0_21:notes"/>
           <p:cNvSpPr txBox="1"/>
           <p:nvPr>
             <p:ph idx="1" type="body"/>
@@ -1938,7 +1945,7 @@
   <p:cSld>
     <p:spTree>
       <p:nvGrpSpPr>
-        <p:cNvPr id="390" name="Shape 390"/>
+        <p:cNvPr id="391" name="Shape 391"/>
         <p:cNvGrpSpPr/>
         <p:nvPr/>
       </p:nvGrpSpPr>
@@ -1952,7 +1959,7 @@
       </p:grpSpPr>
       <p:sp>
         <p:nvSpPr>
-          <p:cNvPr id="391" name="Google Shape;391;g95f992e820_0_29:notes"/>
+          <p:cNvPr id="392" name="Google Shape;392;g95f992e820_0_25:notes"/>
           <p:cNvSpPr/>
           <p:nvPr>
             <p:ph idx="2" type="sldImg"/>
@@ -1987,7 +1994,7 @@
       </p:sp>
       <p:sp>
         <p:nvSpPr>
-          <p:cNvPr id="392" name="Google Shape;392;g95f992e820_0_29:notes"/>
+          <p:cNvPr id="393" name="Google Shape;393;g95f992e820_0_25:notes"/>
           <p:cNvSpPr txBox="1"/>
           <p:nvPr>
             <p:ph idx="1" type="body"/>
@@ -2051,7 +2058,7 @@
       </p:grpSpPr>
       <p:sp>
         <p:nvSpPr>
-          <p:cNvPr id="397" name="Google Shape;397;g95f992e820_0_34:notes"/>
+          <p:cNvPr id="397" name="Google Shape;397;g95f992e820_0_29:notes"/>
           <p:cNvSpPr/>
           <p:nvPr>
             <p:ph idx="2" type="sldImg"/>
@@ -2086,7 +2093,7 @@
       </p:sp>
       <p:sp>
         <p:nvSpPr>
-          <p:cNvPr id="398" name="Google Shape;398;g95f992e820_0_34:notes"/>
+          <p:cNvPr id="398" name="Google Shape;398;g95f992e820_0_29:notes"/>
           <p:cNvSpPr txBox="1"/>
           <p:nvPr>
             <p:ph idx="1" type="body"/>
@@ -2136,7 +2143,7 @@
   <p:cSld>
     <p:spTree>
       <p:nvGrpSpPr>
-        <p:cNvPr id="401" name="Shape 401"/>
+        <p:cNvPr id="403" name="Shape 403"/>
         <p:cNvGrpSpPr/>
         <p:nvPr/>
       </p:nvGrpSpPr>
@@ -2150,7 +2157,7 @@
       </p:grpSpPr>
       <p:sp>
         <p:nvSpPr>
-          <p:cNvPr id="402" name="Google Shape;402;g95f992e820_0_40:notes"/>
+          <p:cNvPr id="404" name="Google Shape;404;g95f992e820_0_34:notes"/>
           <p:cNvSpPr/>
           <p:nvPr>
             <p:ph idx="2" type="sldImg"/>
@@ -2185,7 +2192,7 @@
       </p:sp>
       <p:sp>
         <p:nvSpPr>
-          <p:cNvPr id="403" name="Google Shape;403;g95f992e820_0_40:notes"/>
+          <p:cNvPr id="405" name="Google Shape;405;g95f992e820_0_34:notes"/>
           <p:cNvSpPr txBox="1"/>
           <p:nvPr>
             <p:ph idx="1" type="body"/>
@@ -2235,7 +2242,7 @@
   <p:cSld>
     <p:spTree>
       <p:nvGrpSpPr>
-        <p:cNvPr id="407" name="Shape 407"/>
+        <p:cNvPr id="409" name="Shape 409"/>
         <p:cNvGrpSpPr/>
         <p:nvPr/>
       </p:nvGrpSpPr>
@@ -2249,7 +2256,7 @@
       </p:grpSpPr>
       <p:sp>
         <p:nvSpPr>
-          <p:cNvPr id="408" name="Google Shape;408;g95f992e820_0_46:notes"/>
+          <p:cNvPr id="410" name="Google Shape;410;g95f992e820_0_46:notes"/>
           <p:cNvSpPr/>
           <p:nvPr>
             <p:ph idx="2" type="sldImg"/>
@@ -2284,7 +2291,7 @@
       </p:sp>
       <p:sp>
         <p:nvSpPr>
-          <p:cNvPr id="409" name="Google Shape;409;g95f992e820_0_46:notes"/>
+          <p:cNvPr id="411" name="Google Shape;411;g95f992e820_0_46:notes"/>
           <p:cNvSpPr txBox="1"/>
           <p:nvPr>
             <p:ph idx="1" type="body"/>
@@ -2334,7 +2341,7 @@
   <p:cSld>
     <p:spTree>
       <p:nvGrpSpPr>
-        <p:cNvPr id="413" name="Shape 413"/>
+        <p:cNvPr id="415" name="Shape 415"/>
         <p:cNvGrpSpPr/>
         <p:nvPr/>
       </p:nvGrpSpPr>
@@ -2348,7 +2355,7 @@
       </p:grpSpPr>
       <p:sp>
         <p:nvSpPr>
-          <p:cNvPr id="414" name="Google Shape;414;g95f992e820_0_53:notes"/>
+          <p:cNvPr id="416" name="Google Shape;416;g95f992e820_0_59:notes"/>
           <p:cNvSpPr/>
           <p:nvPr>
             <p:ph idx="2" type="sldImg"/>
@@ -2383,7 +2390,7 @@
       </p:sp>
       <p:sp>
         <p:nvSpPr>
-          <p:cNvPr id="415" name="Google Shape;415;g95f992e820_0_53:notes"/>
+          <p:cNvPr id="417" name="Google Shape;417;g95f992e820_0_59:notes"/>
           <p:cNvSpPr txBox="1"/>
           <p:nvPr>
             <p:ph idx="1" type="body"/>
@@ -2433,7 +2440,7 @@
   <p:cSld>
     <p:spTree>
       <p:nvGrpSpPr>
-        <p:cNvPr id="418" name="Shape 418"/>
+        <p:cNvPr id="420" name="Shape 420"/>
         <p:cNvGrpSpPr/>
         <p:nvPr/>
       </p:nvGrpSpPr>
@@ -2447,7 +2454,7 @@
       </p:grpSpPr>
       <p:sp>
         <p:nvSpPr>
-          <p:cNvPr id="419" name="Google Shape;419;g95f992e820_0_59:notes"/>
+          <p:cNvPr id="421" name="Google Shape;421;g95f992e820_0_53:notes"/>
           <p:cNvSpPr/>
           <p:nvPr>
             <p:ph idx="2" type="sldImg"/>
@@ -2482,7 +2489,7 @@
       </p:sp>
       <p:sp>
         <p:nvSpPr>
-          <p:cNvPr id="420" name="Google Shape;420;g95f992e820_0_59:notes"/>
+          <p:cNvPr id="422" name="Google Shape;422;g95f992e820_0_53:notes"/>
           <p:cNvSpPr txBox="1"/>
           <p:nvPr>
             <p:ph idx="1" type="body"/>
@@ -2532,7 +2539,7 @@
   <p:cSld>
     <p:spTree>
       <p:nvGrpSpPr>
-        <p:cNvPr id="424" name="Shape 424"/>
+        <p:cNvPr id="426" name="Shape 426"/>
         <p:cNvGrpSpPr/>
         <p:nvPr/>
       </p:nvGrpSpPr>
@@ -2546,7 +2553,7 @@
       </p:grpSpPr>
       <p:sp>
         <p:nvSpPr>
-          <p:cNvPr id="425" name="Google Shape;425;g95f992e820_0_64:notes"/>
+          <p:cNvPr id="427" name="Google Shape;427;g986b94262e_0_17:notes"/>
           <p:cNvSpPr/>
           <p:nvPr>
             <p:ph idx="2" type="sldImg"/>
@@ -2581,7 +2588,7 @@
       </p:sp>
       <p:sp>
         <p:nvSpPr>
-          <p:cNvPr id="426" name="Google Shape;426;g95f992e820_0_64:notes"/>
+          <p:cNvPr id="428" name="Google Shape;428;g986b94262e_0_17:notes"/>
           <p:cNvSpPr txBox="1"/>
           <p:nvPr>
             <p:ph idx="1" type="body"/>
@@ -2631,7 +2638,7 @@
   <p:cSld>
     <p:spTree>
       <p:nvGrpSpPr>
-        <p:cNvPr id="430" name="Shape 430"/>
+        <p:cNvPr id="431" name="Shape 431"/>
         <p:cNvGrpSpPr/>
         <p:nvPr/>
       </p:nvGrpSpPr>
@@ -2645,7 +2652,7 @@
       </p:grpSpPr>
       <p:sp>
         <p:nvSpPr>
-          <p:cNvPr id="431" name="Google Shape;431;g95f992e820_0_69:notes"/>
+          <p:cNvPr id="432" name="Google Shape;432;g95f992e820_0_64:notes"/>
           <p:cNvSpPr/>
           <p:nvPr>
             <p:ph idx="2" type="sldImg"/>
@@ -2680,7 +2687,7 @@
       </p:sp>
       <p:sp>
         <p:nvSpPr>
-          <p:cNvPr id="432" name="Google Shape;432;g95f992e820_0_69:notes"/>
+          <p:cNvPr id="433" name="Google Shape;433;g95f992e820_0_64:notes"/>
           <p:cNvSpPr txBox="1"/>
           <p:nvPr>
             <p:ph idx="1" type="body"/>
@@ -2730,7 +2737,7 @@
   <p:cSld>
     <p:spTree>
       <p:nvGrpSpPr>
-        <p:cNvPr id="436" name="Shape 436"/>
+        <p:cNvPr id="437" name="Shape 437"/>
         <p:cNvGrpSpPr/>
         <p:nvPr/>
       </p:nvGrpSpPr>
@@ -2744,7 +2751,7 @@
       </p:grpSpPr>
       <p:sp>
         <p:nvSpPr>
-          <p:cNvPr id="437" name="Google Shape;437;g95f992e820_0_74:notes"/>
+          <p:cNvPr id="438" name="Google Shape;438;g95f992e820_0_69:notes"/>
           <p:cNvSpPr/>
           <p:nvPr>
             <p:ph idx="2" type="sldImg"/>
@@ -2779,7 +2786,7 @@
       </p:sp>
       <p:sp>
         <p:nvSpPr>
-          <p:cNvPr id="438" name="Google Shape;438;g95f992e820_0_74:notes"/>
+          <p:cNvPr id="439" name="Google Shape;439;g95f992e820_0_69:notes"/>
           <p:cNvSpPr txBox="1"/>
           <p:nvPr>
             <p:ph idx="1" type="body"/>
@@ -2829,7 +2836,7 @@
   <p:cSld>
     <p:spTree>
       <p:nvGrpSpPr>
-        <p:cNvPr id="442" name="Shape 442"/>
+        <p:cNvPr id="443" name="Shape 443"/>
         <p:cNvGrpSpPr/>
         <p:nvPr/>
       </p:nvGrpSpPr>
@@ -2843,7 +2850,7 @@
       </p:grpSpPr>
       <p:sp>
         <p:nvSpPr>
-          <p:cNvPr id="443" name="Google Shape;443;g95f992e820_0_80:notes"/>
+          <p:cNvPr id="444" name="Google Shape;444;g95f992e820_0_74:notes"/>
           <p:cNvSpPr/>
           <p:nvPr>
             <p:ph idx="2" type="sldImg"/>
@@ -2878,7 +2885,7 @@
       </p:sp>
       <p:sp>
         <p:nvSpPr>
-          <p:cNvPr id="444" name="Google Shape;444;g95f992e820_0_80:notes"/>
+          <p:cNvPr id="445" name="Google Shape;445;g95f992e820_0_74:notes"/>
           <p:cNvSpPr txBox="1"/>
           <p:nvPr>
             <p:ph idx="1" type="body"/>
@@ -3027,7 +3034,7 @@
   <p:cSld>
     <p:spTree>
       <p:nvGrpSpPr>
-        <p:cNvPr id="447" name="Shape 447"/>
+        <p:cNvPr id="449" name="Shape 449"/>
         <p:cNvGrpSpPr/>
         <p:nvPr/>
       </p:nvGrpSpPr>
@@ -3041,7 +3048,7 @@
       </p:grpSpPr>
       <p:sp>
         <p:nvSpPr>
-          <p:cNvPr id="448" name="Google Shape;448;g95f992e820_0_85:notes"/>
+          <p:cNvPr id="450" name="Google Shape;450;g95f992e820_0_80:notes"/>
           <p:cNvSpPr/>
           <p:nvPr>
             <p:ph idx="2" type="sldImg"/>
@@ -3076,7 +3083,7 @@
       </p:sp>
       <p:sp>
         <p:nvSpPr>
-          <p:cNvPr id="449" name="Google Shape;449;g95f992e820_0_85:notes"/>
+          <p:cNvPr id="451" name="Google Shape;451;g95f992e820_0_80:notes"/>
           <p:cNvSpPr txBox="1"/>
           <p:nvPr>
             <p:ph idx="1" type="body"/>
@@ -3126,7 +3133,7 @@
   <p:cSld>
     <p:spTree>
       <p:nvGrpSpPr>
-        <p:cNvPr id="452" name="Shape 452"/>
+        <p:cNvPr id="455" name="Shape 455"/>
         <p:cNvGrpSpPr/>
         <p:nvPr/>
       </p:nvGrpSpPr>
@@ -3140,7 +3147,7 @@
       </p:grpSpPr>
       <p:sp>
         <p:nvSpPr>
-          <p:cNvPr id="453" name="Google Shape;453;g95f992e820_0_89:notes"/>
+          <p:cNvPr id="456" name="Google Shape;456;g95f992e820_0_85:notes"/>
           <p:cNvSpPr/>
           <p:nvPr>
             <p:ph idx="2" type="sldImg"/>
@@ -3175,7 +3182,7 @@
       </p:sp>
       <p:sp>
         <p:nvSpPr>
-          <p:cNvPr id="454" name="Google Shape;454;g95f992e820_0_89:notes"/>
+          <p:cNvPr id="457" name="Google Shape;457;g95f992e820_0_85:notes"/>
           <p:cNvSpPr txBox="1"/>
           <p:nvPr>
             <p:ph idx="1" type="body"/>
@@ -3225,7 +3232,7 @@
   <p:cSld>
     <p:spTree>
       <p:nvGrpSpPr>
-        <p:cNvPr id="458" name="Shape 458"/>
+        <p:cNvPr id="460" name="Shape 460"/>
         <p:cNvGrpSpPr/>
         <p:nvPr/>
       </p:nvGrpSpPr>
@@ -3239,7 +3246,7 @@
       </p:grpSpPr>
       <p:sp>
         <p:nvSpPr>
-          <p:cNvPr id="459" name="Google Shape;459;g93a62d96b0_0_0:notes"/>
+          <p:cNvPr id="461" name="Google Shape;461;g95f992e820_0_89:notes"/>
           <p:cNvSpPr/>
           <p:nvPr>
             <p:ph idx="2" type="sldImg"/>
@@ -3274,7 +3281,7 @@
       </p:sp>
       <p:sp>
         <p:nvSpPr>
-          <p:cNvPr id="460" name="Google Shape;460;g93a62d96b0_0_0:notes"/>
+          <p:cNvPr id="462" name="Google Shape;462;g95f992e820_0_89:notes"/>
           <p:cNvSpPr txBox="1"/>
           <p:nvPr>
             <p:ph idx="1" type="body"/>
@@ -3324,7 +3331,7 @@
   <p:cSld>
     <p:spTree>
       <p:nvGrpSpPr>
-        <p:cNvPr id="464" name="Shape 464"/>
+        <p:cNvPr id="467" name="Shape 467"/>
         <p:cNvGrpSpPr/>
         <p:nvPr/>
       </p:nvGrpSpPr>
@@ -3338,7 +3345,7 @@
       </p:grpSpPr>
       <p:sp>
         <p:nvSpPr>
-          <p:cNvPr id="465" name="Google Shape;465;g93a62d96b0_0_11:notes"/>
+          <p:cNvPr id="468" name="Google Shape;468;g93a62d96b0_0_0:notes"/>
           <p:cNvSpPr/>
           <p:nvPr>
             <p:ph idx="2" type="sldImg"/>
@@ -3373,7 +3380,7 @@
       </p:sp>
       <p:sp>
         <p:nvSpPr>
-          <p:cNvPr id="466" name="Google Shape;466;g93a62d96b0_0_11:notes"/>
+          <p:cNvPr id="469" name="Google Shape;469;g93a62d96b0_0_0:notes"/>
           <p:cNvSpPr txBox="1"/>
           <p:nvPr>
             <p:ph idx="1" type="body"/>
@@ -3423,7 +3430,7 @@
   <p:cSld>
     <p:spTree>
       <p:nvGrpSpPr>
-        <p:cNvPr id="470" name="Shape 470"/>
+        <p:cNvPr id="473" name="Shape 473"/>
         <p:cNvGrpSpPr/>
         <p:nvPr/>
       </p:nvGrpSpPr>
@@ -3437,7 +3444,7 @@
       </p:grpSpPr>
       <p:sp>
         <p:nvSpPr>
-          <p:cNvPr id="471" name="Google Shape;471;g93a62d96b0_0_16:notes"/>
+          <p:cNvPr id="474" name="Google Shape;474;g93a62d96b0_0_11:notes"/>
           <p:cNvSpPr/>
           <p:nvPr>
             <p:ph idx="2" type="sldImg"/>
@@ -3472,7 +3479,7 @@
       </p:sp>
       <p:sp>
         <p:nvSpPr>
-          <p:cNvPr id="472" name="Google Shape;472;g93a62d96b0_0_16:notes"/>
+          <p:cNvPr id="475" name="Google Shape;475;g93a62d96b0_0_11:notes"/>
           <p:cNvSpPr txBox="1"/>
           <p:nvPr>
             <p:ph idx="1" type="body"/>
@@ -3522,7 +3529,7 @@
   <p:cSld>
     <p:spTree>
       <p:nvGrpSpPr>
-        <p:cNvPr id="476" name="Shape 476"/>
+        <p:cNvPr id="479" name="Shape 479"/>
         <p:cNvGrpSpPr/>
         <p:nvPr/>
       </p:nvGrpSpPr>
@@ -3536,7 +3543,7 @@
       </p:grpSpPr>
       <p:sp>
         <p:nvSpPr>
-          <p:cNvPr id="477" name="Google Shape;477;g93a62d96b0_0_31:notes"/>
+          <p:cNvPr id="480" name="Google Shape;480;g93a62d96b0_0_16:notes"/>
           <p:cNvSpPr/>
           <p:nvPr>
             <p:ph idx="2" type="sldImg"/>
@@ -3571,7 +3578,7 @@
       </p:sp>
       <p:sp>
         <p:nvSpPr>
-          <p:cNvPr id="478" name="Google Shape;478;g93a62d96b0_0_31:notes"/>
+          <p:cNvPr id="481" name="Google Shape;481;g93a62d96b0_0_16:notes"/>
           <p:cNvSpPr txBox="1"/>
           <p:nvPr>
             <p:ph idx="1" type="body"/>
@@ -3621,7 +3628,7 @@
   <p:cSld>
     <p:spTree>
       <p:nvGrpSpPr>
-        <p:cNvPr id="483" name="Shape 483"/>
+        <p:cNvPr id="485" name="Shape 485"/>
         <p:cNvGrpSpPr/>
         <p:nvPr/>
       </p:nvGrpSpPr>
@@ -3635,7 +3642,7 @@
       </p:grpSpPr>
       <p:sp>
         <p:nvSpPr>
-          <p:cNvPr id="484" name="Google Shape;484;g93a62d96b0_0_38:notes"/>
+          <p:cNvPr id="486" name="Google Shape;486;g93a62d96b0_0_31:notes"/>
           <p:cNvSpPr/>
           <p:nvPr>
             <p:ph idx="2" type="sldImg"/>
@@ -3670,7 +3677,7 @@
       </p:sp>
       <p:sp>
         <p:nvSpPr>
-          <p:cNvPr id="485" name="Google Shape;485;g93a62d96b0_0_38:notes"/>
+          <p:cNvPr id="487" name="Google Shape;487;g93a62d96b0_0_31:notes"/>
           <p:cNvSpPr txBox="1"/>
           <p:nvPr>
             <p:ph idx="1" type="body"/>
@@ -3720,7 +3727,7 @@
   <p:cSld>
     <p:spTree>
       <p:nvGrpSpPr>
-        <p:cNvPr id="490" name="Shape 490"/>
+        <p:cNvPr id="492" name="Shape 492"/>
         <p:cNvGrpSpPr/>
         <p:nvPr/>
       </p:nvGrpSpPr>
@@ -3734,7 +3741,7 @@
       </p:grpSpPr>
       <p:sp>
         <p:nvSpPr>
-          <p:cNvPr id="491" name="Google Shape;491;g93a62d96b0_0_46:notes"/>
+          <p:cNvPr id="493" name="Google Shape;493;g93a62d96b0_0_38:notes"/>
           <p:cNvSpPr/>
           <p:nvPr>
             <p:ph idx="2" type="sldImg"/>
@@ -3769,7 +3776,7 @@
       </p:sp>
       <p:sp>
         <p:nvSpPr>
-          <p:cNvPr id="492" name="Google Shape;492;g93a62d96b0_0_46:notes"/>
+          <p:cNvPr id="494" name="Google Shape;494;g93a62d96b0_0_38:notes"/>
           <p:cNvSpPr txBox="1"/>
           <p:nvPr>
             <p:ph idx="1" type="body"/>
@@ -3819,7 +3826,7 @@
   <p:cSld>
     <p:spTree>
       <p:nvGrpSpPr>
-        <p:cNvPr id="496" name="Shape 496"/>
+        <p:cNvPr id="499" name="Shape 499"/>
         <p:cNvGrpSpPr/>
         <p:nvPr/>
       </p:nvGrpSpPr>
@@ -3833,7 +3840,7 @@
       </p:grpSpPr>
       <p:sp>
         <p:nvSpPr>
-          <p:cNvPr id="497" name="Google Shape;497;g93a62d96b0_0_53:notes"/>
+          <p:cNvPr id="500" name="Google Shape;500;g93a62d96b0_0_46:notes"/>
           <p:cNvSpPr/>
           <p:nvPr>
             <p:ph idx="2" type="sldImg"/>
@@ -3868,7 +3875,7 @@
       </p:sp>
       <p:sp>
         <p:nvSpPr>
-          <p:cNvPr id="498" name="Google Shape;498;g93a62d96b0_0_53:notes"/>
+          <p:cNvPr id="501" name="Google Shape;501;g93a62d96b0_0_46:notes"/>
           <p:cNvSpPr txBox="1"/>
           <p:nvPr>
             <p:ph idx="1" type="body"/>
@@ -3918,7 +3925,7 @@
   <p:cSld>
     <p:spTree>
       <p:nvGrpSpPr>
-        <p:cNvPr id="503" name="Shape 503"/>
+        <p:cNvPr id="505" name="Shape 505"/>
         <p:cNvGrpSpPr/>
         <p:nvPr/>
       </p:nvGrpSpPr>
@@ -3932,7 +3939,7 @@
       </p:grpSpPr>
       <p:sp>
         <p:nvSpPr>
-          <p:cNvPr id="504" name="Google Shape;504;g93a62d96b0_0_66:notes"/>
+          <p:cNvPr id="506" name="Google Shape;506;g93a62d96b0_0_53:notes"/>
           <p:cNvSpPr/>
           <p:nvPr>
             <p:ph idx="2" type="sldImg"/>
@@ -3967,7 +3974,7 @@
       </p:sp>
       <p:sp>
         <p:nvSpPr>
-          <p:cNvPr id="505" name="Google Shape;505;g93a62d96b0_0_66:notes"/>
+          <p:cNvPr id="507" name="Google Shape;507;g93a62d96b0_0_53:notes"/>
           <p:cNvSpPr txBox="1"/>
           <p:nvPr>
             <p:ph idx="1" type="body"/>
@@ -4116,7 +4123,7 @@
   <p:cSld>
     <p:spTree>
       <p:nvGrpSpPr>
-        <p:cNvPr id="509" name="Shape 509"/>
+        <p:cNvPr id="512" name="Shape 512"/>
         <p:cNvGrpSpPr/>
         <p:nvPr/>
       </p:nvGrpSpPr>
@@ -4130,7 +4137,7 @@
       </p:grpSpPr>
       <p:sp>
         <p:nvSpPr>
-          <p:cNvPr id="510" name="Google Shape;510;g93a62d96b0_0_75:notes"/>
+          <p:cNvPr id="513" name="Google Shape;513;g93a62d96b0_0_66:notes"/>
           <p:cNvSpPr/>
           <p:nvPr>
             <p:ph idx="2" type="sldImg"/>
@@ -4165,7 +4172,7 @@
       </p:sp>
       <p:sp>
         <p:nvSpPr>
-          <p:cNvPr id="511" name="Google Shape;511;g93a62d96b0_0_75:notes"/>
+          <p:cNvPr id="514" name="Google Shape;514;g93a62d96b0_0_66:notes"/>
           <p:cNvSpPr txBox="1"/>
           <p:nvPr>
             <p:ph idx="1" type="body"/>
@@ -4215,7 +4222,7 @@
   <p:cSld>
     <p:spTree>
       <p:nvGrpSpPr>
-        <p:cNvPr id="515" name="Shape 515"/>
+        <p:cNvPr id="518" name="Shape 518"/>
         <p:cNvGrpSpPr/>
         <p:nvPr/>
       </p:nvGrpSpPr>
@@ -4229,7 +4236,7 @@
       </p:grpSpPr>
       <p:sp>
         <p:nvSpPr>
-          <p:cNvPr id="516" name="Google Shape;516;g93a62d96b0_0_81:notes"/>
+          <p:cNvPr id="519" name="Google Shape;519;g93a62d96b0_0_75:notes"/>
           <p:cNvSpPr/>
           <p:nvPr>
             <p:ph idx="2" type="sldImg"/>
@@ -4264,7 +4271,7 @@
       </p:sp>
       <p:sp>
         <p:nvSpPr>
-          <p:cNvPr id="517" name="Google Shape;517;g93a62d96b0_0_81:notes"/>
+          <p:cNvPr id="520" name="Google Shape;520;g93a62d96b0_0_75:notes"/>
           <p:cNvSpPr txBox="1"/>
           <p:nvPr>
             <p:ph idx="1" type="body"/>
@@ -4314,7 +4321,7 @@
   <p:cSld>
     <p:spTree>
       <p:nvGrpSpPr>
-        <p:cNvPr id="521" name="Shape 521"/>
+        <p:cNvPr id="524" name="Shape 524"/>
         <p:cNvGrpSpPr/>
         <p:nvPr/>
       </p:nvGrpSpPr>
@@ -4328,7 +4335,7 @@
       </p:grpSpPr>
       <p:sp>
         <p:nvSpPr>
-          <p:cNvPr id="522" name="Google Shape;522;g93a62d96b0_0_87:notes"/>
+          <p:cNvPr id="525" name="Google Shape;525;g93a62d96b0_0_81:notes"/>
           <p:cNvSpPr/>
           <p:nvPr>
             <p:ph idx="2" type="sldImg"/>
@@ -4363,7 +4370,7 @@
       </p:sp>
       <p:sp>
         <p:nvSpPr>
-          <p:cNvPr id="523" name="Google Shape;523;g93a62d96b0_0_87:notes"/>
+          <p:cNvPr id="526" name="Google Shape;526;g93a62d96b0_0_81:notes"/>
           <p:cNvSpPr txBox="1"/>
           <p:nvPr>
             <p:ph idx="1" type="body"/>
@@ -4413,7 +4420,7 @@
   <p:cSld>
     <p:spTree>
       <p:nvGrpSpPr>
-        <p:cNvPr id="528" name="Shape 528"/>
+        <p:cNvPr id="530" name="Shape 530"/>
         <p:cNvGrpSpPr/>
         <p:nvPr/>
       </p:nvGrpSpPr>
@@ -4427,7 +4434,7 @@
       </p:grpSpPr>
       <p:sp>
         <p:nvSpPr>
-          <p:cNvPr id="529" name="Google Shape;529;g93a62d96b0_0_95:notes"/>
+          <p:cNvPr id="531" name="Google Shape;531;g93a62d96b0_0_87:notes"/>
           <p:cNvSpPr/>
           <p:nvPr>
             <p:ph idx="2" type="sldImg"/>
@@ -4462,7 +4469,7 @@
       </p:sp>
       <p:sp>
         <p:nvSpPr>
-          <p:cNvPr id="530" name="Google Shape;530;g93a62d96b0_0_95:notes"/>
+          <p:cNvPr id="532" name="Google Shape;532;g93a62d96b0_0_87:notes"/>
           <p:cNvSpPr txBox="1"/>
           <p:nvPr>
             <p:ph idx="1" type="body"/>
@@ -4512,7 +4519,7 @@
   <p:cSld>
     <p:spTree>
       <p:nvGrpSpPr>
-        <p:cNvPr id="535" name="Shape 535"/>
+        <p:cNvPr id="537" name="Shape 537"/>
         <p:cNvGrpSpPr/>
         <p:nvPr/>
       </p:nvGrpSpPr>
@@ -4526,7 +4533,7 @@
       </p:grpSpPr>
       <p:sp>
         <p:nvSpPr>
-          <p:cNvPr id="536" name="Google Shape;536;g93a62d96b0_0_105:notes"/>
+          <p:cNvPr id="538" name="Google Shape;538;g93a62d96b0_0_95:notes"/>
           <p:cNvSpPr/>
           <p:nvPr>
             <p:ph idx="2" type="sldImg"/>
@@ -4561,7 +4568,7 @@
       </p:sp>
       <p:sp>
         <p:nvSpPr>
-          <p:cNvPr id="537" name="Google Shape;537;g93a62d96b0_0_105:notes"/>
+          <p:cNvPr id="539" name="Google Shape;539;g93a62d96b0_0_95:notes"/>
           <p:cNvSpPr txBox="1"/>
           <p:nvPr>
             <p:ph idx="1" type="body"/>
@@ -4611,7 +4618,7 @@
   <p:cSld>
     <p:spTree>
       <p:nvGrpSpPr>
-        <p:cNvPr id="540" name="Shape 540"/>
+        <p:cNvPr id="544" name="Shape 544"/>
         <p:cNvGrpSpPr/>
         <p:nvPr/>
       </p:nvGrpSpPr>
@@ -4625,7 +4632,7 @@
       </p:grpSpPr>
       <p:sp>
         <p:nvSpPr>
-          <p:cNvPr id="541" name="Google Shape;541;g93a62d96b0_0_112:notes"/>
+          <p:cNvPr id="545" name="Google Shape;545;g93a62d96b0_0_105:notes"/>
           <p:cNvSpPr/>
           <p:nvPr>
             <p:ph idx="2" type="sldImg"/>
@@ -4660,7 +4667,7 @@
       </p:sp>
       <p:sp>
         <p:nvSpPr>
-          <p:cNvPr id="542" name="Google Shape;542;g93a62d96b0_0_112:notes"/>
+          <p:cNvPr id="546" name="Google Shape;546;g93a62d96b0_0_105:notes"/>
           <p:cNvSpPr txBox="1"/>
           <p:nvPr>
             <p:ph idx="1" type="body"/>
@@ -4710,7 +4717,7 @@
   <p:cSld>
     <p:spTree>
       <p:nvGrpSpPr>
-        <p:cNvPr id="547" name="Shape 547"/>
+        <p:cNvPr id="549" name="Shape 549"/>
         <p:cNvGrpSpPr/>
         <p:nvPr/>
       </p:nvGrpSpPr>
@@ -4724,7 +4731,7 @@
       </p:grpSpPr>
       <p:sp>
         <p:nvSpPr>
-          <p:cNvPr id="548" name="Google Shape;548;g93a62d96b0_0_120:notes"/>
+          <p:cNvPr id="550" name="Google Shape;550;g93a62d96b0_0_112:notes"/>
           <p:cNvSpPr/>
           <p:nvPr>
             <p:ph idx="2" type="sldImg"/>
@@ -4759,7 +4766,304 @@
       </p:sp>
       <p:sp>
         <p:nvSpPr>
-          <p:cNvPr id="549" name="Google Shape;549;g93a62d96b0_0_120:notes"/>
+          <p:cNvPr id="551" name="Google Shape;551;g93a62d96b0_0_112:notes"/>
+          <p:cNvSpPr txBox="1"/>
+          <p:nvPr>
+            <p:ph idx="1" type="body"/>
+          </p:nvPr>
+        </p:nvSpPr>
+        <p:spPr>
+          <a:xfrm>
+            <a:off x="685800" y="4343400"/>
+            <a:ext cx="5486400" cy="4114800"/>
+          </a:xfrm>
+          <a:prstGeom prst="rect">
+            <a:avLst/>
+          </a:prstGeom>
+        </p:spPr>
+        <p:txBody>
+          <a:bodyPr anchorCtr="0" anchor="t" bIns="91425" lIns="91425" spcFirstLastPara="1" rIns="91425" wrap="square" tIns="91425">
+            <a:noAutofit/>
+          </a:bodyPr>
+          <a:lstStyle/>
+          <a:p>
+            <a:pPr indent="0" lvl="0" marL="0" rtl="0" algn="l">
+              <a:spcBef>
+                <a:spcPts val="0"/>
+              </a:spcBef>
+              <a:spcAft>
+                <a:spcPts val="0"/>
+              </a:spcAft>
+              <a:buNone/>
+            </a:pPr>
+            <a:r>
+              <a:t/>
+            </a:r>
+            <a:endParaRPr/>
+          </a:p>
+        </p:txBody>
+      </p:sp>
+    </p:spTree>
+  </p:cSld>
+  <p:clrMapOvr>
+    <a:masterClrMapping/>
+  </p:clrMapOvr>
+</p:notes>
+</file>
+
+<file path=ppt/notesSlides/notesSlide47.xml><?xml version="1.0" encoding="utf-8"?>
+<p:notes xmlns:a="http://schemas.openxmlformats.org/drawingml/2006/main" xmlns:r="http://schemas.openxmlformats.org/officeDocument/2006/relationships" xmlns:mc="http://schemas.openxmlformats.org/markup-compatibility/2006" xmlns:mv="urn:schemas-microsoft-com:mac:vml" xmlns:p="http://schemas.openxmlformats.org/presentationml/2006/main" xmlns:c="http://schemas.openxmlformats.org/drawingml/2006/chart" xmlns:dgm="http://schemas.openxmlformats.org/drawingml/2006/diagram" xmlns:o="urn:schemas-microsoft-com:office:office" xmlns:v="urn:schemas-microsoft-com:vml" xmlns:pvml="urn:schemas-microsoft-com:office:powerpoint" xmlns:com="http://schemas.openxmlformats.org/drawingml/2006/compatibility" xmlns:p14="http://schemas.microsoft.com/office/powerpoint/2010/main" xmlns:p15="http://schemas.microsoft.com/office/powerpoint/2012/main" xmlns:ahyp="http://schemas.microsoft.com/office/drawing/2018/hyperlinkcolor" showMasterPhAnim="0" showMasterSp="0">
+  <p:cSld>
+    <p:spTree>
+      <p:nvGrpSpPr>
+        <p:cNvPr id="556" name="Shape 556"/>
+        <p:cNvGrpSpPr/>
+        <p:nvPr/>
+      </p:nvGrpSpPr>
+      <p:grpSpPr>
+        <a:xfrm>
+          <a:off x="0" y="0"/>
+          <a:ext cx="0" cy="0"/>
+          <a:chOff x="0" y="0"/>
+          <a:chExt cx="0" cy="0"/>
+        </a:xfrm>
+      </p:grpSpPr>
+      <p:sp>
+        <p:nvSpPr>
+          <p:cNvPr id="557" name="Google Shape;557;g93a62d96b0_0_120:notes"/>
+          <p:cNvSpPr/>
+          <p:nvPr>
+            <p:ph idx="2" type="sldImg"/>
+          </p:nvPr>
+        </p:nvSpPr>
+        <p:spPr>
+          <a:xfrm>
+            <a:off x="381300" y="685800"/>
+            <a:ext cx="6096000" cy="3429000"/>
+          </a:xfrm>
+          <a:custGeom>
+            <a:rect b="b" l="l" r="r" t="t"/>
+            <a:pathLst>
+              <a:path extrusionOk="0" h="120000" w="120000">
+                <a:moveTo>
+                  <a:pt x="0" y="0"/>
+                </a:moveTo>
+                <a:lnTo>
+                  <a:pt x="120000" y="0"/>
+                </a:lnTo>
+                <a:lnTo>
+                  <a:pt x="120000" y="120000"/>
+                </a:lnTo>
+                <a:lnTo>
+                  <a:pt x="0" y="120000"/>
+                </a:lnTo>
+                <a:close/>
+              </a:path>
+            </a:pathLst>
+          </a:custGeom>
+        </p:spPr>
+      </p:sp>
+      <p:sp>
+        <p:nvSpPr>
+          <p:cNvPr id="558" name="Google Shape;558;g93a62d96b0_0_120:notes"/>
+          <p:cNvSpPr txBox="1"/>
+          <p:nvPr>
+            <p:ph idx="1" type="body"/>
+          </p:nvPr>
+        </p:nvSpPr>
+        <p:spPr>
+          <a:xfrm>
+            <a:off x="685800" y="4343400"/>
+            <a:ext cx="5486400" cy="4114800"/>
+          </a:xfrm>
+          <a:prstGeom prst="rect">
+            <a:avLst/>
+          </a:prstGeom>
+        </p:spPr>
+        <p:txBody>
+          <a:bodyPr anchorCtr="0" anchor="t" bIns="91425" lIns="91425" spcFirstLastPara="1" rIns="91425" wrap="square" tIns="91425">
+            <a:noAutofit/>
+          </a:bodyPr>
+          <a:lstStyle/>
+          <a:p>
+            <a:pPr indent="0" lvl="0" marL="0" rtl="0" algn="l">
+              <a:spcBef>
+                <a:spcPts val="0"/>
+              </a:spcBef>
+              <a:spcAft>
+                <a:spcPts val="0"/>
+              </a:spcAft>
+              <a:buNone/>
+            </a:pPr>
+            <a:r>
+              <a:t/>
+            </a:r>
+            <a:endParaRPr/>
+          </a:p>
+        </p:txBody>
+      </p:sp>
+    </p:spTree>
+  </p:cSld>
+  <p:clrMapOvr>
+    <a:masterClrMapping/>
+  </p:clrMapOvr>
+</p:notes>
+</file>
+
+<file path=ppt/notesSlides/notesSlide48.xml><?xml version="1.0" encoding="utf-8"?>
+<p:notes xmlns:a="http://schemas.openxmlformats.org/drawingml/2006/main" xmlns:r="http://schemas.openxmlformats.org/officeDocument/2006/relationships" xmlns:mc="http://schemas.openxmlformats.org/markup-compatibility/2006" xmlns:mv="urn:schemas-microsoft-com:mac:vml" xmlns:p="http://schemas.openxmlformats.org/presentationml/2006/main" xmlns:c="http://schemas.openxmlformats.org/drawingml/2006/chart" xmlns:dgm="http://schemas.openxmlformats.org/drawingml/2006/diagram" xmlns:o="urn:schemas-microsoft-com:office:office" xmlns:v="urn:schemas-microsoft-com:vml" xmlns:pvml="urn:schemas-microsoft-com:office:powerpoint" xmlns:com="http://schemas.openxmlformats.org/drawingml/2006/compatibility" xmlns:p14="http://schemas.microsoft.com/office/powerpoint/2010/main" xmlns:p15="http://schemas.microsoft.com/office/powerpoint/2012/main" xmlns:ahyp="http://schemas.microsoft.com/office/drawing/2018/hyperlinkcolor" showMasterPhAnim="0" showMasterSp="0">
+  <p:cSld>
+    <p:spTree>
+      <p:nvGrpSpPr>
+        <p:cNvPr id="563" name="Shape 563"/>
+        <p:cNvGrpSpPr/>
+        <p:nvPr/>
+      </p:nvGrpSpPr>
+      <p:grpSpPr>
+        <a:xfrm>
+          <a:off x="0" y="0"/>
+          <a:ext cx="0" cy="0"/>
+          <a:chOff x="0" y="0"/>
+          <a:chExt cx="0" cy="0"/>
+        </a:xfrm>
+      </p:grpSpPr>
+      <p:sp>
+        <p:nvSpPr>
+          <p:cNvPr id="564" name="Google Shape;564;g95856ee1a3_0_0:notes"/>
+          <p:cNvSpPr/>
+          <p:nvPr>
+            <p:ph idx="2" type="sldImg"/>
+          </p:nvPr>
+        </p:nvSpPr>
+        <p:spPr>
+          <a:xfrm>
+            <a:off x="381300" y="685800"/>
+            <a:ext cx="6096000" cy="3429000"/>
+          </a:xfrm>
+          <a:custGeom>
+            <a:rect b="b" l="l" r="r" t="t"/>
+            <a:pathLst>
+              <a:path extrusionOk="0" h="120000" w="120000">
+                <a:moveTo>
+                  <a:pt x="0" y="0"/>
+                </a:moveTo>
+                <a:lnTo>
+                  <a:pt x="120000" y="0"/>
+                </a:lnTo>
+                <a:lnTo>
+                  <a:pt x="120000" y="120000"/>
+                </a:lnTo>
+                <a:lnTo>
+                  <a:pt x="0" y="120000"/>
+                </a:lnTo>
+                <a:close/>
+              </a:path>
+            </a:pathLst>
+          </a:custGeom>
+        </p:spPr>
+      </p:sp>
+      <p:sp>
+        <p:nvSpPr>
+          <p:cNvPr id="565" name="Google Shape;565;g95856ee1a3_0_0:notes"/>
+          <p:cNvSpPr txBox="1"/>
+          <p:nvPr>
+            <p:ph idx="1" type="body"/>
+          </p:nvPr>
+        </p:nvSpPr>
+        <p:spPr>
+          <a:xfrm>
+            <a:off x="685800" y="4343400"/>
+            <a:ext cx="5486400" cy="4114800"/>
+          </a:xfrm>
+          <a:prstGeom prst="rect">
+            <a:avLst/>
+          </a:prstGeom>
+        </p:spPr>
+        <p:txBody>
+          <a:bodyPr anchorCtr="0" anchor="t" bIns="91425" lIns="91425" spcFirstLastPara="1" rIns="91425" wrap="square" tIns="91425">
+            <a:noAutofit/>
+          </a:bodyPr>
+          <a:lstStyle/>
+          <a:p>
+            <a:pPr indent="0" lvl="0" marL="0" rtl="0" algn="l">
+              <a:spcBef>
+                <a:spcPts val="0"/>
+              </a:spcBef>
+              <a:spcAft>
+                <a:spcPts val="0"/>
+              </a:spcAft>
+              <a:buNone/>
+            </a:pPr>
+            <a:r>
+              <a:t/>
+            </a:r>
+            <a:endParaRPr/>
+          </a:p>
+        </p:txBody>
+      </p:sp>
+    </p:spTree>
+  </p:cSld>
+  <p:clrMapOvr>
+    <a:masterClrMapping/>
+  </p:clrMapOvr>
+</p:notes>
+</file>
+
+<file path=ppt/notesSlides/notesSlide49.xml><?xml version="1.0" encoding="utf-8"?>
+<p:notes xmlns:a="http://schemas.openxmlformats.org/drawingml/2006/main" xmlns:r="http://schemas.openxmlformats.org/officeDocument/2006/relationships" xmlns:mc="http://schemas.openxmlformats.org/markup-compatibility/2006" xmlns:mv="urn:schemas-microsoft-com:mac:vml" xmlns:p="http://schemas.openxmlformats.org/presentationml/2006/main" xmlns:c="http://schemas.openxmlformats.org/drawingml/2006/chart" xmlns:dgm="http://schemas.openxmlformats.org/drawingml/2006/diagram" xmlns:o="urn:schemas-microsoft-com:office:office" xmlns:v="urn:schemas-microsoft-com:vml" xmlns:pvml="urn:schemas-microsoft-com:office:powerpoint" xmlns:com="http://schemas.openxmlformats.org/drawingml/2006/compatibility" xmlns:p14="http://schemas.microsoft.com/office/powerpoint/2010/main" xmlns:p15="http://schemas.microsoft.com/office/powerpoint/2012/main" xmlns:ahyp="http://schemas.microsoft.com/office/drawing/2018/hyperlinkcolor" showMasterPhAnim="0" showMasterSp="0">
+  <p:cSld>
+    <p:spTree>
+      <p:nvGrpSpPr>
+        <p:cNvPr id="569" name="Shape 569"/>
+        <p:cNvGrpSpPr/>
+        <p:nvPr/>
+      </p:nvGrpSpPr>
+      <p:grpSpPr>
+        <a:xfrm>
+          <a:off x="0" y="0"/>
+          <a:ext cx="0" cy="0"/>
+          <a:chOff x="0" y="0"/>
+          <a:chExt cx="0" cy="0"/>
+        </a:xfrm>
+      </p:grpSpPr>
+      <p:sp>
+        <p:nvSpPr>
+          <p:cNvPr id="570" name="Google Shape;570;g95856ee1a3_0_6:notes"/>
+          <p:cNvSpPr/>
+          <p:nvPr>
+            <p:ph idx="2" type="sldImg"/>
+          </p:nvPr>
+        </p:nvSpPr>
+        <p:spPr>
+          <a:xfrm>
+            <a:off x="381300" y="685800"/>
+            <a:ext cx="6096000" cy="3429000"/>
+          </a:xfrm>
+          <a:custGeom>
+            <a:rect b="b" l="l" r="r" t="t"/>
+            <a:pathLst>
+              <a:path extrusionOk="0" h="120000" w="120000">
+                <a:moveTo>
+                  <a:pt x="0" y="0"/>
+                </a:moveTo>
+                <a:lnTo>
+                  <a:pt x="120000" y="0"/>
+                </a:lnTo>
+                <a:lnTo>
+                  <a:pt x="120000" y="120000"/>
+                </a:lnTo>
+                <a:lnTo>
+                  <a:pt x="0" y="120000"/>
+                </a:lnTo>
+                <a:close/>
+              </a:path>
+            </a:pathLst>
+          </a:custGeom>
+        </p:spPr>
+      </p:sp>
+      <p:sp>
+        <p:nvSpPr>
+          <p:cNvPr id="571" name="Google Shape;571;g95856ee1a3_0_6:notes"/>
           <p:cNvSpPr txBox="1"/>
           <p:nvPr>
             <p:ph idx="1" type="body"/>
@@ -4859,6 +5163,402 @@
       <p:sp>
         <p:nvSpPr>
           <p:cNvPr id="301" name="Google Shape;301;g94c1c6638d_0_292:notes"/>
+          <p:cNvSpPr txBox="1"/>
+          <p:nvPr>
+            <p:ph idx="1" type="body"/>
+          </p:nvPr>
+        </p:nvSpPr>
+        <p:spPr>
+          <a:xfrm>
+            <a:off x="685800" y="4343400"/>
+            <a:ext cx="5486400" cy="4114800"/>
+          </a:xfrm>
+          <a:prstGeom prst="rect">
+            <a:avLst/>
+          </a:prstGeom>
+        </p:spPr>
+        <p:txBody>
+          <a:bodyPr anchorCtr="0" anchor="t" bIns="91425" lIns="91425" spcFirstLastPara="1" rIns="91425" wrap="square" tIns="91425">
+            <a:noAutofit/>
+          </a:bodyPr>
+          <a:lstStyle/>
+          <a:p>
+            <a:pPr indent="0" lvl="0" marL="0" rtl="0" algn="l">
+              <a:spcBef>
+                <a:spcPts val="0"/>
+              </a:spcBef>
+              <a:spcAft>
+                <a:spcPts val="0"/>
+              </a:spcAft>
+              <a:buNone/>
+            </a:pPr>
+            <a:r>
+              <a:t/>
+            </a:r>
+            <a:endParaRPr/>
+          </a:p>
+        </p:txBody>
+      </p:sp>
+    </p:spTree>
+  </p:cSld>
+  <p:clrMapOvr>
+    <a:masterClrMapping/>
+  </p:clrMapOvr>
+</p:notes>
+</file>
+
+<file path=ppt/notesSlides/notesSlide50.xml><?xml version="1.0" encoding="utf-8"?>
+<p:notes xmlns:a="http://schemas.openxmlformats.org/drawingml/2006/main" xmlns:r="http://schemas.openxmlformats.org/officeDocument/2006/relationships" xmlns:mc="http://schemas.openxmlformats.org/markup-compatibility/2006" xmlns:mv="urn:schemas-microsoft-com:mac:vml" xmlns:p="http://schemas.openxmlformats.org/presentationml/2006/main" xmlns:c="http://schemas.openxmlformats.org/drawingml/2006/chart" xmlns:dgm="http://schemas.openxmlformats.org/drawingml/2006/diagram" xmlns:o="urn:schemas-microsoft-com:office:office" xmlns:v="urn:schemas-microsoft-com:vml" xmlns:pvml="urn:schemas-microsoft-com:office:powerpoint" xmlns:com="http://schemas.openxmlformats.org/drawingml/2006/compatibility" xmlns:p14="http://schemas.microsoft.com/office/powerpoint/2010/main" xmlns:p15="http://schemas.microsoft.com/office/powerpoint/2012/main" xmlns:ahyp="http://schemas.microsoft.com/office/drawing/2018/hyperlinkcolor" showMasterPhAnim="0" showMasterSp="0">
+  <p:cSld>
+    <p:spTree>
+      <p:nvGrpSpPr>
+        <p:cNvPr id="577" name="Shape 577"/>
+        <p:cNvGrpSpPr/>
+        <p:nvPr/>
+      </p:nvGrpSpPr>
+      <p:grpSpPr>
+        <a:xfrm>
+          <a:off x="0" y="0"/>
+          <a:ext cx="0" cy="0"/>
+          <a:chOff x="0" y="0"/>
+          <a:chExt cx="0" cy="0"/>
+        </a:xfrm>
+      </p:grpSpPr>
+      <p:sp>
+        <p:nvSpPr>
+          <p:cNvPr id="578" name="Google Shape;578;g95856ee1a3_0_14:notes"/>
+          <p:cNvSpPr/>
+          <p:nvPr>
+            <p:ph idx="2" type="sldImg"/>
+          </p:nvPr>
+        </p:nvSpPr>
+        <p:spPr>
+          <a:xfrm>
+            <a:off x="381300" y="685800"/>
+            <a:ext cx="6096000" cy="3429000"/>
+          </a:xfrm>
+          <a:custGeom>
+            <a:rect b="b" l="l" r="r" t="t"/>
+            <a:pathLst>
+              <a:path extrusionOk="0" h="120000" w="120000">
+                <a:moveTo>
+                  <a:pt x="0" y="0"/>
+                </a:moveTo>
+                <a:lnTo>
+                  <a:pt x="120000" y="0"/>
+                </a:lnTo>
+                <a:lnTo>
+                  <a:pt x="120000" y="120000"/>
+                </a:lnTo>
+                <a:lnTo>
+                  <a:pt x="0" y="120000"/>
+                </a:lnTo>
+                <a:close/>
+              </a:path>
+            </a:pathLst>
+          </a:custGeom>
+        </p:spPr>
+      </p:sp>
+      <p:sp>
+        <p:nvSpPr>
+          <p:cNvPr id="579" name="Google Shape;579;g95856ee1a3_0_14:notes"/>
+          <p:cNvSpPr txBox="1"/>
+          <p:nvPr>
+            <p:ph idx="1" type="body"/>
+          </p:nvPr>
+        </p:nvSpPr>
+        <p:spPr>
+          <a:xfrm>
+            <a:off x="685800" y="4343400"/>
+            <a:ext cx="5486400" cy="4114800"/>
+          </a:xfrm>
+          <a:prstGeom prst="rect">
+            <a:avLst/>
+          </a:prstGeom>
+        </p:spPr>
+        <p:txBody>
+          <a:bodyPr anchorCtr="0" anchor="t" bIns="91425" lIns="91425" spcFirstLastPara="1" rIns="91425" wrap="square" tIns="91425">
+            <a:noAutofit/>
+          </a:bodyPr>
+          <a:lstStyle/>
+          <a:p>
+            <a:pPr indent="0" lvl="0" marL="0" rtl="0" algn="l">
+              <a:spcBef>
+                <a:spcPts val="0"/>
+              </a:spcBef>
+              <a:spcAft>
+                <a:spcPts val="0"/>
+              </a:spcAft>
+              <a:buNone/>
+            </a:pPr>
+            <a:r>
+              <a:t/>
+            </a:r>
+            <a:endParaRPr/>
+          </a:p>
+        </p:txBody>
+      </p:sp>
+    </p:spTree>
+  </p:cSld>
+  <p:clrMapOvr>
+    <a:masterClrMapping/>
+  </p:clrMapOvr>
+</p:notes>
+</file>
+
+<file path=ppt/notesSlides/notesSlide51.xml><?xml version="1.0" encoding="utf-8"?>
+<p:notes xmlns:a="http://schemas.openxmlformats.org/drawingml/2006/main" xmlns:r="http://schemas.openxmlformats.org/officeDocument/2006/relationships" xmlns:mc="http://schemas.openxmlformats.org/markup-compatibility/2006" xmlns:mv="urn:schemas-microsoft-com:mac:vml" xmlns:p="http://schemas.openxmlformats.org/presentationml/2006/main" xmlns:c="http://schemas.openxmlformats.org/drawingml/2006/chart" xmlns:dgm="http://schemas.openxmlformats.org/drawingml/2006/diagram" xmlns:o="urn:schemas-microsoft-com:office:office" xmlns:v="urn:schemas-microsoft-com:vml" xmlns:pvml="urn:schemas-microsoft-com:office:powerpoint" xmlns:com="http://schemas.openxmlformats.org/drawingml/2006/compatibility" xmlns:p14="http://schemas.microsoft.com/office/powerpoint/2010/main" xmlns:p15="http://schemas.microsoft.com/office/powerpoint/2012/main" xmlns:ahyp="http://schemas.microsoft.com/office/drawing/2018/hyperlinkcolor" showMasterPhAnim="0" showMasterSp="0">
+  <p:cSld>
+    <p:spTree>
+      <p:nvGrpSpPr>
+        <p:cNvPr id="584" name="Shape 584"/>
+        <p:cNvGrpSpPr/>
+        <p:nvPr/>
+      </p:nvGrpSpPr>
+      <p:grpSpPr>
+        <a:xfrm>
+          <a:off x="0" y="0"/>
+          <a:ext cx="0" cy="0"/>
+          <a:chOff x="0" y="0"/>
+          <a:chExt cx="0" cy="0"/>
+        </a:xfrm>
+      </p:grpSpPr>
+      <p:sp>
+        <p:nvSpPr>
+          <p:cNvPr id="585" name="Google Shape;585;g95856ee1a3_0_21:notes"/>
+          <p:cNvSpPr/>
+          <p:nvPr>
+            <p:ph idx="2" type="sldImg"/>
+          </p:nvPr>
+        </p:nvSpPr>
+        <p:spPr>
+          <a:xfrm>
+            <a:off x="381300" y="685800"/>
+            <a:ext cx="6096000" cy="3429000"/>
+          </a:xfrm>
+          <a:custGeom>
+            <a:rect b="b" l="l" r="r" t="t"/>
+            <a:pathLst>
+              <a:path extrusionOk="0" h="120000" w="120000">
+                <a:moveTo>
+                  <a:pt x="0" y="0"/>
+                </a:moveTo>
+                <a:lnTo>
+                  <a:pt x="120000" y="0"/>
+                </a:lnTo>
+                <a:lnTo>
+                  <a:pt x="120000" y="120000"/>
+                </a:lnTo>
+                <a:lnTo>
+                  <a:pt x="0" y="120000"/>
+                </a:lnTo>
+                <a:close/>
+              </a:path>
+            </a:pathLst>
+          </a:custGeom>
+        </p:spPr>
+      </p:sp>
+      <p:sp>
+        <p:nvSpPr>
+          <p:cNvPr id="586" name="Google Shape;586;g95856ee1a3_0_21:notes"/>
+          <p:cNvSpPr txBox="1"/>
+          <p:nvPr>
+            <p:ph idx="1" type="body"/>
+          </p:nvPr>
+        </p:nvSpPr>
+        <p:spPr>
+          <a:xfrm>
+            <a:off x="685800" y="4343400"/>
+            <a:ext cx="5486400" cy="4114800"/>
+          </a:xfrm>
+          <a:prstGeom prst="rect">
+            <a:avLst/>
+          </a:prstGeom>
+        </p:spPr>
+        <p:txBody>
+          <a:bodyPr anchorCtr="0" anchor="t" bIns="91425" lIns="91425" spcFirstLastPara="1" rIns="91425" wrap="square" tIns="91425">
+            <a:noAutofit/>
+          </a:bodyPr>
+          <a:lstStyle/>
+          <a:p>
+            <a:pPr indent="0" lvl="0" marL="0" rtl="0" algn="l">
+              <a:spcBef>
+                <a:spcPts val="0"/>
+              </a:spcBef>
+              <a:spcAft>
+                <a:spcPts val="0"/>
+              </a:spcAft>
+              <a:buNone/>
+            </a:pPr>
+            <a:r>
+              <a:t/>
+            </a:r>
+            <a:endParaRPr/>
+          </a:p>
+        </p:txBody>
+      </p:sp>
+    </p:spTree>
+  </p:cSld>
+  <p:clrMapOvr>
+    <a:masterClrMapping/>
+  </p:clrMapOvr>
+</p:notes>
+</file>
+
+<file path=ppt/notesSlides/notesSlide52.xml><?xml version="1.0" encoding="utf-8"?>
+<p:notes xmlns:a="http://schemas.openxmlformats.org/drawingml/2006/main" xmlns:r="http://schemas.openxmlformats.org/officeDocument/2006/relationships" xmlns:mc="http://schemas.openxmlformats.org/markup-compatibility/2006" xmlns:mv="urn:schemas-microsoft-com:mac:vml" xmlns:p="http://schemas.openxmlformats.org/presentationml/2006/main" xmlns:c="http://schemas.openxmlformats.org/drawingml/2006/chart" xmlns:dgm="http://schemas.openxmlformats.org/drawingml/2006/diagram" xmlns:o="urn:schemas-microsoft-com:office:office" xmlns:v="urn:schemas-microsoft-com:vml" xmlns:pvml="urn:schemas-microsoft-com:office:powerpoint" xmlns:com="http://schemas.openxmlformats.org/drawingml/2006/compatibility" xmlns:p14="http://schemas.microsoft.com/office/powerpoint/2010/main" xmlns:p15="http://schemas.microsoft.com/office/powerpoint/2012/main" xmlns:ahyp="http://schemas.microsoft.com/office/drawing/2018/hyperlinkcolor" showMasterPhAnim="0" showMasterSp="0">
+  <p:cSld>
+    <p:spTree>
+      <p:nvGrpSpPr>
+        <p:cNvPr id="591" name="Shape 591"/>
+        <p:cNvGrpSpPr/>
+        <p:nvPr/>
+      </p:nvGrpSpPr>
+      <p:grpSpPr>
+        <a:xfrm>
+          <a:off x="0" y="0"/>
+          <a:ext cx="0" cy="0"/>
+          <a:chOff x="0" y="0"/>
+          <a:chExt cx="0" cy="0"/>
+        </a:xfrm>
+      </p:grpSpPr>
+      <p:sp>
+        <p:nvSpPr>
+          <p:cNvPr id="592" name="Google Shape;592;g95856ee1a3_0_27:notes"/>
+          <p:cNvSpPr/>
+          <p:nvPr>
+            <p:ph idx="2" type="sldImg"/>
+          </p:nvPr>
+        </p:nvSpPr>
+        <p:spPr>
+          <a:xfrm>
+            <a:off x="381300" y="685800"/>
+            <a:ext cx="6096000" cy="3429000"/>
+          </a:xfrm>
+          <a:custGeom>
+            <a:rect b="b" l="l" r="r" t="t"/>
+            <a:pathLst>
+              <a:path extrusionOk="0" h="120000" w="120000">
+                <a:moveTo>
+                  <a:pt x="0" y="0"/>
+                </a:moveTo>
+                <a:lnTo>
+                  <a:pt x="120000" y="0"/>
+                </a:lnTo>
+                <a:lnTo>
+                  <a:pt x="120000" y="120000"/>
+                </a:lnTo>
+                <a:lnTo>
+                  <a:pt x="0" y="120000"/>
+                </a:lnTo>
+                <a:close/>
+              </a:path>
+            </a:pathLst>
+          </a:custGeom>
+        </p:spPr>
+      </p:sp>
+      <p:sp>
+        <p:nvSpPr>
+          <p:cNvPr id="593" name="Google Shape;593;g95856ee1a3_0_27:notes"/>
+          <p:cNvSpPr txBox="1"/>
+          <p:nvPr>
+            <p:ph idx="1" type="body"/>
+          </p:nvPr>
+        </p:nvSpPr>
+        <p:spPr>
+          <a:xfrm>
+            <a:off x="685800" y="4343400"/>
+            <a:ext cx="5486400" cy="4114800"/>
+          </a:xfrm>
+          <a:prstGeom prst="rect">
+            <a:avLst/>
+          </a:prstGeom>
+        </p:spPr>
+        <p:txBody>
+          <a:bodyPr anchorCtr="0" anchor="t" bIns="91425" lIns="91425" spcFirstLastPara="1" rIns="91425" wrap="square" tIns="91425">
+            <a:noAutofit/>
+          </a:bodyPr>
+          <a:lstStyle/>
+          <a:p>
+            <a:pPr indent="0" lvl="0" marL="0" rtl="0" algn="l">
+              <a:spcBef>
+                <a:spcPts val="0"/>
+              </a:spcBef>
+              <a:spcAft>
+                <a:spcPts val="0"/>
+              </a:spcAft>
+              <a:buNone/>
+            </a:pPr>
+            <a:r>
+              <a:t/>
+            </a:r>
+            <a:endParaRPr/>
+          </a:p>
+        </p:txBody>
+      </p:sp>
+    </p:spTree>
+  </p:cSld>
+  <p:clrMapOvr>
+    <a:masterClrMapping/>
+  </p:clrMapOvr>
+</p:notes>
+</file>
+
+<file path=ppt/notesSlides/notesSlide53.xml><?xml version="1.0" encoding="utf-8"?>
+<p:notes xmlns:a="http://schemas.openxmlformats.org/drawingml/2006/main" xmlns:r="http://schemas.openxmlformats.org/officeDocument/2006/relationships" xmlns:mc="http://schemas.openxmlformats.org/markup-compatibility/2006" xmlns:mv="urn:schemas-microsoft-com:mac:vml" xmlns:p="http://schemas.openxmlformats.org/presentationml/2006/main" xmlns:c="http://schemas.openxmlformats.org/drawingml/2006/chart" xmlns:dgm="http://schemas.openxmlformats.org/drawingml/2006/diagram" xmlns:o="urn:schemas-microsoft-com:office:office" xmlns:v="urn:schemas-microsoft-com:vml" xmlns:pvml="urn:schemas-microsoft-com:office:powerpoint" xmlns:com="http://schemas.openxmlformats.org/drawingml/2006/compatibility" xmlns:p14="http://schemas.microsoft.com/office/powerpoint/2010/main" xmlns:p15="http://schemas.microsoft.com/office/powerpoint/2012/main" xmlns:ahyp="http://schemas.microsoft.com/office/drawing/2018/hyperlinkcolor" showMasterPhAnim="0" showMasterSp="0">
+  <p:cSld>
+    <p:spTree>
+      <p:nvGrpSpPr>
+        <p:cNvPr id="598" name="Shape 598"/>
+        <p:cNvGrpSpPr/>
+        <p:nvPr/>
+      </p:nvGrpSpPr>
+      <p:grpSpPr>
+        <a:xfrm>
+          <a:off x="0" y="0"/>
+          <a:ext cx="0" cy="0"/>
+          <a:chOff x="0" y="0"/>
+          <a:chExt cx="0" cy="0"/>
+        </a:xfrm>
+      </p:grpSpPr>
+      <p:sp>
+        <p:nvSpPr>
+          <p:cNvPr id="599" name="Google Shape;599;g95856ee1a3_0_40:notes"/>
+          <p:cNvSpPr/>
+          <p:nvPr>
+            <p:ph idx="2" type="sldImg"/>
+          </p:nvPr>
+        </p:nvSpPr>
+        <p:spPr>
+          <a:xfrm>
+            <a:off x="381300" y="685800"/>
+            <a:ext cx="6096000" cy="3429000"/>
+          </a:xfrm>
+          <a:custGeom>
+            <a:rect b="b" l="l" r="r" t="t"/>
+            <a:pathLst>
+              <a:path extrusionOk="0" h="120000" w="120000">
+                <a:moveTo>
+                  <a:pt x="0" y="0"/>
+                </a:moveTo>
+                <a:lnTo>
+                  <a:pt x="120000" y="0"/>
+                </a:lnTo>
+                <a:lnTo>
+                  <a:pt x="120000" y="120000"/>
+                </a:lnTo>
+                <a:lnTo>
+                  <a:pt x="0" y="120000"/>
+                </a:lnTo>
+                <a:close/>
+              </a:path>
+            </a:pathLst>
+          </a:custGeom>
+        </p:spPr>
+      </p:sp>
+      <p:sp>
+        <p:nvSpPr>
+          <p:cNvPr id="600" name="Google Shape;600;g95856ee1a3_0_40:notes"/>
           <p:cNvSpPr txBox="1"/>
           <p:nvPr>
             <p:ph idx="1" type="body"/>
@@ -14812,7 +15512,7 @@
         </p:nvSpPr>
         <p:spPr>
           <a:xfrm>
-            <a:off x="1303800" y="598575"/>
+            <a:off x="3588750" y="354100"/>
             <a:ext cx="7030500" cy="999300"/>
           </a:xfrm>
           <a:prstGeom prst="rect">
@@ -20088,7 +20788,7 @@
         </p:nvSpPr>
         <p:spPr>
           <a:xfrm>
-            <a:off x="1303800" y="598575"/>
+            <a:off x="3588750" y="354100"/>
             <a:ext cx="7030500" cy="999300"/>
           </a:xfrm>
           <a:prstGeom prst="rect">
@@ -20329,36 +21029,8 @@
         </p:blipFill>
         <p:spPr>
           <a:xfrm>
-            <a:off x="265225" y="58350"/>
-            <a:ext cx="4400125" cy="4838700"/>
-          </a:xfrm>
-          <a:prstGeom prst="rect">
-            <a:avLst/>
-          </a:prstGeom>
-          <a:noFill/>
-          <a:ln>
-            <a:noFill/>
-          </a:ln>
-        </p:spPr>
-      </p:pic>
-      <p:pic>
-        <p:nvPicPr>
-          <p:cNvPr id="379" name="Google Shape;379;p29"/>
-          <p:cNvPicPr preferRelativeResize="0"/>
-          <p:nvPr/>
-        </p:nvPicPr>
-        <p:blipFill>
-          <a:blip r:embed="rId4">
-            <a:alphaModFix/>
-          </a:blip>
-          <a:stretch>
-            <a:fillRect/>
-          </a:stretch>
-        </p:blipFill>
-        <p:spPr>
-          <a:xfrm>
-            <a:off x="4381850" y="58350"/>
-            <a:ext cx="4562724" cy="5199176"/>
+            <a:off x="1214950" y="472100"/>
+            <a:ext cx="6543675" cy="3838575"/>
           </a:xfrm>
           <a:prstGeom prst="rect">
             <a:avLst/>
@@ -20382,7 +21054,7 @@
   <p:cSld>
     <p:spTree>
       <p:nvGrpSpPr>
-        <p:cNvPr id="383" name="Shape 383"/>
+        <p:cNvPr id="382" name="Shape 382"/>
         <p:cNvGrpSpPr/>
         <p:nvPr/>
       </p:nvGrpSpPr>
@@ -20396,7 +21068,7 @@
       </p:grpSpPr>
       <p:pic>
         <p:nvPicPr>
-          <p:cNvPr id="384" name="Google Shape;384;p30"/>
+          <p:cNvPr id="383" name="Google Shape;383;p30"/>
           <p:cNvPicPr preferRelativeResize="0"/>
           <p:nvPr/>
         </p:nvPicPr>
@@ -20410,8 +21082,36 @@
         </p:blipFill>
         <p:spPr>
           <a:xfrm>
-            <a:off x="584950" y="58375"/>
-            <a:ext cx="6787076" cy="4838700"/>
+            <a:off x="152400" y="152400"/>
+            <a:ext cx="4905375" cy="4391025"/>
+          </a:xfrm>
+          <a:prstGeom prst="rect">
+            <a:avLst/>
+          </a:prstGeom>
+          <a:noFill/>
+          <a:ln>
+            <a:noFill/>
+          </a:ln>
+        </p:spPr>
+      </p:pic>
+      <p:pic>
+        <p:nvPicPr>
+          <p:cNvPr id="384" name="Google Shape;384;p30"/>
+          <p:cNvPicPr preferRelativeResize="0"/>
+          <p:nvPr/>
+        </p:nvPicPr>
+        <p:blipFill>
+          <a:blip r:embed="rId4">
+            <a:alphaModFix/>
+          </a:blip>
+          <a:stretch>
+            <a:fillRect/>
+          </a:stretch>
+        </p:blipFill>
+        <p:spPr>
+          <a:xfrm>
+            <a:off x="4189650" y="349850"/>
+            <a:ext cx="4905374" cy="4274921"/>
           </a:xfrm>
           <a:prstGeom prst="rect">
             <a:avLst/>
@@ -20463,8 +21163,36 @@
         </p:blipFill>
         <p:spPr>
           <a:xfrm>
-            <a:off x="180625" y="237025"/>
-            <a:ext cx="8067675" cy="3619500"/>
+            <a:off x="124200" y="86575"/>
+            <a:ext cx="4305300" cy="3048000"/>
+          </a:xfrm>
+          <a:prstGeom prst="rect">
+            <a:avLst/>
+          </a:prstGeom>
+          <a:noFill/>
+          <a:ln>
+            <a:noFill/>
+          </a:ln>
+        </p:spPr>
+      </p:pic>
+      <p:pic>
+        <p:nvPicPr>
+          <p:cNvPr id="390" name="Google Shape;390;p31"/>
+          <p:cNvPicPr preferRelativeResize="0"/>
+          <p:nvPr/>
+        </p:nvPicPr>
+        <p:blipFill>
+          <a:blip r:embed="rId4">
+            <a:alphaModFix/>
+          </a:blip>
+          <a:stretch>
+            <a:fillRect/>
+          </a:stretch>
+        </p:blipFill>
+        <p:spPr>
+          <a:xfrm>
+            <a:off x="4525475" y="1666300"/>
+            <a:ext cx="4409700" cy="3272608"/>
           </a:xfrm>
           <a:prstGeom prst="rect">
             <a:avLst/>
@@ -20510,7 +21238,7 @@
         </p:nvSpPr>
         <p:spPr>
           <a:xfrm>
-            <a:off x="1303800" y="598575"/>
+            <a:off x="3588750" y="354100"/>
             <a:ext cx="7030500" cy="999300"/>
           </a:xfrm>
           <a:prstGeom prst="rect">
@@ -20634,7 +21362,7 @@
   <p:cSld>
     <p:spTree>
       <p:nvGrpSpPr>
-        <p:cNvPr id="393" name="Shape 393"/>
+        <p:cNvPr id="394" name="Shape 394"/>
         <p:cNvGrpSpPr/>
         <p:nvPr/>
       </p:nvGrpSpPr>
@@ -20648,7 +21376,7 @@
       </p:grpSpPr>
       <p:pic>
         <p:nvPicPr>
-          <p:cNvPr id="394" name="Google Shape;394;p32"/>
+          <p:cNvPr id="395" name="Google Shape;395;p32"/>
           <p:cNvPicPr preferRelativeResize="0"/>
           <p:nvPr/>
         </p:nvPicPr>
@@ -20662,36 +21390,8 @@
         </p:blipFill>
         <p:spPr>
           <a:xfrm>
-            <a:off x="-65825" y="114350"/>
-            <a:ext cx="7328126" cy="4258100"/>
-          </a:xfrm>
-          <a:prstGeom prst="rect">
-            <a:avLst/>
-          </a:prstGeom>
-          <a:noFill/>
-          <a:ln>
-            <a:noFill/>
-          </a:ln>
-        </p:spPr>
-      </p:pic>
-      <p:pic>
-        <p:nvPicPr>
-          <p:cNvPr id="395" name="Google Shape;395;p32"/>
-          <p:cNvPicPr preferRelativeResize="0"/>
-          <p:nvPr/>
-        </p:nvPicPr>
-        <p:blipFill>
-          <a:blip r:embed="rId4">
-            <a:alphaModFix/>
-          </a:blip>
-          <a:stretch>
-            <a:fillRect/>
-          </a:stretch>
-        </p:blipFill>
-        <p:spPr>
-          <a:xfrm>
-            <a:off x="3808300" y="161368"/>
-            <a:ext cx="9144001" cy="4362040"/>
+            <a:off x="152400" y="152400"/>
+            <a:ext cx="8181975" cy="4714875"/>
           </a:xfrm>
           <a:prstGeom prst="rect">
             <a:avLst/>
@@ -20743,8 +21443,64 @@
         </p:blipFill>
         <p:spPr>
           <a:xfrm>
-            <a:off x="0" y="0"/>
-            <a:ext cx="8839199" cy="4728569"/>
+            <a:off x="152400" y="152400"/>
+            <a:ext cx="3200400" cy="3543300"/>
+          </a:xfrm>
+          <a:prstGeom prst="rect">
+            <a:avLst/>
+          </a:prstGeom>
+          <a:noFill/>
+          <a:ln>
+            <a:noFill/>
+          </a:ln>
+        </p:spPr>
+      </p:pic>
+      <p:pic>
+        <p:nvPicPr>
+          <p:cNvPr id="401" name="Google Shape;401;p33"/>
+          <p:cNvPicPr preferRelativeResize="0"/>
+          <p:nvPr/>
+        </p:nvPicPr>
+        <p:blipFill>
+          <a:blip r:embed="rId4">
+            <a:alphaModFix/>
+          </a:blip>
+          <a:stretch>
+            <a:fillRect/>
+          </a:stretch>
+        </p:blipFill>
+        <p:spPr>
+          <a:xfrm>
+            <a:off x="2980475" y="1773396"/>
+            <a:ext cx="3200400" cy="3218329"/>
+          </a:xfrm>
+          <a:prstGeom prst="rect">
+            <a:avLst/>
+          </a:prstGeom>
+          <a:noFill/>
+          <a:ln>
+            <a:noFill/>
+          </a:ln>
+        </p:spPr>
+      </p:pic>
+      <p:pic>
+        <p:nvPicPr>
+          <p:cNvPr id="402" name="Google Shape;402;p33"/>
+          <p:cNvPicPr preferRelativeResize="0"/>
+          <p:nvPr/>
+        </p:nvPicPr>
+        <p:blipFill>
+          <a:blip r:embed="rId5">
+            <a:alphaModFix/>
+          </a:blip>
+          <a:stretch>
+            <a:fillRect/>
+          </a:stretch>
+        </p:blipFill>
+        <p:spPr>
+          <a:xfrm>
+            <a:off x="6102650" y="214681"/>
+            <a:ext cx="3135400" cy="3281844"/>
           </a:xfrm>
           <a:prstGeom prst="rect">
             <a:avLst/>
@@ -20768,7 +21524,7 @@
   <p:cSld>
     <p:spTree>
       <p:nvGrpSpPr>
-        <p:cNvPr id="404" name="Shape 404"/>
+        <p:cNvPr id="406" name="Shape 406"/>
         <p:cNvGrpSpPr/>
         <p:nvPr/>
       </p:nvGrpSpPr>
@@ -20782,7 +21538,7 @@
       </p:grpSpPr>
       <p:pic>
         <p:nvPicPr>
-          <p:cNvPr id="405" name="Google Shape;405;p34"/>
+          <p:cNvPr id="407" name="Google Shape;407;p34"/>
           <p:cNvPicPr preferRelativeResize="0"/>
           <p:nvPr/>
         </p:nvPicPr>
@@ -20796,8 +21552,8 @@
         </p:blipFill>
         <p:spPr>
           <a:xfrm>
-            <a:off x="-120300" y="-54450"/>
-            <a:ext cx="7191426" cy="4032076"/>
+            <a:off x="152400" y="152400"/>
+            <a:ext cx="5095875" cy="4619625"/>
           </a:xfrm>
           <a:prstGeom prst="rect">
             <a:avLst/>
@@ -20810,7 +21566,7 @@
       </p:pic>
       <p:pic>
         <p:nvPicPr>
-          <p:cNvPr id="406" name="Google Shape;406;p34"/>
+          <p:cNvPr id="408" name="Google Shape;408;p34"/>
           <p:cNvPicPr preferRelativeResize="0"/>
           <p:nvPr/>
         </p:nvPicPr>
@@ -20824,8 +21580,8 @@
         </p:blipFill>
         <p:spPr>
           <a:xfrm>
-            <a:off x="3231475" y="1053150"/>
-            <a:ext cx="7033425" cy="4175000"/>
+            <a:off x="5124400" y="268963"/>
+            <a:ext cx="4019600" cy="4304676"/>
           </a:xfrm>
           <a:prstGeom prst="rect">
             <a:avLst/>
@@ -20849,7 +21605,7 @@
   <p:cSld>
     <p:spTree>
       <p:nvGrpSpPr>
-        <p:cNvPr id="410" name="Shape 410"/>
+        <p:cNvPr id="412" name="Shape 412"/>
         <p:cNvGrpSpPr/>
         <p:nvPr/>
       </p:nvGrpSpPr>
@@ -20863,7 +21619,7 @@
       </p:grpSpPr>
       <p:sp>
         <p:nvSpPr>
-          <p:cNvPr id="411" name="Google Shape;411;p35"/>
+          <p:cNvPr id="413" name="Google Shape;413;p35"/>
           <p:cNvSpPr txBox="1"/>
           <p:nvPr>
             <p:ph type="title"/>
@@ -20871,7 +21627,7 @@
         </p:nvSpPr>
         <p:spPr>
           <a:xfrm>
-            <a:off x="1303800" y="598575"/>
+            <a:off x="3588750" y="354100"/>
             <a:ext cx="7030500" cy="999300"/>
           </a:xfrm>
           <a:prstGeom prst="rect">
@@ -20933,7 +21689,7 @@
       </p:sp>
       <p:sp>
         <p:nvSpPr>
-          <p:cNvPr id="412" name="Google Shape;412;p35"/>
+          <p:cNvPr id="414" name="Google Shape;414;p35"/>
           <p:cNvSpPr txBox="1"/>
           <p:nvPr>
             <p:ph idx="1" type="body"/>
@@ -20993,7 +21749,7 @@
   <p:cSld>
     <p:spTree>
       <p:nvGrpSpPr>
-        <p:cNvPr id="416" name="Shape 416"/>
+        <p:cNvPr id="418" name="Shape 418"/>
         <p:cNvGrpSpPr/>
         <p:nvPr/>
       </p:nvGrpSpPr>
@@ -21007,7 +21763,7 @@
       </p:grpSpPr>
       <p:pic>
         <p:nvPicPr>
-          <p:cNvPr id="417" name="Google Shape;417;p36"/>
+          <p:cNvPr id="419" name="Google Shape;419;p36"/>
           <p:cNvPicPr preferRelativeResize="0"/>
           <p:nvPr/>
         </p:nvPicPr>
@@ -21022,7 +21778,7 @@
         <p:spPr>
           <a:xfrm>
             <a:off x="152400" y="152400"/>
-            <a:ext cx="8839201" cy="4237043"/>
+            <a:ext cx="8839200" cy="4562168"/>
           </a:xfrm>
           <a:prstGeom prst="rect">
             <a:avLst/>
@@ -21046,7 +21802,7 @@
   <p:cSld>
     <p:spTree>
       <p:nvGrpSpPr>
-        <p:cNvPr id="421" name="Shape 421"/>
+        <p:cNvPr id="423" name="Shape 423"/>
         <p:cNvGrpSpPr/>
         <p:nvPr/>
       </p:nvGrpSpPr>
@@ -21060,7 +21816,7 @@
       </p:grpSpPr>
       <p:pic>
         <p:nvPicPr>
-          <p:cNvPr id="422" name="Google Shape;422;p37"/>
+          <p:cNvPr id="424" name="Google Shape;424;p37"/>
           <p:cNvPicPr preferRelativeResize="0"/>
           <p:nvPr/>
         </p:nvPicPr>
@@ -21075,7 +21831,7 @@
         <p:spPr>
           <a:xfrm>
             <a:off x="152400" y="152400"/>
-            <a:ext cx="5511150" cy="3825125"/>
+            <a:ext cx="5181600" cy="3324225"/>
           </a:xfrm>
           <a:prstGeom prst="rect">
             <a:avLst/>
@@ -21088,7 +21844,7 @@
       </p:pic>
       <p:pic>
         <p:nvPicPr>
-          <p:cNvPr id="423" name="Google Shape;423;p37"/>
+          <p:cNvPr id="425" name="Google Shape;425;p37"/>
           <p:cNvPicPr preferRelativeResize="0"/>
           <p:nvPr/>
         </p:nvPicPr>
@@ -21102,8 +21858,8 @@
         </p:blipFill>
         <p:spPr>
           <a:xfrm>
-            <a:off x="3643825" y="2108250"/>
-            <a:ext cx="5350025" cy="2988250"/>
+            <a:off x="5569075" y="1337544"/>
+            <a:ext cx="3183200" cy="3655706"/>
           </a:xfrm>
           <a:prstGeom prst="rect">
             <a:avLst/>
@@ -21127,7 +21883,7 @@
   <p:cSld>
     <p:spTree>
       <p:nvGrpSpPr>
-        <p:cNvPr id="427" name="Shape 427"/>
+        <p:cNvPr id="429" name="Shape 429"/>
         <p:cNvGrpSpPr/>
         <p:nvPr/>
       </p:nvGrpSpPr>
@@ -21141,7 +21897,7 @@
       </p:grpSpPr>
       <p:pic>
         <p:nvPicPr>
-          <p:cNvPr id="428" name="Google Shape;428;p38"/>
+          <p:cNvPr id="430" name="Google Shape;430;p38"/>
           <p:cNvPicPr preferRelativeResize="0"/>
           <p:nvPr/>
         </p:nvPicPr>
@@ -21155,36 +21911,8 @@
         </p:blipFill>
         <p:spPr>
           <a:xfrm>
-            <a:off x="152400" y="152400"/>
-            <a:ext cx="4285875" cy="4838701"/>
-          </a:xfrm>
-          <a:prstGeom prst="rect">
-            <a:avLst/>
-          </a:prstGeom>
-          <a:noFill/>
-          <a:ln>
-            <a:noFill/>
-          </a:ln>
-        </p:spPr>
-      </p:pic>
-      <p:pic>
-        <p:nvPicPr>
-          <p:cNvPr id="429" name="Google Shape;429;p38"/>
-          <p:cNvPicPr preferRelativeResize="0"/>
-          <p:nvPr/>
-        </p:nvPicPr>
-        <p:blipFill>
-          <a:blip r:embed="rId4">
-            <a:alphaModFix/>
-          </a:blip>
-          <a:stretch>
-            <a:fillRect/>
-          </a:stretch>
-        </p:blipFill>
-        <p:spPr>
-          <a:xfrm>
-            <a:off x="4757753" y="304800"/>
-            <a:ext cx="3577549" cy="4838700"/>
+            <a:off x="1638100" y="763625"/>
+            <a:ext cx="5705725" cy="3506100"/>
           </a:xfrm>
           <a:prstGeom prst="rect">
             <a:avLst/>
@@ -21208,7 +21936,7 @@
   <p:cSld>
     <p:spTree>
       <p:nvGrpSpPr>
-        <p:cNvPr id="433" name="Shape 433"/>
+        <p:cNvPr id="434" name="Shape 434"/>
         <p:cNvGrpSpPr/>
         <p:nvPr/>
       </p:nvGrpSpPr>
@@ -21222,7 +21950,7 @@
       </p:grpSpPr>
       <p:pic>
         <p:nvPicPr>
-          <p:cNvPr id="434" name="Google Shape;434;p39"/>
+          <p:cNvPr id="435" name="Google Shape;435;p39"/>
           <p:cNvPicPr preferRelativeResize="0"/>
           <p:nvPr/>
         </p:nvPicPr>
@@ -21237,7 +21965,7 @@
         <p:spPr>
           <a:xfrm>
             <a:off x="152400" y="152400"/>
-            <a:ext cx="3611493" cy="4838700"/>
+            <a:ext cx="4053637" cy="4838699"/>
           </a:xfrm>
           <a:prstGeom prst="rect">
             <a:avLst/>
@@ -21250,7 +21978,7 @@
       </p:pic>
       <p:pic>
         <p:nvPicPr>
-          <p:cNvPr id="435" name="Google Shape;435;p39"/>
+          <p:cNvPr id="436" name="Google Shape;436;p39"/>
           <p:cNvPicPr preferRelativeResize="0"/>
           <p:nvPr/>
         </p:nvPicPr>
@@ -21264,8 +21992,8 @@
         </p:blipFill>
         <p:spPr>
           <a:xfrm>
-            <a:off x="4668543" y="0"/>
-            <a:ext cx="3320841" cy="4838700"/>
+            <a:off x="4490074" y="190025"/>
+            <a:ext cx="3972725" cy="4838700"/>
           </a:xfrm>
           <a:prstGeom prst="rect">
             <a:avLst/>
@@ -21289,7 +22017,7 @@
   <p:cSld>
     <p:spTree>
       <p:nvGrpSpPr>
-        <p:cNvPr id="439" name="Shape 439"/>
+        <p:cNvPr id="440" name="Shape 440"/>
         <p:cNvGrpSpPr/>
         <p:nvPr/>
       </p:nvGrpSpPr>
@@ -21303,7 +22031,7 @@
       </p:grpSpPr>
       <p:pic>
         <p:nvPicPr>
-          <p:cNvPr id="440" name="Google Shape;440;p40"/>
+          <p:cNvPr id="441" name="Google Shape;441;p40"/>
           <p:cNvPicPr preferRelativeResize="0"/>
           <p:nvPr/>
         </p:nvPicPr>
@@ -21318,7 +22046,7 @@
         <p:spPr>
           <a:xfrm>
             <a:off x="152400" y="152400"/>
-            <a:ext cx="5433050" cy="4838700"/>
+            <a:ext cx="3536305" cy="4838701"/>
           </a:xfrm>
           <a:prstGeom prst="rect">
             <a:avLst/>
@@ -21331,7 +22059,7 @@
       </p:pic>
       <p:pic>
         <p:nvPicPr>
-          <p:cNvPr id="441" name="Google Shape;441;p40"/>
+          <p:cNvPr id="442" name="Google Shape;442;p40"/>
           <p:cNvPicPr preferRelativeResize="0"/>
           <p:nvPr/>
         </p:nvPicPr>
@@ -21345,8 +22073,8 @@
         </p:blipFill>
         <p:spPr>
           <a:xfrm>
-            <a:off x="4720375" y="916850"/>
-            <a:ext cx="4202525" cy="2933700"/>
+            <a:off x="4960080" y="86600"/>
+            <a:ext cx="3522913" cy="4838700"/>
           </a:xfrm>
           <a:prstGeom prst="rect">
             <a:avLst/>
@@ -21370,7 +22098,7 @@
   <p:cSld>
     <p:spTree>
       <p:nvGrpSpPr>
-        <p:cNvPr id="445" name="Shape 445"/>
+        <p:cNvPr id="446" name="Shape 446"/>
         <p:cNvGrpSpPr/>
         <p:nvPr/>
       </p:nvGrpSpPr>
@@ -21384,7 +22112,7 @@
       </p:grpSpPr>
       <p:pic>
         <p:nvPicPr>
-          <p:cNvPr id="446" name="Google Shape;446;p41"/>
+          <p:cNvPr id="447" name="Google Shape;447;p41"/>
           <p:cNvPicPr preferRelativeResize="0"/>
           <p:nvPr/>
         </p:nvPicPr>
@@ -21398,8 +22126,36 @@
         </p:blipFill>
         <p:spPr>
           <a:xfrm>
-            <a:off x="1572250" y="650750"/>
-            <a:ext cx="5114925" cy="3257550"/>
+            <a:off x="152400" y="152400"/>
+            <a:ext cx="5527075" cy="2572250"/>
+          </a:xfrm>
+          <a:prstGeom prst="rect">
+            <a:avLst/>
+          </a:prstGeom>
+          <a:noFill/>
+          <a:ln>
+            <a:noFill/>
+          </a:ln>
+        </p:spPr>
+      </p:pic>
+      <p:pic>
+        <p:nvPicPr>
+          <p:cNvPr id="448" name="Google Shape;448;p41"/>
+          <p:cNvPicPr preferRelativeResize="0"/>
+          <p:nvPr/>
+        </p:nvPicPr>
+        <p:blipFill>
+          <a:blip r:embed="rId4">
+            <a:alphaModFix/>
+          </a:blip>
+          <a:stretch>
+            <a:fillRect/>
+          </a:stretch>
+        </p:blipFill>
+        <p:spPr>
+          <a:xfrm>
+            <a:off x="3476100" y="2679875"/>
+            <a:ext cx="5231175" cy="2410900"/>
           </a:xfrm>
           <a:prstGeom prst="rect">
             <a:avLst/>
@@ -21445,7 +22201,7 @@
         </p:nvSpPr>
         <p:spPr>
           <a:xfrm>
-            <a:off x="1303800" y="598575"/>
+            <a:off x="3588750" y="354100"/>
             <a:ext cx="7030500" cy="999300"/>
           </a:xfrm>
           <a:prstGeom prst="rect">
@@ -21587,7 +22343,7 @@
   <p:cSld>
     <p:spTree>
       <p:nvGrpSpPr>
-        <p:cNvPr id="450" name="Shape 450"/>
+        <p:cNvPr id="452" name="Shape 452"/>
         <p:cNvGrpSpPr/>
         <p:nvPr/>
       </p:nvGrpSpPr>
@@ -21601,7 +22357,7 @@
       </p:grpSpPr>
       <p:pic>
         <p:nvPicPr>
-          <p:cNvPr id="451" name="Google Shape;451;p42"/>
+          <p:cNvPr id="453" name="Google Shape;453;p42"/>
           <p:cNvPicPr preferRelativeResize="0"/>
           <p:nvPr/>
         </p:nvPicPr>
@@ -21616,7 +22372,35 @@
         <p:spPr>
           <a:xfrm>
             <a:off x="152400" y="152400"/>
-            <a:ext cx="7277592" cy="4838700"/>
+            <a:ext cx="5600700" cy="2914650"/>
+          </a:xfrm>
+          <a:prstGeom prst="rect">
+            <a:avLst/>
+          </a:prstGeom>
+          <a:noFill/>
+          <a:ln>
+            <a:noFill/>
+          </a:ln>
+        </p:spPr>
+      </p:pic>
+      <p:pic>
+        <p:nvPicPr>
+          <p:cNvPr id="454" name="Google Shape;454;p42"/>
+          <p:cNvPicPr preferRelativeResize="0"/>
+          <p:nvPr/>
+        </p:nvPicPr>
+        <p:blipFill>
+          <a:blip r:embed="rId4">
+            <a:alphaModFix/>
+          </a:blip>
+          <a:stretch>
+            <a:fillRect/>
+          </a:stretch>
+        </p:blipFill>
+        <p:spPr>
+          <a:xfrm>
+            <a:off x="3066150" y="3106625"/>
+            <a:ext cx="5554425" cy="1500900"/>
           </a:xfrm>
           <a:prstGeom prst="rect">
             <a:avLst/>
@@ -21640,7 +22424,7 @@
   <p:cSld>
     <p:spTree>
       <p:nvGrpSpPr>
-        <p:cNvPr id="455" name="Shape 455"/>
+        <p:cNvPr id="458" name="Shape 458"/>
         <p:cNvGrpSpPr/>
         <p:nvPr/>
       </p:nvGrpSpPr>
@@ -21654,7 +22438,7 @@
       </p:grpSpPr>
       <p:pic>
         <p:nvPicPr>
-          <p:cNvPr id="456" name="Google Shape;456;p43"/>
+          <p:cNvPr id="459" name="Google Shape;459;p43"/>
           <p:cNvPicPr preferRelativeResize="0"/>
           <p:nvPr/>
         </p:nvPicPr>
@@ -21668,36 +22452,8 @@
         </p:blipFill>
         <p:spPr>
           <a:xfrm>
-            <a:off x="152400" y="152400"/>
-            <a:ext cx="4576314" cy="4838700"/>
-          </a:xfrm>
-          <a:prstGeom prst="rect">
-            <a:avLst/>
-          </a:prstGeom>
-          <a:noFill/>
-          <a:ln>
-            <a:noFill/>
-          </a:ln>
-        </p:spPr>
-      </p:pic>
-      <p:pic>
-        <p:nvPicPr>
-          <p:cNvPr id="457" name="Google Shape;457;p43"/>
-          <p:cNvPicPr preferRelativeResize="0"/>
-          <p:nvPr/>
-        </p:nvPicPr>
-        <p:blipFill>
-          <a:blip r:embed="rId4">
-            <a:alphaModFix/>
-          </a:blip>
-          <a:stretch>
-            <a:fillRect/>
-          </a:stretch>
-        </p:blipFill>
-        <p:spPr>
-          <a:xfrm>
-            <a:off x="4909314" y="961075"/>
-            <a:ext cx="4110486" cy="2939950"/>
+            <a:off x="124200" y="48975"/>
+            <a:ext cx="6562289" cy="4838700"/>
           </a:xfrm>
           <a:prstGeom prst="rect">
             <a:avLst/>
@@ -21721,7 +22477,116 @@
   <p:cSld>
     <p:spTree>
       <p:nvGrpSpPr>
-        <p:cNvPr id="461" name="Shape 461"/>
+        <p:cNvPr id="463" name="Shape 463"/>
+        <p:cNvGrpSpPr/>
+        <p:nvPr/>
+      </p:nvGrpSpPr>
+      <p:grpSpPr>
+        <a:xfrm>
+          <a:off x="0" y="0"/>
+          <a:ext cx="0" cy="0"/>
+          <a:chOff x="0" y="0"/>
+          <a:chExt cx="0" cy="0"/>
+        </a:xfrm>
+      </p:grpSpPr>
+      <p:pic>
+        <p:nvPicPr>
+          <p:cNvPr id="464" name="Google Shape;464;p44"/>
+          <p:cNvPicPr preferRelativeResize="0"/>
+          <p:nvPr/>
+        </p:nvPicPr>
+        <p:blipFill>
+          <a:blip r:embed="rId3">
+            <a:alphaModFix/>
+          </a:blip>
+          <a:stretch>
+            <a:fillRect/>
+          </a:stretch>
+        </p:blipFill>
+        <p:spPr>
+          <a:xfrm>
+            <a:off x="152400" y="152400"/>
+            <a:ext cx="3190875" cy="2762250"/>
+          </a:xfrm>
+          <a:prstGeom prst="rect">
+            <a:avLst/>
+          </a:prstGeom>
+          <a:noFill/>
+          <a:ln>
+            <a:noFill/>
+          </a:ln>
+        </p:spPr>
+      </p:pic>
+      <p:pic>
+        <p:nvPicPr>
+          <p:cNvPr id="465" name="Google Shape;465;p44"/>
+          <p:cNvPicPr preferRelativeResize="0"/>
+          <p:nvPr/>
+        </p:nvPicPr>
+        <p:blipFill>
+          <a:blip r:embed="rId4">
+            <a:alphaModFix/>
+          </a:blip>
+          <a:stretch>
+            <a:fillRect/>
+          </a:stretch>
+        </p:blipFill>
+        <p:spPr>
+          <a:xfrm>
+            <a:off x="4962575" y="265225"/>
+            <a:ext cx="3143250" cy="2428875"/>
+          </a:xfrm>
+          <a:prstGeom prst="rect">
+            <a:avLst/>
+          </a:prstGeom>
+          <a:noFill/>
+          <a:ln>
+            <a:noFill/>
+          </a:ln>
+        </p:spPr>
+      </p:pic>
+      <p:pic>
+        <p:nvPicPr>
+          <p:cNvPr id="466" name="Google Shape;466;p44"/>
+          <p:cNvPicPr preferRelativeResize="0"/>
+          <p:nvPr/>
+        </p:nvPicPr>
+        <p:blipFill>
+          <a:blip r:embed="rId5">
+            <a:alphaModFix/>
+          </a:blip>
+          <a:stretch>
+            <a:fillRect/>
+          </a:stretch>
+        </p:blipFill>
+        <p:spPr>
+          <a:xfrm>
+            <a:off x="2621175" y="2750525"/>
+            <a:ext cx="3190875" cy="2257366"/>
+          </a:xfrm>
+          <a:prstGeom prst="rect">
+            <a:avLst/>
+          </a:prstGeom>
+          <a:noFill/>
+          <a:ln>
+            <a:noFill/>
+          </a:ln>
+        </p:spPr>
+      </p:pic>
+    </p:spTree>
+  </p:cSld>
+  <p:clrMapOvr>
+    <a:masterClrMapping/>
+  </p:clrMapOvr>
+</p:sld>
+</file>
+
+<file path=ppt/slides/slide33.xml><?xml version="1.0" encoding="utf-8"?>
+<p:sld xmlns:a="http://schemas.openxmlformats.org/drawingml/2006/main" xmlns:r="http://schemas.openxmlformats.org/officeDocument/2006/relationships" xmlns:mc="http://schemas.openxmlformats.org/markup-compatibility/2006" xmlns:mv="urn:schemas-microsoft-com:mac:vml" xmlns:p="http://schemas.openxmlformats.org/presentationml/2006/main" xmlns:c="http://schemas.openxmlformats.org/drawingml/2006/chart" xmlns:dgm="http://schemas.openxmlformats.org/drawingml/2006/diagram" xmlns:o="urn:schemas-microsoft-com:office:office" xmlns:v="urn:schemas-microsoft-com:vml" xmlns:pvml="urn:schemas-microsoft-com:office:powerpoint" xmlns:com="http://schemas.openxmlformats.org/drawingml/2006/compatibility" xmlns:p14="http://schemas.microsoft.com/office/powerpoint/2010/main" xmlns:p15="http://schemas.microsoft.com/office/powerpoint/2012/main" xmlns:ahyp="http://schemas.microsoft.com/office/drawing/2018/hyperlinkcolor">
+  <p:cSld>
+    <p:spTree>
+      <p:nvGrpSpPr>
+        <p:cNvPr id="470" name="Shape 470"/>
         <p:cNvGrpSpPr/>
         <p:nvPr/>
       </p:nvGrpSpPr>
@@ -21735,7 +22600,7 @@
       </p:grpSpPr>
       <p:sp>
         <p:nvSpPr>
-          <p:cNvPr id="462" name="Google Shape;462;p44"/>
+          <p:cNvPr id="471" name="Google Shape;471;p45"/>
           <p:cNvSpPr txBox="1"/>
           <p:nvPr>
             <p:ph type="title"/>
@@ -21743,7 +22608,7 @@
         </p:nvSpPr>
         <p:spPr>
           <a:xfrm>
-            <a:off x="1303800" y="598575"/>
+            <a:off x="3588750" y="354100"/>
             <a:ext cx="7030500" cy="999300"/>
           </a:xfrm>
           <a:prstGeom prst="rect">
@@ -21790,7 +22655,7 @@
       </p:sp>
       <p:sp>
         <p:nvSpPr>
-          <p:cNvPr id="463" name="Google Shape;463;p44"/>
+          <p:cNvPr id="472" name="Google Shape;472;p45"/>
           <p:cNvSpPr txBox="1"/>
           <p:nvPr>
             <p:ph idx="1" type="body"/>
@@ -21877,12 +22742,12 @@
 </p:sld>
 </file>
 
-<file path=ppt/slides/slide33.xml><?xml version="1.0" encoding="utf-8"?>
+<file path=ppt/slides/slide34.xml><?xml version="1.0" encoding="utf-8"?>
 <p:sld xmlns:a="http://schemas.openxmlformats.org/drawingml/2006/main" xmlns:r="http://schemas.openxmlformats.org/officeDocument/2006/relationships" xmlns:mc="http://schemas.openxmlformats.org/markup-compatibility/2006" xmlns:mv="urn:schemas-microsoft-com:mac:vml" xmlns:p="http://schemas.openxmlformats.org/presentationml/2006/main" xmlns:c="http://schemas.openxmlformats.org/drawingml/2006/chart" xmlns:dgm="http://schemas.openxmlformats.org/drawingml/2006/diagram" xmlns:o="urn:schemas-microsoft-com:office:office" xmlns:v="urn:schemas-microsoft-com:vml" xmlns:pvml="urn:schemas-microsoft-com:office:powerpoint" xmlns:com="http://schemas.openxmlformats.org/drawingml/2006/compatibility" xmlns:p14="http://schemas.microsoft.com/office/powerpoint/2010/main" xmlns:p15="http://schemas.microsoft.com/office/powerpoint/2012/main" xmlns:ahyp="http://schemas.microsoft.com/office/drawing/2018/hyperlinkcolor">
   <p:cSld>
     <p:spTree>
       <p:nvGrpSpPr>
-        <p:cNvPr id="467" name="Shape 467"/>
+        <p:cNvPr id="476" name="Shape 476"/>
         <p:cNvGrpSpPr/>
         <p:nvPr/>
       </p:nvGrpSpPr>
@@ -21896,7 +22761,7 @@
       </p:grpSpPr>
       <p:sp>
         <p:nvSpPr>
-          <p:cNvPr id="468" name="Google Shape;468;p45"/>
+          <p:cNvPr id="477" name="Google Shape;477;p46"/>
           <p:cNvSpPr txBox="1"/>
           <p:nvPr>
             <p:ph type="title"/>
@@ -21904,7 +22769,7 @@
         </p:nvSpPr>
         <p:spPr>
           <a:xfrm>
-            <a:off x="1303800" y="598575"/>
+            <a:off x="3588750" y="354100"/>
             <a:ext cx="7030500" cy="999300"/>
           </a:xfrm>
           <a:prstGeom prst="rect">
@@ -21951,7 +22816,7 @@
       </p:sp>
       <p:sp>
         <p:nvSpPr>
-          <p:cNvPr id="469" name="Google Shape;469;p45"/>
+          <p:cNvPr id="478" name="Google Shape;478;p46"/>
           <p:cNvSpPr txBox="1"/>
           <p:nvPr>
             <p:ph idx="1" type="body"/>
@@ -22029,12 +22894,12 @@
 </p:sld>
 </file>
 
-<file path=ppt/slides/slide34.xml><?xml version="1.0" encoding="utf-8"?>
+<file path=ppt/slides/slide35.xml><?xml version="1.0" encoding="utf-8"?>
 <p:sld xmlns:a="http://schemas.openxmlformats.org/drawingml/2006/main" xmlns:r="http://schemas.openxmlformats.org/officeDocument/2006/relationships" xmlns:mc="http://schemas.openxmlformats.org/markup-compatibility/2006" xmlns:mv="urn:schemas-microsoft-com:mac:vml" xmlns:p="http://schemas.openxmlformats.org/presentationml/2006/main" xmlns:c="http://schemas.openxmlformats.org/drawingml/2006/chart" xmlns:dgm="http://schemas.openxmlformats.org/drawingml/2006/diagram" xmlns:o="urn:schemas-microsoft-com:office:office" xmlns:v="urn:schemas-microsoft-com:vml" xmlns:pvml="urn:schemas-microsoft-com:office:powerpoint" xmlns:com="http://schemas.openxmlformats.org/drawingml/2006/compatibility" xmlns:p14="http://schemas.microsoft.com/office/powerpoint/2010/main" xmlns:p15="http://schemas.microsoft.com/office/powerpoint/2012/main" xmlns:ahyp="http://schemas.microsoft.com/office/drawing/2018/hyperlinkcolor">
   <p:cSld>
     <p:spTree>
       <p:nvGrpSpPr>
-        <p:cNvPr id="473" name="Shape 473"/>
+        <p:cNvPr id="482" name="Shape 482"/>
         <p:cNvGrpSpPr/>
         <p:nvPr/>
       </p:nvGrpSpPr>
@@ -22048,7 +22913,7 @@
       </p:grpSpPr>
       <p:sp>
         <p:nvSpPr>
-          <p:cNvPr id="474" name="Google Shape;474;p46"/>
+          <p:cNvPr id="483" name="Google Shape;483;p47"/>
           <p:cNvSpPr txBox="1"/>
           <p:nvPr>
             <p:ph type="title"/>
@@ -22088,7 +22953,7 @@
       </p:sp>
       <p:pic>
         <p:nvPicPr>
-          <p:cNvPr id="475" name="Google Shape;475;p46"/>
+          <p:cNvPr id="484" name="Google Shape;484;p47"/>
           <p:cNvPicPr preferRelativeResize="0"/>
           <p:nvPr/>
         </p:nvPicPr>
@@ -22122,12 +22987,12 @@
 </p:sld>
 </file>
 
-<file path=ppt/slides/slide35.xml><?xml version="1.0" encoding="utf-8"?>
+<file path=ppt/slides/slide36.xml><?xml version="1.0" encoding="utf-8"?>
 <p:sld xmlns:a="http://schemas.openxmlformats.org/drawingml/2006/main" xmlns:r="http://schemas.openxmlformats.org/officeDocument/2006/relationships" xmlns:mc="http://schemas.openxmlformats.org/markup-compatibility/2006" xmlns:mv="urn:schemas-microsoft-com:mac:vml" xmlns:p="http://schemas.openxmlformats.org/presentationml/2006/main" xmlns:c="http://schemas.openxmlformats.org/drawingml/2006/chart" xmlns:dgm="http://schemas.openxmlformats.org/drawingml/2006/diagram" xmlns:o="urn:schemas-microsoft-com:office:office" xmlns:v="urn:schemas-microsoft-com:vml" xmlns:pvml="urn:schemas-microsoft-com:office:powerpoint" xmlns:com="http://schemas.openxmlformats.org/drawingml/2006/compatibility" xmlns:p14="http://schemas.microsoft.com/office/powerpoint/2010/main" xmlns:p15="http://schemas.microsoft.com/office/powerpoint/2012/main" xmlns:ahyp="http://schemas.microsoft.com/office/drawing/2018/hyperlinkcolor">
   <p:cSld>
     <p:spTree>
       <p:nvGrpSpPr>
-        <p:cNvPr id="479" name="Shape 479"/>
+        <p:cNvPr id="488" name="Shape 488"/>
         <p:cNvGrpSpPr/>
         <p:nvPr/>
       </p:nvGrpSpPr>
@@ -22141,7 +23006,7 @@
       </p:grpSpPr>
       <p:sp>
         <p:nvSpPr>
-          <p:cNvPr id="480" name="Google Shape;480;p47"/>
+          <p:cNvPr id="489" name="Google Shape;489;p48"/>
           <p:cNvSpPr txBox="1"/>
           <p:nvPr>
             <p:ph type="title"/>
@@ -22181,7 +23046,7 @@
       </p:sp>
       <p:pic>
         <p:nvPicPr>
-          <p:cNvPr id="481" name="Google Shape;481;p47"/>
+          <p:cNvPr id="490" name="Google Shape;490;p48"/>
           <p:cNvPicPr preferRelativeResize="0"/>
           <p:nvPr/>
         </p:nvPicPr>
@@ -22209,7 +23074,7 @@
       </p:pic>
       <p:pic>
         <p:nvPicPr>
-          <p:cNvPr id="482" name="Google Shape;482;p47"/>
+          <p:cNvPr id="491" name="Google Shape;491;p48"/>
           <p:cNvPicPr preferRelativeResize="0"/>
           <p:nvPr/>
         </p:nvPicPr>
@@ -22274,7 +23139,7 @@
                                           </p:stCondLst>
                                         </p:cTn>
                                         <p:tgtEl>
-                                          <p:spTgt spid="482"/>
+                                          <p:spTgt spid="491"/>
                                         </p:tgtEl>
                                         <p:attrNameLst>
                                           <p:attrName>style.visibility</p:attrName>
@@ -22288,7 +23153,7 @@
                                       <p:cBhvr>
                                         <p:cTn dur="1000"/>
                                         <p:tgtEl>
-                                          <p:spTgt spid="482"/>
+                                          <p:spTgt spid="491"/>
                                         </p:tgtEl>
                                       </p:cBhvr>
                                     </p:animEffect>
@@ -22326,12 +23191,12 @@
 </p:sld>
 </file>
 
-<file path=ppt/slides/slide36.xml><?xml version="1.0" encoding="utf-8"?>
+<file path=ppt/slides/slide37.xml><?xml version="1.0" encoding="utf-8"?>
 <p:sld xmlns:a="http://schemas.openxmlformats.org/drawingml/2006/main" xmlns:r="http://schemas.openxmlformats.org/officeDocument/2006/relationships" xmlns:mc="http://schemas.openxmlformats.org/markup-compatibility/2006" xmlns:mv="urn:schemas-microsoft-com:mac:vml" xmlns:p="http://schemas.openxmlformats.org/presentationml/2006/main" xmlns:c="http://schemas.openxmlformats.org/drawingml/2006/chart" xmlns:dgm="http://schemas.openxmlformats.org/drawingml/2006/diagram" xmlns:o="urn:schemas-microsoft-com:office:office" xmlns:v="urn:schemas-microsoft-com:vml" xmlns:pvml="urn:schemas-microsoft-com:office:powerpoint" xmlns:com="http://schemas.openxmlformats.org/drawingml/2006/compatibility" xmlns:p14="http://schemas.microsoft.com/office/powerpoint/2010/main" xmlns:p15="http://schemas.microsoft.com/office/powerpoint/2012/main" xmlns:ahyp="http://schemas.microsoft.com/office/drawing/2018/hyperlinkcolor">
   <p:cSld>
     <p:spTree>
       <p:nvGrpSpPr>
-        <p:cNvPr id="486" name="Shape 486"/>
+        <p:cNvPr id="495" name="Shape 495"/>
         <p:cNvGrpSpPr/>
         <p:nvPr/>
       </p:nvGrpSpPr>
@@ -22345,7 +23210,7 @@
       </p:grpSpPr>
       <p:sp>
         <p:nvSpPr>
-          <p:cNvPr id="487" name="Google Shape;487;p48"/>
+          <p:cNvPr id="496" name="Google Shape;496;p49"/>
           <p:cNvSpPr txBox="1"/>
           <p:nvPr>
             <p:ph type="title"/>
@@ -22353,7 +23218,7 @@
         </p:nvSpPr>
         <p:spPr>
           <a:xfrm>
-            <a:off x="1303800" y="598575"/>
+            <a:off x="3588750" y="354100"/>
             <a:ext cx="7030500" cy="999300"/>
           </a:xfrm>
           <a:prstGeom prst="rect">
@@ -22385,7 +23250,7 @@
       </p:sp>
       <p:pic>
         <p:nvPicPr>
-          <p:cNvPr id="488" name="Google Shape;488;p48"/>
+          <p:cNvPr id="497" name="Google Shape;497;p49"/>
           <p:cNvPicPr preferRelativeResize="0"/>
           <p:nvPr/>
         </p:nvPicPr>
@@ -22413,7 +23278,7 @@
       </p:pic>
       <p:pic>
         <p:nvPicPr>
-          <p:cNvPr id="489" name="Google Shape;489;p48"/>
+          <p:cNvPr id="498" name="Google Shape;498;p49"/>
           <p:cNvPicPr preferRelativeResize="0"/>
           <p:nvPr/>
         </p:nvPicPr>
@@ -22478,7 +23343,7 @@
                                           </p:stCondLst>
                                         </p:cTn>
                                         <p:tgtEl>
-                                          <p:spTgt spid="489"/>
+                                          <p:spTgt spid="498"/>
                                         </p:tgtEl>
                                         <p:attrNameLst>
                                           <p:attrName>style.visibility</p:attrName>
@@ -22492,7 +23357,7 @@
                                       <p:cBhvr>
                                         <p:cTn dur="1000"/>
                                         <p:tgtEl>
-                                          <p:spTgt spid="489"/>
+                                          <p:spTgt spid="498"/>
                                         </p:tgtEl>
                                       </p:cBhvr>
                                     </p:animEffect>
@@ -22531,7 +23396,7 @@
                                           </p:stCondLst>
                                         </p:cTn>
                                         <p:tgtEl>
-                                          <p:spTgt spid="489"/>
+                                          <p:spTgt spid="498"/>
                                         </p:tgtEl>
                                         <p:attrNameLst>
                                           <p:attrName>style.visibility</p:attrName>
@@ -22545,7 +23410,7 @@
                                       <p:cBhvr>
                                         <p:cTn dur="1000"/>
                                         <p:tgtEl>
-                                          <p:spTgt spid="489"/>
+                                          <p:spTgt spid="498"/>
                                         </p:tgtEl>
                                       </p:cBhvr>
                                     </p:animEffect>
@@ -22583,12 +23448,12 @@
 </p:sld>
 </file>
 
-<file path=ppt/slides/slide37.xml><?xml version="1.0" encoding="utf-8"?>
+<file path=ppt/slides/slide38.xml><?xml version="1.0" encoding="utf-8"?>
 <p:sld xmlns:a="http://schemas.openxmlformats.org/drawingml/2006/main" xmlns:r="http://schemas.openxmlformats.org/officeDocument/2006/relationships" xmlns:mc="http://schemas.openxmlformats.org/markup-compatibility/2006" xmlns:mv="urn:schemas-microsoft-com:mac:vml" xmlns:p="http://schemas.openxmlformats.org/presentationml/2006/main" xmlns:c="http://schemas.openxmlformats.org/drawingml/2006/chart" xmlns:dgm="http://schemas.openxmlformats.org/drawingml/2006/diagram" xmlns:o="urn:schemas-microsoft-com:office:office" xmlns:v="urn:schemas-microsoft-com:vml" xmlns:pvml="urn:schemas-microsoft-com:office:powerpoint" xmlns:com="http://schemas.openxmlformats.org/drawingml/2006/compatibility" xmlns:p14="http://schemas.microsoft.com/office/powerpoint/2010/main" xmlns:p15="http://schemas.microsoft.com/office/powerpoint/2012/main" xmlns:ahyp="http://schemas.microsoft.com/office/drawing/2018/hyperlinkcolor">
   <p:cSld>
     <p:spTree>
       <p:nvGrpSpPr>
-        <p:cNvPr id="493" name="Shape 493"/>
+        <p:cNvPr id="502" name="Shape 502"/>
         <p:cNvGrpSpPr/>
         <p:nvPr/>
       </p:nvGrpSpPr>
@@ -22602,7 +23467,7 @@
       </p:grpSpPr>
       <p:sp>
         <p:nvSpPr>
-          <p:cNvPr id="494" name="Google Shape;494;p49"/>
+          <p:cNvPr id="503" name="Google Shape;503;p50"/>
           <p:cNvSpPr txBox="1"/>
           <p:nvPr>
             <p:ph type="title"/>
@@ -22610,7 +23475,7 @@
         </p:nvSpPr>
         <p:spPr>
           <a:xfrm>
-            <a:off x="1303800" y="598575"/>
+            <a:off x="3588750" y="354100"/>
             <a:ext cx="7030500" cy="999300"/>
           </a:xfrm>
           <a:prstGeom prst="rect">
@@ -22642,7 +23507,7 @@
       </p:sp>
       <p:pic>
         <p:nvPicPr>
-          <p:cNvPr id="495" name="Google Shape;495;p49"/>
+          <p:cNvPr id="504" name="Google Shape;504;p50"/>
           <p:cNvPicPr preferRelativeResize="0"/>
           <p:nvPr/>
         </p:nvPicPr>
@@ -22676,12 +23541,12 @@
 </p:sld>
 </file>
 
-<file path=ppt/slides/slide38.xml><?xml version="1.0" encoding="utf-8"?>
+<file path=ppt/slides/slide39.xml><?xml version="1.0" encoding="utf-8"?>
 <p:sld xmlns:a="http://schemas.openxmlformats.org/drawingml/2006/main" xmlns:r="http://schemas.openxmlformats.org/officeDocument/2006/relationships" xmlns:mc="http://schemas.openxmlformats.org/markup-compatibility/2006" xmlns:mv="urn:schemas-microsoft-com:mac:vml" xmlns:p="http://schemas.openxmlformats.org/presentationml/2006/main" xmlns:c="http://schemas.openxmlformats.org/drawingml/2006/chart" xmlns:dgm="http://schemas.openxmlformats.org/drawingml/2006/diagram" xmlns:o="urn:schemas-microsoft-com:office:office" xmlns:v="urn:schemas-microsoft-com:vml" xmlns:pvml="urn:schemas-microsoft-com:office:powerpoint" xmlns:com="http://schemas.openxmlformats.org/drawingml/2006/compatibility" xmlns:p14="http://schemas.microsoft.com/office/powerpoint/2010/main" xmlns:p15="http://schemas.microsoft.com/office/powerpoint/2012/main" xmlns:ahyp="http://schemas.microsoft.com/office/drawing/2018/hyperlinkcolor">
   <p:cSld>
     <p:spTree>
       <p:nvGrpSpPr>
-        <p:cNvPr id="499" name="Shape 499"/>
+        <p:cNvPr id="508" name="Shape 508"/>
         <p:cNvGrpSpPr/>
         <p:nvPr/>
       </p:nvGrpSpPr>
@@ -22695,7 +23560,7 @@
       </p:grpSpPr>
       <p:pic>
         <p:nvPicPr>
-          <p:cNvPr id="500" name="Google Shape;500;p50"/>
+          <p:cNvPr id="509" name="Google Shape;509;p51"/>
           <p:cNvPicPr preferRelativeResize="0"/>
           <p:nvPr/>
         </p:nvPicPr>
@@ -22723,7 +23588,7 @@
       </p:pic>
       <p:sp>
         <p:nvSpPr>
-          <p:cNvPr id="501" name="Google Shape;501;p50"/>
+          <p:cNvPr id="510" name="Google Shape;510;p51"/>
           <p:cNvSpPr txBox="1"/>
           <p:nvPr/>
         </p:nvSpPr>
@@ -22828,7 +23693,7 @@
       </p:sp>
       <p:sp>
         <p:nvSpPr>
-          <p:cNvPr id="502" name="Google Shape;502;p50"/>
+          <p:cNvPr id="511" name="Google Shape;511;p51"/>
           <p:cNvSpPr txBox="1"/>
           <p:nvPr/>
         </p:nvSpPr>
@@ -22917,7 +23782,7 @@
                                           </p:stCondLst>
                                         </p:cTn>
                                         <p:tgtEl>
-                                          <p:spTgt spid="501"/>
+                                          <p:spTgt spid="510"/>
                                         </p:tgtEl>
                                         <p:attrNameLst>
                                           <p:attrName>style.visibility</p:attrName>
@@ -22931,7 +23796,7 @@
                                       <p:cBhvr>
                                         <p:cTn dur="1000"/>
                                         <p:tgtEl>
-                                          <p:spTgt spid="501"/>
+                                          <p:spTgt spid="510"/>
                                         </p:tgtEl>
                                       </p:cBhvr>
                                     </p:animEffect>
@@ -22966,111 +23831,6 @@
       </p:par>
     </p:tnLst>
   </p:timing>
-</p:sld>
-</file>
-
-<file path=ppt/slides/slide39.xml><?xml version="1.0" encoding="utf-8"?>
-<p:sld xmlns:a="http://schemas.openxmlformats.org/drawingml/2006/main" xmlns:r="http://schemas.openxmlformats.org/officeDocument/2006/relationships" xmlns:mc="http://schemas.openxmlformats.org/markup-compatibility/2006" xmlns:mv="urn:schemas-microsoft-com:mac:vml" xmlns:p="http://schemas.openxmlformats.org/presentationml/2006/main" xmlns:c="http://schemas.openxmlformats.org/drawingml/2006/chart" xmlns:dgm="http://schemas.openxmlformats.org/drawingml/2006/diagram" xmlns:o="urn:schemas-microsoft-com:office:office" xmlns:v="urn:schemas-microsoft-com:vml" xmlns:pvml="urn:schemas-microsoft-com:office:powerpoint" xmlns:com="http://schemas.openxmlformats.org/drawingml/2006/compatibility" xmlns:p14="http://schemas.microsoft.com/office/powerpoint/2010/main" xmlns:p15="http://schemas.microsoft.com/office/powerpoint/2012/main" xmlns:ahyp="http://schemas.microsoft.com/office/drawing/2018/hyperlinkcolor">
-  <p:cSld>
-    <p:spTree>
-      <p:nvGrpSpPr>
-        <p:cNvPr id="506" name="Shape 506"/>
-        <p:cNvGrpSpPr/>
-        <p:nvPr/>
-      </p:nvGrpSpPr>
-      <p:grpSpPr>
-        <a:xfrm>
-          <a:off x="0" y="0"/>
-          <a:ext cx="0" cy="0"/>
-          <a:chOff x="0" y="0"/>
-          <a:chExt cx="0" cy="0"/>
-        </a:xfrm>
-      </p:grpSpPr>
-      <p:pic>
-        <p:nvPicPr>
-          <p:cNvPr id="507" name="Google Shape;507;p51"/>
-          <p:cNvPicPr preferRelativeResize="0"/>
-          <p:nvPr/>
-        </p:nvPicPr>
-        <p:blipFill>
-          <a:blip r:embed="rId3">
-            <a:alphaModFix/>
-          </a:blip>
-          <a:stretch>
-            <a:fillRect/>
-          </a:stretch>
-        </p:blipFill>
-        <p:spPr>
-          <a:xfrm>
-            <a:off x="1335225" y="1264638"/>
-            <a:ext cx="7162100" cy="2520875"/>
-          </a:xfrm>
-          <a:prstGeom prst="rect">
-            <a:avLst/>
-          </a:prstGeom>
-          <a:noFill/>
-          <a:ln>
-            <a:noFill/>
-          </a:ln>
-        </p:spPr>
-      </p:pic>
-      <p:sp>
-        <p:nvSpPr>
-          <p:cNvPr id="508" name="Google Shape;508;p51"/>
-          <p:cNvSpPr txBox="1"/>
-          <p:nvPr/>
-        </p:nvSpPr>
-        <p:spPr>
-          <a:xfrm>
-            <a:off x="4209725" y="459100"/>
-            <a:ext cx="4287600" cy="770400"/>
-          </a:xfrm>
-          <a:prstGeom prst="rect">
-            <a:avLst/>
-          </a:prstGeom>
-          <a:noFill/>
-          <a:ln>
-            <a:noFill/>
-          </a:ln>
-        </p:spPr>
-        <p:txBody>
-          <a:bodyPr anchorCtr="0" anchor="t" bIns="91425" lIns="91425" spcFirstLastPara="1" rIns="91425" wrap="square" tIns="91425">
-            <a:noAutofit/>
-          </a:bodyPr>
-          <a:lstStyle/>
-          <a:p>
-            <a:pPr indent="0" lvl="0" marL="0" rtl="0" algn="l">
-              <a:spcBef>
-                <a:spcPts val="0"/>
-              </a:spcBef>
-              <a:spcAft>
-                <a:spcPts val="0"/>
-              </a:spcAft>
-              <a:buNone/>
-            </a:pPr>
-            <a:r>
-              <a:rPr lang="en">
-                <a:latin typeface="Nunito"/>
-                <a:ea typeface="Nunito"/>
-                <a:cs typeface="Nunito"/>
-                <a:sym typeface="Nunito"/>
-              </a:rPr>
-              <a:t>Real companies are more likely to have questions for you and a company logo.</a:t>
-            </a:r>
-            <a:endParaRPr>
-              <a:latin typeface="Nunito"/>
-              <a:ea typeface="Nunito"/>
-              <a:cs typeface="Nunito"/>
-              <a:sym typeface="Nunito"/>
-            </a:endParaRPr>
-          </a:p>
-        </p:txBody>
-      </p:sp>
-    </p:spTree>
-  </p:cSld>
-  <p:clrMapOvr>
-    <a:masterClrMapping/>
-  </p:clrMapOvr>
 </p:sld>
 </file>
 
@@ -23226,7 +23986,7 @@
   <p:cSld>
     <p:spTree>
       <p:nvGrpSpPr>
-        <p:cNvPr id="512" name="Shape 512"/>
+        <p:cNvPr id="515" name="Shape 515"/>
         <p:cNvGrpSpPr/>
         <p:nvPr/>
       </p:nvGrpSpPr>
@@ -23238,9 +23998,37 @@
           <a:chExt cx="0" cy="0"/>
         </a:xfrm>
       </p:grpSpPr>
+      <p:pic>
+        <p:nvPicPr>
+          <p:cNvPr id="516" name="Google Shape;516;p52"/>
+          <p:cNvPicPr preferRelativeResize="0"/>
+          <p:nvPr/>
+        </p:nvPicPr>
+        <p:blipFill>
+          <a:blip r:embed="rId3">
+            <a:alphaModFix/>
+          </a:blip>
+          <a:stretch>
+            <a:fillRect/>
+          </a:stretch>
+        </p:blipFill>
+        <p:spPr>
+          <a:xfrm>
+            <a:off x="1335225" y="1264638"/>
+            <a:ext cx="7162100" cy="2520875"/>
+          </a:xfrm>
+          <a:prstGeom prst="rect">
+            <a:avLst/>
+          </a:prstGeom>
+          <a:noFill/>
+          <a:ln>
+            <a:noFill/>
+          </a:ln>
+        </p:spPr>
+      </p:pic>
       <p:sp>
         <p:nvSpPr>
-          <p:cNvPr id="513" name="Google Shape;513;p52"/>
+          <p:cNvPr id="517" name="Google Shape;517;p52"/>
           <p:cNvSpPr txBox="1"/>
           <p:nvPr/>
         </p:nvSpPr>
@@ -23279,6 +24067,83 @@
                 <a:cs typeface="Nunito"/>
                 <a:sym typeface="Nunito"/>
               </a:rPr>
+              <a:t>Real companies are more likely to have questions for you and a company logo.</a:t>
+            </a:r>
+            <a:endParaRPr>
+              <a:latin typeface="Nunito"/>
+              <a:ea typeface="Nunito"/>
+              <a:cs typeface="Nunito"/>
+              <a:sym typeface="Nunito"/>
+            </a:endParaRPr>
+          </a:p>
+        </p:txBody>
+      </p:sp>
+    </p:spTree>
+  </p:cSld>
+  <p:clrMapOvr>
+    <a:masterClrMapping/>
+  </p:clrMapOvr>
+</p:sld>
+</file>
+
+<file path=ppt/slides/slide41.xml><?xml version="1.0" encoding="utf-8"?>
+<p:sld xmlns:a="http://schemas.openxmlformats.org/drawingml/2006/main" xmlns:r="http://schemas.openxmlformats.org/officeDocument/2006/relationships" xmlns:mc="http://schemas.openxmlformats.org/markup-compatibility/2006" xmlns:mv="urn:schemas-microsoft-com:mac:vml" xmlns:p="http://schemas.openxmlformats.org/presentationml/2006/main" xmlns:c="http://schemas.openxmlformats.org/drawingml/2006/chart" xmlns:dgm="http://schemas.openxmlformats.org/drawingml/2006/diagram" xmlns:o="urn:schemas-microsoft-com:office:office" xmlns:v="urn:schemas-microsoft-com:vml" xmlns:pvml="urn:schemas-microsoft-com:office:powerpoint" xmlns:com="http://schemas.openxmlformats.org/drawingml/2006/compatibility" xmlns:p14="http://schemas.microsoft.com/office/powerpoint/2010/main" xmlns:p15="http://schemas.microsoft.com/office/powerpoint/2012/main" xmlns:ahyp="http://schemas.microsoft.com/office/drawing/2018/hyperlinkcolor">
+  <p:cSld>
+    <p:spTree>
+      <p:nvGrpSpPr>
+        <p:cNvPr id="521" name="Shape 521"/>
+        <p:cNvGrpSpPr/>
+        <p:nvPr/>
+      </p:nvGrpSpPr>
+      <p:grpSpPr>
+        <a:xfrm>
+          <a:off x="0" y="0"/>
+          <a:ext cx="0" cy="0"/>
+          <a:chOff x="0" y="0"/>
+          <a:chExt cx="0" cy="0"/>
+        </a:xfrm>
+      </p:grpSpPr>
+      <p:sp>
+        <p:nvSpPr>
+          <p:cNvPr id="522" name="Google Shape;522;p53"/>
+          <p:cNvSpPr txBox="1"/>
+          <p:nvPr/>
+        </p:nvSpPr>
+        <p:spPr>
+          <a:xfrm>
+            <a:off x="4209725" y="459100"/>
+            <a:ext cx="4287600" cy="770400"/>
+          </a:xfrm>
+          <a:prstGeom prst="rect">
+            <a:avLst/>
+          </a:prstGeom>
+          <a:noFill/>
+          <a:ln>
+            <a:noFill/>
+          </a:ln>
+        </p:spPr>
+        <p:txBody>
+          <a:bodyPr anchorCtr="0" anchor="t" bIns="91425" lIns="91425" spcFirstLastPara="1" rIns="91425" wrap="square" tIns="91425">
+            <a:noAutofit/>
+          </a:bodyPr>
+          <a:lstStyle/>
+          <a:p>
+            <a:pPr indent="0" lvl="0" marL="0" rtl="0" algn="l">
+              <a:spcBef>
+                <a:spcPts val="0"/>
+              </a:spcBef>
+              <a:spcAft>
+                <a:spcPts val="0"/>
+              </a:spcAft>
+              <a:buNone/>
+            </a:pPr>
+            <a:r>
+              <a:rPr lang="en">
+                <a:latin typeface="Nunito"/>
+                <a:ea typeface="Nunito"/>
+                <a:cs typeface="Nunito"/>
+                <a:sym typeface="Nunito"/>
+              </a:rPr>
               <a:t>Postings grouped by employment type.</a:t>
             </a:r>
             <a:endParaRPr>
@@ -23292,7 +24157,7 @@
       </p:sp>
       <p:pic>
         <p:nvPicPr>
-          <p:cNvPr id="514" name="Google Shape;514;p52"/>
+          <p:cNvPr id="523" name="Google Shape;523;p53"/>
           <p:cNvPicPr preferRelativeResize="0"/>
           <p:nvPr/>
         </p:nvPicPr>
@@ -23326,12 +24191,12 @@
 </p:sld>
 </file>
 
-<file path=ppt/slides/slide41.xml><?xml version="1.0" encoding="utf-8"?>
+<file path=ppt/slides/slide42.xml><?xml version="1.0" encoding="utf-8"?>
 <p:sld xmlns:a="http://schemas.openxmlformats.org/drawingml/2006/main" xmlns:r="http://schemas.openxmlformats.org/officeDocument/2006/relationships" xmlns:mc="http://schemas.openxmlformats.org/markup-compatibility/2006" xmlns:mv="urn:schemas-microsoft-com:mac:vml" xmlns:p="http://schemas.openxmlformats.org/presentationml/2006/main" xmlns:c="http://schemas.openxmlformats.org/drawingml/2006/chart" xmlns:dgm="http://schemas.openxmlformats.org/drawingml/2006/diagram" xmlns:o="urn:schemas-microsoft-com:office:office" xmlns:v="urn:schemas-microsoft-com:vml" xmlns:pvml="urn:schemas-microsoft-com:office:powerpoint" xmlns:com="http://schemas.openxmlformats.org/drawingml/2006/compatibility" xmlns:p14="http://schemas.microsoft.com/office/powerpoint/2010/main" xmlns:p15="http://schemas.microsoft.com/office/powerpoint/2012/main" xmlns:ahyp="http://schemas.microsoft.com/office/drawing/2018/hyperlinkcolor">
   <p:cSld>
     <p:spTree>
       <p:nvGrpSpPr>
-        <p:cNvPr id="518" name="Shape 518"/>
+        <p:cNvPr id="527" name="Shape 527"/>
         <p:cNvGrpSpPr/>
         <p:nvPr/>
       </p:nvGrpSpPr>
@@ -23345,7 +24210,7 @@
       </p:grpSpPr>
       <p:sp>
         <p:nvSpPr>
-          <p:cNvPr id="519" name="Google Shape;519;p53"/>
+          <p:cNvPr id="528" name="Google Shape;528;p54"/>
           <p:cNvSpPr txBox="1"/>
           <p:nvPr/>
         </p:nvSpPr>
@@ -23415,7 +24280,7 @@
       </p:sp>
       <p:pic>
         <p:nvPicPr>
-          <p:cNvPr id="520" name="Google Shape;520;p53"/>
+          <p:cNvPr id="529" name="Google Shape;529;p54"/>
           <p:cNvPicPr preferRelativeResize="0"/>
           <p:nvPr/>
         </p:nvPicPr>
@@ -23449,12 +24314,12 @@
 </p:sld>
 </file>
 
-<file path=ppt/slides/slide42.xml><?xml version="1.0" encoding="utf-8"?>
+<file path=ppt/slides/slide43.xml><?xml version="1.0" encoding="utf-8"?>
 <p:sld xmlns:a="http://schemas.openxmlformats.org/drawingml/2006/main" xmlns:r="http://schemas.openxmlformats.org/officeDocument/2006/relationships" xmlns:mc="http://schemas.openxmlformats.org/markup-compatibility/2006" xmlns:mv="urn:schemas-microsoft-com:mac:vml" xmlns:p="http://schemas.openxmlformats.org/presentationml/2006/main" xmlns:c="http://schemas.openxmlformats.org/drawingml/2006/chart" xmlns:dgm="http://schemas.openxmlformats.org/drawingml/2006/diagram" xmlns:o="urn:schemas-microsoft-com:office:office" xmlns:v="urn:schemas-microsoft-com:vml" xmlns:pvml="urn:schemas-microsoft-com:office:powerpoint" xmlns:com="http://schemas.openxmlformats.org/drawingml/2006/compatibility" xmlns:p14="http://schemas.microsoft.com/office/powerpoint/2010/main" xmlns:p15="http://schemas.microsoft.com/office/powerpoint/2012/main" xmlns:ahyp="http://schemas.microsoft.com/office/drawing/2018/hyperlinkcolor">
   <p:cSld>
     <p:spTree>
       <p:nvGrpSpPr>
-        <p:cNvPr id="524" name="Shape 524"/>
+        <p:cNvPr id="533" name="Shape 533"/>
         <p:cNvGrpSpPr/>
         <p:nvPr/>
       </p:nvGrpSpPr>
@@ -23468,7 +24333,7 @@
       </p:grpSpPr>
       <p:sp>
         <p:nvSpPr>
-          <p:cNvPr id="525" name="Google Shape;525;p54"/>
+          <p:cNvPr id="534" name="Google Shape;534;p55"/>
           <p:cNvSpPr txBox="1"/>
           <p:nvPr>
             <p:ph type="title"/>
@@ -23476,7 +24341,7 @@
         </p:nvSpPr>
         <p:spPr>
           <a:xfrm>
-            <a:off x="1303800" y="598575"/>
+            <a:off x="3588750" y="354100"/>
             <a:ext cx="7030500" cy="999300"/>
           </a:xfrm>
           <a:prstGeom prst="rect">
@@ -23538,7 +24403,7 @@
       </p:sp>
       <p:pic>
         <p:nvPicPr>
-          <p:cNvPr id="526" name="Google Shape;526;p54"/>
+          <p:cNvPr id="535" name="Google Shape;535;p55"/>
           <p:cNvPicPr preferRelativeResize="0"/>
           <p:nvPr/>
         </p:nvPicPr>
@@ -23566,7 +24431,7 @@
       </p:pic>
       <p:sp>
         <p:nvSpPr>
-          <p:cNvPr id="527" name="Google Shape;527;p54"/>
+          <p:cNvPr id="536" name="Google Shape;536;p55"/>
           <p:cNvSpPr txBox="1"/>
           <p:nvPr>
             <p:ph idx="1" type="body"/>
@@ -23627,12 +24492,12 @@
 </p:sld>
 </file>
 
-<file path=ppt/slides/slide43.xml><?xml version="1.0" encoding="utf-8"?>
+<file path=ppt/slides/slide44.xml><?xml version="1.0" encoding="utf-8"?>
 <p:sld xmlns:a="http://schemas.openxmlformats.org/drawingml/2006/main" xmlns:r="http://schemas.openxmlformats.org/officeDocument/2006/relationships" xmlns:mc="http://schemas.openxmlformats.org/markup-compatibility/2006" xmlns:mv="urn:schemas-microsoft-com:mac:vml" xmlns:p="http://schemas.openxmlformats.org/presentationml/2006/main" xmlns:c="http://schemas.openxmlformats.org/drawingml/2006/chart" xmlns:dgm="http://schemas.openxmlformats.org/drawingml/2006/diagram" xmlns:o="urn:schemas-microsoft-com:office:office" xmlns:v="urn:schemas-microsoft-com:vml" xmlns:pvml="urn:schemas-microsoft-com:office:powerpoint" xmlns:com="http://schemas.openxmlformats.org/drawingml/2006/compatibility" xmlns:p14="http://schemas.microsoft.com/office/powerpoint/2010/main" xmlns:p15="http://schemas.microsoft.com/office/powerpoint/2012/main" xmlns:ahyp="http://schemas.microsoft.com/office/drawing/2018/hyperlinkcolor">
   <p:cSld>
     <p:spTree>
       <p:nvGrpSpPr>
-        <p:cNvPr id="531" name="Shape 531"/>
+        <p:cNvPr id="540" name="Shape 540"/>
         <p:cNvGrpSpPr/>
         <p:nvPr/>
       </p:nvGrpSpPr>
@@ -23646,7 +24511,7 @@
       </p:grpSpPr>
       <p:sp>
         <p:nvSpPr>
-          <p:cNvPr id="532" name="Google Shape;532;p55"/>
+          <p:cNvPr id="541" name="Google Shape;541;p56"/>
           <p:cNvSpPr txBox="1"/>
           <p:nvPr>
             <p:ph type="title"/>
@@ -23654,7 +24519,7 @@
         </p:nvSpPr>
         <p:spPr>
           <a:xfrm>
-            <a:off x="1303800" y="598575"/>
+            <a:off x="3588750" y="354100"/>
             <a:ext cx="7030500" cy="999300"/>
           </a:xfrm>
           <a:prstGeom prst="rect">
@@ -23716,7 +24581,7 @@
       </p:sp>
       <p:sp>
         <p:nvSpPr>
-          <p:cNvPr id="533" name="Google Shape;533;p55"/>
+          <p:cNvPr id="542" name="Google Shape;542;p56"/>
           <p:cNvSpPr txBox="1"/>
           <p:nvPr>
             <p:ph idx="1" type="body"/>
@@ -23771,7 +24636,7 @@
       </p:sp>
       <p:pic>
         <p:nvPicPr>
-          <p:cNvPr id="534" name="Google Shape;534;p55"/>
+          <p:cNvPr id="543" name="Google Shape;543;p56"/>
           <p:cNvPicPr preferRelativeResize="0"/>
           <p:nvPr/>
         </p:nvPicPr>
@@ -23805,12 +24670,12 @@
 </p:sld>
 </file>
 
-<file path=ppt/slides/slide44.xml><?xml version="1.0" encoding="utf-8"?>
+<file path=ppt/slides/slide45.xml><?xml version="1.0" encoding="utf-8"?>
 <p:sld xmlns:a="http://schemas.openxmlformats.org/drawingml/2006/main" xmlns:r="http://schemas.openxmlformats.org/officeDocument/2006/relationships" xmlns:mc="http://schemas.openxmlformats.org/markup-compatibility/2006" xmlns:mv="urn:schemas-microsoft-com:mac:vml" xmlns:p="http://schemas.openxmlformats.org/presentationml/2006/main" xmlns:c="http://schemas.openxmlformats.org/drawingml/2006/chart" xmlns:dgm="http://schemas.openxmlformats.org/drawingml/2006/diagram" xmlns:o="urn:schemas-microsoft-com:office:office" xmlns:v="urn:schemas-microsoft-com:vml" xmlns:pvml="urn:schemas-microsoft-com:office:powerpoint" xmlns:com="http://schemas.openxmlformats.org/drawingml/2006/compatibility" xmlns:p14="http://schemas.microsoft.com/office/powerpoint/2010/main" xmlns:p15="http://schemas.microsoft.com/office/powerpoint/2012/main" xmlns:ahyp="http://schemas.microsoft.com/office/drawing/2018/hyperlinkcolor">
   <p:cSld>
     <p:spTree>
       <p:nvGrpSpPr>
-        <p:cNvPr id="538" name="Shape 538"/>
+        <p:cNvPr id="547" name="Shape 547"/>
         <p:cNvGrpSpPr/>
         <p:nvPr/>
       </p:nvGrpSpPr>
@@ -23824,7 +24689,7 @@
       </p:grpSpPr>
       <p:pic>
         <p:nvPicPr>
-          <p:cNvPr id="539" name="Google Shape;539;p56"/>
+          <p:cNvPr id="548" name="Google Shape;548;p57"/>
           <p:cNvPicPr preferRelativeResize="0"/>
           <p:nvPr/>
         </p:nvPicPr>
@@ -23858,12 +24723,12 @@
 </p:sld>
 </file>
 
-<file path=ppt/slides/slide45.xml><?xml version="1.0" encoding="utf-8"?>
+<file path=ppt/slides/slide46.xml><?xml version="1.0" encoding="utf-8"?>
 <p:sld xmlns:a="http://schemas.openxmlformats.org/drawingml/2006/main" xmlns:r="http://schemas.openxmlformats.org/officeDocument/2006/relationships" xmlns:mc="http://schemas.openxmlformats.org/markup-compatibility/2006" xmlns:mv="urn:schemas-microsoft-com:mac:vml" xmlns:p="http://schemas.openxmlformats.org/presentationml/2006/main" xmlns:c="http://schemas.openxmlformats.org/drawingml/2006/chart" xmlns:dgm="http://schemas.openxmlformats.org/drawingml/2006/diagram" xmlns:o="urn:schemas-microsoft-com:office:office" xmlns:v="urn:schemas-microsoft-com:vml" xmlns:pvml="urn:schemas-microsoft-com:office:powerpoint" xmlns:com="http://schemas.openxmlformats.org/drawingml/2006/compatibility" xmlns:p14="http://schemas.microsoft.com/office/powerpoint/2010/main" xmlns:p15="http://schemas.microsoft.com/office/powerpoint/2012/main" xmlns:ahyp="http://schemas.microsoft.com/office/drawing/2018/hyperlinkcolor">
   <p:cSld>
     <p:spTree>
       <p:nvGrpSpPr>
-        <p:cNvPr id="543" name="Shape 543"/>
+        <p:cNvPr id="552" name="Shape 552"/>
         <p:cNvGrpSpPr/>
         <p:nvPr/>
       </p:nvGrpSpPr>
@@ -23877,7 +24742,7 @@
       </p:grpSpPr>
       <p:pic>
         <p:nvPicPr>
-          <p:cNvPr id="544" name="Google Shape;544;p57"/>
+          <p:cNvPr id="553" name="Google Shape;553;p58"/>
           <p:cNvPicPr preferRelativeResize="0"/>
           <p:nvPr/>
         </p:nvPicPr>
@@ -23905,7 +24770,7 @@
       </p:pic>
       <p:sp>
         <p:nvSpPr>
-          <p:cNvPr id="545" name="Google Shape;545;p57"/>
+          <p:cNvPr id="554" name="Google Shape;554;p58"/>
           <p:cNvSpPr txBox="1"/>
           <p:nvPr>
             <p:ph type="title"/>
@@ -23913,7 +24778,7 @@
         </p:nvSpPr>
         <p:spPr>
           <a:xfrm>
-            <a:off x="1303800" y="598575"/>
+            <a:off x="3588750" y="354100"/>
             <a:ext cx="7030500" cy="999300"/>
           </a:xfrm>
           <a:prstGeom prst="rect">
@@ -23975,7 +24840,7 @@
       </p:sp>
       <p:pic>
         <p:nvPicPr>
-          <p:cNvPr id="546" name="Google Shape;546;p57"/>
+          <p:cNvPr id="555" name="Google Shape;555;p58"/>
           <p:cNvPicPr preferRelativeResize="0"/>
           <p:nvPr/>
         </p:nvPicPr>
@@ -24008,12 +24873,12 @@
 </p:sld>
 </file>
 
-<file path=ppt/slides/slide46.xml><?xml version="1.0" encoding="utf-8"?>
+<file path=ppt/slides/slide47.xml><?xml version="1.0" encoding="utf-8"?>
 <p:sld xmlns:a="http://schemas.openxmlformats.org/drawingml/2006/main" xmlns:r="http://schemas.openxmlformats.org/officeDocument/2006/relationships" xmlns:mc="http://schemas.openxmlformats.org/markup-compatibility/2006" xmlns:mv="urn:schemas-microsoft-com:mac:vml" xmlns:p="http://schemas.openxmlformats.org/presentationml/2006/main" xmlns:c="http://schemas.openxmlformats.org/drawingml/2006/chart" xmlns:dgm="http://schemas.openxmlformats.org/drawingml/2006/diagram" xmlns:o="urn:schemas-microsoft-com:office:office" xmlns:v="urn:schemas-microsoft-com:vml" xmlns:pvml="urn:schemas-microsoft-com:office:powerpoint" xmlns:com="http://schemas.openxmlformats.org/drawingml/2006/compatibility" xmlns:p14="http://schemas.microsoft.com/office/powerpoint/2010/main" xmlns:p15="http://schemas.microsoft.com/office/powerpoint/2012/main" xmlns:ahyp="http://schemas.microsoft.com/office/drawing/2018/hyperlinkcolor">
   <p:cSld>
     <p:spTree>
       <p:nvGrpSpPr>
-        <p:cNvPr id="550" name="Shape 550"/>
+        <p:cNvPr id="559" name="Shape 559"/>
         <p:cNvGrpSpPr/>
         <p:nvPr/>
       </p:nvGrpSpPr>
@@ -24027,7 +24892,7 @@
       </p:grpSpPr>
       <p:sp>
         <p:nvSpPr>
-          <p:cNvPr id="551" name="Google Shape;551;p58"/>
+          <p:cNvPr id="560" name="Google Shape;560;p59"/>
           <p:cNvSpPr txBox="1"/>
           <p:nvPr>
             <p:ph type="title"/>
@@ -24035,7 +24900,7 @@
         </p:nvSpPr>
         <p:spPr>
           <a:xfrm>
-            <a:off x="1303800" y="598575"/>
+            <a:off x="3588750" y="354100"/>
             <a:ext cx="7030500" cy="999300"/>
           </a:xfrm>
           <a:prstGeom prst="rect">
@@ -24097,7 +24962,7 @@
       </p:sp>
       <p:pic>
         <p:nvPicPr>
-          <p:cNvPr id="552" name="Google Shape;552;p58"/>
+          <p:cNvPr id="561" name="Google Shape;561;p59"/>
           <p:cNvPicPr preferRelativeResize="0"/>
           <p:nvPr/>
         </p:nvPicPr>
@@ -24125,7 +24990,7 @@
       </p:pic>
       <p:pic>
         <p:nvPicPr>
-          <p:cNvPr id="553" name="Google Shape;553;p58"/>
+          <p:cNvPr id="562" name="Google Shape;562;p59"/>
           <p:cNvPicPr preferRelativeResize="0"/>
           <p:nvPr/>
         </p:nvPicPr>
@@ -24140,6 +25005,325 @@
           <a:xfrm>
             <a:off x="5074238" y="1934175"/>
             <a:ext cx="3307275" cy="3209325"/>
+          </a:xfrm>
+          <a:prstGeom prst="rect">
+            <a:avLst/>
+          </a:prstGeom>
+          <a:noFill/>
+          <a:ln>
+            <a:noFill/>
+          </a:ln>
+        </p:spPr>
+      </p:pic>
+    </p:spTree>
+  </p:cSld>
+  <p:clrMapOvr>
+    <a:masterClrMapping/>
+  </p:clrMapOvr>
+</p:sld>
+</file>
+
+<file path=ppt/slides/slide48.xml><?xml version="1.0" encoding="utf-8"?>
+<p:sld xmlns:a="http://schemas.openxmlformats.org/drawingml/2006/main" xmlns:r="http://schemas.openxmlformats.org/officeDocument/2006/relationships" xmlns:mc="http://schemas.openxmlformats.org/markup-compatibility/2006" xmlns:mv="urn:schemas-microsoft-com:mac:vml" xmlns:p="http://schemas.openxmlformats.org/presentationml/2006/main" xmlns:c="http://schemas.openxmlformats.org/drawingml/2006/chart" xmlns:dgm="http://schemas.openxmlformats.org/drawingml/2006/diagram" xmlns:o="urn:schemas-microsoft-com:office:office" xmlns:v="urn:schemas-microsoft-com:vml" xmlns:pvml="urn:schemas-microsoft-com:office:powerpoint" xmlns:com="http://schemas.openxmlformats.org/drawingml/2006/compatibility" xmlns:p14="http://schemas.microsoft.com/office/powerpoint/2010/main" xmlns:p15="http://schemas.microsoft.com/office/powerpoint/2012/main" xmlns:ahyp="http://schemas.microsoft.com/office/drawing/2018/hyperlinkcolor">
+  <p:cSld>
+    <p:spTree>
+      <p:nvGrpSpPr>
+        <p:cNvPr id="566" name="Shape 566"/>
+        <p:cNvGrpSpPr/>
+        <p:nvPr/>
+      </p:nvGrpSpPr>
+      <p:grpSpPr>
+        <a:xfrm>
+          <a:off x="0" y="0"/>
+          <a:ext cx="0" cy="0"/>
+          <a:chOff x="0" y="0"/>
+          <a:chExt cx="0" cy="0"/>
+        </a:xfrm>
+      </p:grpSpPr>
+      <p:sp>
+        <p:nvSpPr>
+          <p:cNvPr id="567" name="Google Shape;567;p60"/>
+          <p:cNvSpPr txBox="1"/>
+          <p:nvPr>
+            <p:ph type="title"/>
+          </p:nvPr>
+        </p:nvSpPr>
+        <p:spPr>
+          <a:xfrm>
+            <a:off x="3588750" y="354100"/>
+            <a:ext cx="7030500" cy="999300"/>
+          </a:xfrm>
+          <a:prstGeom prst="rect">
+            <a:avLst/>
+          </a:prstGeom>
+        </p:spPr>
+        <p:txBody>
+          <a:bodyPr anchorCtr="0" anchor="t" bIns="91425" lIns="91425" spcFirstLastPara="1" rIns="91425" wrap="square" tIns="91425">
+            <a:noAutofit/>
+          </a:bodyPr>
+          <a:lstStyle/>
+          <a:p>
+            <a:pPr indent="0" lvl="0" marL="0" rtl="0" algn="l">
+              <a:spcBef>
+                <a:spcPts val="0"/>
+              </a:spcBef>
+              <a:spcAft>
+                <a:spcPts val="0"/>
+              </a:spcAft>
+              <a:buNone/>
+            </a:pPr>
+            <a:r>
+              <a:rPr lang="en"/>
+              <a:t>Student Grade </a:t>
+            </a:r>
+            <a:r>
+              <a:rPr lang="en"/>
+              <a:t>Prediction</a:t>
+            </a:r>
+            <a:endParaRPr/>
+          </a:p>
+          <a:p>
+            <a:pPr indent="0" lvl="0" marL="0" rtl="0" algn="l">
+              <a:spcBef>
+                <a:spcPts val="0"/>
+              </a:spcBef>
+              <a:spcAft>
+                <a:spcPts val="0"/>
+              </a:spcAft>
+              <a:buNone/>
+            </a:pPr>
+            <a:r>
+              <a:t/>
+            </a:r>
+            <a:endParaRPr/>
+          </a:p>
+        </p:txBody>
+      </p:sp>
+      <p:sp>
+        <p:nvSpPr>
+          <p:cNvPr id="568" name="Google Shape;568;p60"/>
+          <p:cNvSpPr txBox="1"/>
+          <p:nvPr>
+            <p:ph idx="1" type="body"/>
+          </p:nvPr>
+        </p:nvSpPr>
+        <p:spPr>
+          <a:xfrm>
+            <a:off x="1303800" y="1990050"/>
+            <a:ext cx="7030500" cy="2541600"/>
+          </a:xfrm>
+          <a:prstGeom prst="rect">
+            <a:avLst/>
+          </a:prstGeom>
+        </p:spPr>
+        <p:txBody>
+          <a:bodyPr anchorCtr="0" anchor="t" bIns="91425" lIns="91425" spcFirstLastPara="1" rIns="91425" wrap="square" tIns="91425">
+            <a:noAutofit/>
+          </a:bodyPr>
+          <a:lstStyle/>
+          <a:p>
+            <a:pPr indent="0" lvl="0" marL="0" rtl="0" algn="l">
+              <a:spcBef>
+                <a:spcPts val="0"/>
+              </a:spcBef>
+              <a:spcAft>
+                <a:spcPts val="1600"/>
+              </a:spcAft>
+              <a:buNone/>
+            </a:pPr>
+            <a:r>
+              <a:rPr lang="en"/>
+              <a:t>Dataset: </a:t>
+            </a:r>
+            <a:r>
+              <a:rPr lang="en" u="sng">
+                <a:solidFill>
+                  <a:schemeClr val="hlink"/>
+                </a:solidFill>
+                <a:hlinkClick r:id="rId3"/>
+              </a:rPr>
+              <a:t>https://www.kaggle.com/dipam7/student-grade-prediction</a:t>
+            </a:r>
+            <a:endParaRPr/>
+          </a:p>
+        </p:txBody>
+      </p:sp>
+    </p:spTree>
+  </p:cSld>
+  <p:clrMapOvr>
+    <a:masterClrMapping/>
+  </p:clrMapOvr>
+</p:sld>
+</file>
+
+<file path=ppt/slides/slide49.xml><?xml version="1.0" encoding="utf-8"?>
+<p:sld xmlns:a="http://schemas.openxmlformats.org/drawingml/2006/main" xmlns:r="http://schemas.openxmlformats.org/officeDocument/2006/relationships" xmlns:mc="http://schemas.openxmlformats.org/markup-compatibility/2006" xmlns:mv="urn:schemas-microsoft-com:mac:vml" xmlns:p="http://schemas.openxmlformats.org/presentationml/2006/main" xmlns:c="http://schemas.openxmlformats.org/drawingml/2006/chart" xmlns:dgm="http://schemas.openxmlformats.org/drawingml/2006/diagram" xmlns:o="urn:schemas-microsoft-com:office:office" xmlns:v="urn:schemas-microsoft-com:vml" xmlns:pvml="urn:schemas-microsoft-com:office:powerpoint" xmlns:com="http://schemas.openxmlformats.org/drawingml/2006/compatibility" xmlns:p14="http://schemas.microsoft.com/office/powerpoint/2010/main" xmlns:p15="http://schemas.microsoft.com/office/powerpoint/2012/main" xmlns:ahyp="http://schemas.microsoft.com/office/drawing/2018/hyperlinkcolor">
+  <p:cSld>
+    <p:spTree>
+      <p:nvGrpSpPr>
+        <p:cNvPr id="572" name="Shape 572"/>
+        <p:cNvGrpSpPr/>
+        <p:nvPr/>
+      </p:nvGrpSpPr>
+      <p:grpSpPr>
+        <a:xfrm>
+          <a:off x="0" y="0"/>
+          <a:ext cx="0" cy="0"/>
+          <a:chOff x="0" y="0"/>
+          <a:chExt cx="0" cy="0"/>
+        </a:xfrm>
+      </p:grpSpPr>
+      <p:sp>
+        <p:nvSpPr>
+          <p:cNvPr id="573" name="Google Shape;573;p61"/>
+          <p:cNvSpPr txBox="1"/>
+          <p:nvPr>
+            <p:ph idx="1" type="body"/>
+          </p:nvPr>
+        </p:nvSpPr>
+        <p:spPr>
+          <a:xfrm>
+            <a:off x="476325" y="1376375"/>
+            <a:ext cx="7030500" cy="2635200"/>
+          </a:xfrm>
+          <a:prstGeom prst="rect">
+            <a:avLst/>
+          </a:prstGeom>
+        </p:spPr>
+        <p:txBody>
+          <a:bodyPr anchorCtr="0" anchor="t" bIns="91425" lIns="91425" spcFirstLastPara="1" rIns="91425" wrap="square" tIns="91425">
+            <a:noAutofit/>
+          </a:bodyPr>
+          <a:lstStyle/>
+          <a:p>
+            <a:pPr indent="-311150" lvl="0" marL="457200" rtl="0" algn="l">
+              <a:spcBef>
+                <a:spcPts val="0"/>
+              </a:spcBef>
+              <a:spcAft>
+                <a:spcPts val="0"/>
+              </a:spcAft>
+              <a:buSzPts val="1300"/>
+              <a:buChar char="-"/>
+            </a:pPr>
+            <a:r>
+              <a:rPr lang="en"/>
+              <a:t>Turn Nominal Attributes into Binary Attributes</a:t>
+            </a:r>
+            <a:endParaRPr/>
+          </a:p>
+          <a:p>
+            <a:pPr indent="-311150" lvl="0" marL="457200" rtl="0" algn="l">
+              <a:spcBef>
+                <a:spcPts val="0"/>
+              </a:spcBef>
+              <a:spcAft>
+                <a:spcPts val="0"/>
+              </a:spcAft>
+              <a:buSzPts val="1300"/>
+              <a:buChar char="-"/>
+            </a:pPr>
+            <a:r>
+              <a:rPr lang="en"/>
+              <a:t>Scaling dataset values so every attribute have</a:t>
+            </a:r>
+            <a:br>
+              <a:rPr lang="en"/>
+            </a:br>
+            <a:r>
+              <a:rPr lang="en"/>
+              <a:t>the same interval of values</a:t>
+            </a:r>
+            <a:endParaRPr/>
+          </a:p>
+        </p:txBody>
+      </p:sp>
+      <p:sp>
+        <p:nvSpPr>
+          <p:cNvPr id="574" name="Google Shape;574;p61"/>
+          <p:cNvSpPr txBox="1"/>
+          <p:nvPr>
+            <p:ph type="title"/>
+          </p:nvPr>
+        </p:nvSpPr>
+        <p:spPr>
+          <a:xfrm>
+            <a:off x="1285000" y="692375"/>
+            <a:ext cx="7030500" cy="779700"/>
+          </a:xfrm>
+          <a:prstGeom prst="rect">
+            <a:avLst/>
+          </a:prstGeom>
+        </p:spPr>
+        <p:txBody>
+          <a:bodyPr anchorCtr="0" anchor="t" bIns="91425" lIns="91425" spcFirstLastPara="1" rIns="91425" wrap="square" tIns="91425">
+            <a:noAutofit/>
+          </a:bodyPr>
+          <a:lstStyle/>
+          <a:p>
+            <a:pPr indent="0" lvl="0" marL="0" rtl="0" algn="l">
+              <a:spcBef>
+                <a:spcPts val="0"/>
+              </a:spcBef>
+              <a:spcAft>
+                <a:spcPts val="0"/>
+              </a:spcAft>
+              <a:buNone/>
+            </a:pPr>
+            <a:r>
+              <a:rPr lang="en"/>
+              <a:t>Data preprocessing</a:t>
+            </a:r>
+            <a:endParaRPr/>
+          </a:p>
+        </p:txBody>
+      </p:sp>
+      <p:pic>
+        <p:nvPicPr>
+          <p:cNvPr id="575" name="Google Shape;575;p61"/>
+          <p:cNvPicPr preferRelativeResize="0"/>
+          <p:nvPr/>
+        </p:nvPicPr>
+        <p:blipFill>
+          <a:blip r:embed="rId3">
+            <a:alphaModFix/>
+          </a:blip>
+          <a:stretch>
+            <a:fillRect/>
+          </a:stretch>
+        </p:blipFill>
+        <p:spPr>
+          <a:xfrm>
+            <a:off x="4776800" y="692375"/>
+            <a:ext cx="4106176" cy="3386375"/>
+          </a:xfrm>
+          <a:prstGeom prst="rect">
+            <a:avLst/>
+          </a:prstGeom>
+          <a:noFill/>
+          <a:ln>
+            <a:noFill/>
+          </a:ln>
+        </p:spPr>
+      </p:pic>
+      <p:pic>
+        <p:nvPicPr>
+          <p:cNvPr id="576" name="Google Shape;576;p61"/>
+          <p:cNvPicPr preferRelativeResize="0"/>
+          <p:nvPr/>
+        </p:nvPicPr>
+        <p:blipFill>
+          <a:blip r:embed="rId4">
+            <a:alphaModFix/>
+          </a:blip>
+          <a:stretch>
+            <a:fillRect/>
+          </a:stretch>
+        </p:blipFill>
+        <p:spPr>
+          <a:xfrm>
+            <a:off x="243575" y="2158014"/>
+            <a:ext cx="4533226" cy="2852085"/>
           </a:xfrm>
           <a:prstGeom prst="rect">
             <a:avLst/>
@@ -24185,7 +25369,7 @@
         </p:nvSpPr>
         <p:spPr>
           <a:xfrm>
-            <a:off x="1303800" y="598575"/>
+            <a:off x="3588750" y="354100"/>
             <a:ext cx="7030500" cy="999300"/>
           </a:xfrm>
           <a:prstGeom prst="rect">
@@ -24332,6 +25516,852 @@
           <a:xfrm>
             <a:off x="4703150" y="340375"/>
             <a:ext cx="3926401" cy="2340600"/>
+          </a:xfrm>
+          <a:prstGeom prst="rect">
+            <a:avLst/>
+          </a:prstGeom>
+          <a:noFill/>
+          <a:ln>
+            <a:noFill/>
+          </a:ln>
+        </p:spPr>
+      </p:pic>
+    </p:spTree>
+  </p:cSld>
+  <p:clrMapOvr>
+    <a:masterClrMapping/>
+  </p:clrMapOvr>
+</p:sld>
+</file>
+
+<file path=ppt/slides/slide50.xml><?xml version="1.0" encoding="utf-8"?>
+<p:sld xmlns:a="http://schemas.openxmlformats.org/drawingml/2006/main" xmlns:r="http://schemas.openxmlformats.org/officeDocument/2006/relationships" xmlns:mc="http://schemas.openxmlformats.org/markup-compatibility/2006" xmlns:mv="urn:schemas-microsoft-com:mac:vml" xmlns:p="http://schemas.openxmlformats.org/presentationml/2006/main" xmlns:c="http://schemas.openxmlformats.org/drawingml/2006/chart" xmlns:dgm="http://schemas.openxmlformats.org/drawingml/2006/diagram" xmlns:o="urn:schemas-microsoft-com:office:office" xmlns:v="urn:schemas-microsoft-com:vml" xmlns:pvml="urn:schemas-microsoft-com:office:powerpoint" xmlns:com="http://schemas.openxmlformats.org/drawingml/2006/compatibility" xmlns:p14="http://schemas.microsoft.com/office/powerpoint/2010/main" xmlns:p15="http://schemas.microsoft.com/office/powerpoint/2012/main" xmlns:ahyp="http://schemas.microsoft.com/office/drawing/2018/hyperlinkcolor">
+  <p:cSld>
+    <p:spTree>
+      <p:nvGrpSpPr>
+        <p:cNvPr id="580" name="Shape 580"/>
+        <p:cNvGrpSpPr/>
+        <p:nvPr/>
+      </p:nvGrpSpPr>
+      <p:grpSpPr>
+        <a:xfrm>
+          <a:off x="0" y="0"/>
+          <a:ext cx="0" cy="0"/>
+          <a:chOff x="0" y="0"/>
+          <a:chExt cx="0" cy="0"/>
+        </a:xfrm>
+      </p:grpSpPr>
+      <p:sp>
+        <p:nvSpPr>
+          <p:cNvPr id="581" name="Google Shape;581;p62"/>
+          <p:cNvSpPr txBox="1"/>
+          <p:nvPr>
+            <p:ph type="title"/>
+          </p:nvPr>
+        </p:nvSpPr>
+        <p:spPr>
+          <a:xfrm>
+            <a:off x="1162750" y="338500"/>
+            <a:ext cx="7030500" cy="1024200"/>
+          </a:xfrm>
+          <a:prstGeom prst="rect">
+            <a:avLst/>
+          </a:prstGeom>
+        </p:spPr>
+        <p:txBody>
+          <a:bodyPr anchorCtr="0" anchor="t" bIns="91425" lIns="91425" spcFirstLastPara="1" rIns="91425" wrap="square" tIns="91425">
+            <a:noAutofit/>
+          </a:bodyPr>
+          <a:lstStyle/>
+          <a:p>
+            <a:pPr indent="0" lvl="0" marL="0" rtl="0" algn="l">
+              <a:spcBef>
+                <a:spcPts val="0"/>
+              </a:spcBef>
+              <a:spcAft>
+                <a:spcPts val="0"/>
+              </a:spcAft>
+              <a:buNone/>
+            </a:pPr>
+            <a:r>
+              <a:rPr lang="en"/>
+              <a:t>Gaussian Processes </a:t>
+            </a:r>
+            <a:r>
+              <a:rPr lang="en"/>
+              <a:t>output</a:t>
+            </a:r>
+            <a:endParaRPr/>
+          </a:p>
+          <a:p>
+            <a:pPr indent="0" lvl="0" marL="0" rtl="0" algn="l">
+              <a:spcBef>
+                <a:spcPts val="0"/>
+              </a:spcBef>
+              <a:spcAft>
+                <a:spcPts val="0"/>
+              </a:spcAft>
+              <a:buNone/>
+            </a:pPr>
+            <a:r>
+              <a:t/>
+            </a:r>
+            <a:endParaRPr/>
+          </a:p>
+        </p:txBody>
+      </p:sp>
+      <p:sp>
+        <p:nvSpPr>
+          <p:cNvPr id="582" name="Google Shape;582;p62"/>
+          <p:cNvSpPr txBox="1"/>
+          <p:nvPr>
+            <p:ph idx="1" type="body"/>
+          </p:nvPr>
+        </p:nvSpPr>
+        <p:spPr>
+          <a:xfrm>
+            <a:off x="282100" y="1880625"/>
+            <a:ext cx="4729800" cy="2651100"/>
+          </a:xfrm>
+          <a:prstGeom prst="rect">
+            <a:avLst/>
+          </a:prstGeom>
+        </p:spPr>
+        <p:txBody>
+          <a:bodyPr anchorCtr="0" anchor="t" bIns="91425" lIns="91425" spcFirstLastPara="1" rIns="91425" wrap="square" tIns="91425">
+            <a:noAutofit/>
+          </a:bodyPr>
+          <a:lstStyle/>
+          <a:p>
+            <a:pPr indent="0" lvl="0" marL="0" rtl="0" algn="l">
+              <a:spcBef>
+                <a:spcPts val="0"/>
+              </a:spcBef>
+              <a:spcAft>
+                <a:spcPts val="0"/>
+              </a:spcAft>
+              <a:buNone/>
+            </a:pPr>
+            <a:r>
+              <a:rPr lang="en"/>
+              <a:t> Implements Gaussian processes for regression without hyperparameter-tuning</a:t>
+            </a:r>
+            <a:endParaRPr/>
+          </a:p>
+          <a:p>
+            <a:pPr indent="-311150" lvl="0" marL="457200" rtl="0" algn="l">
+              <a:spcBef>
+                <a:spcPts val="1600"/>
+              </a:spcBef>
+              <a:spcAft>
+                <a:spcPts val="0"/>
+              </a:spcAft>
+              <a:buSzPts val="1300"/>
+              <a:buChar char="-"/>
+            </a:pPr>
+            <a:r>
+              <a:rPr lang="en"/>
+              <a:t>Batch Size	: 100</a:t>
+            </a:r>
+            <a:endParaRPr/>
+          </a:p>
+          <a:p>
+            <a:pPr indent="-311150" lvl="0" marL="457200" rtl="0" algn="l">
+              <a:spcBef>
+                <a:spcPts val="0"/>
+              </a:spcBef>
+              <a:spcAft>
+                <a:spcPts val="0"/>
+              </a:spcAft>
+              <a:buSzPts val="1300"/>
+              <a:buChar char="-"/>
+            </a:pPr>
+            <a:r>
+              <a:rPr lang="en"/>
+              <a:t>Noise		: 1</a:t>
+            </a:r>
+            <a:endParaRPr/>
+          </a:p>
+          <a:p>
+            <a:pPr indent="-311150" lvl="0" marL="457200" rtl="0" algn="l">
+              <a:spcBef>
+                <a:spcPts val="0"/>
+              </a:spcBef>
+              <a:spcAft>
+                <a:spcPts val="0"/>
+              </a:spcAft>
+              <a:buSzPts val="1300"/>
+              <a:buChar char="-"/>
+            </a:pPr>
+            <a:r>
+              <a:rPr lang="en"/>
+              <a:t>Kernel 	: PolyKernel</a:t>
+            </a:r>
+            <a:endParaRPr/>
+          </a:p>
+          <a:p>
+            <a:pPr indent="-311150" lvl="0" marL="457200" rtl="0" algn="l">
+              <a:spcBef>
+                <a:spcPts val="0"/>
+              </a:spcBef>
+              <a:spcAft>
+                <a:spcPts val="0"/>
+              </a:spcAft>
+              <a:buSzPts val="1300"/>
+              <a:buChar char="-"/>
+            </a:pPr>
+            <a:r>
+              <a:rPr lang="en"/>
+              <a:t>Seed		: 1 </a:t>
+            </a:r>
+            <a:endParaRPr/>
+          </a:p>
+        </p:txBody>
+      </p:sp>
+      <p:pic>
+        <p:nvPicPr>
+          <p:cNvPr id="583" name="Google Shape;583;p62"/>
+          <p:cNvPicPr preferRelativeResize="0"/>
+          <p:nvPr/>
+        </p:nvPicPr>
+        <p:blipFill>
+          <a:blip r:embed="rId3">
+            <a:alphaModFix/>
+          </a:blip>
+          <a:stretch>
+            <a:fillRect/>
+          </a:stretch>
+        </p:blipFill>
+        <p:spPr>
+          <a:xfrm>
+            <a:off x="4572000" y="855675"/>
+            <a:ext cx="4805000" cy="4287825"/>
+          </a:xfrm>
+          <a:prstGeom prst="rect">
+            <a:avLst/>
+          </a:prstGeom>
+          <a:noFill/>
+          <a:ln>
+            <a:noFill/>
+          </a:ln>
+        </p:spPr>
+      </p:pic>
+    </p:spTree>
+  </p:cSld>
+  <p:clrMapOvr>
+    <a:masterClrMapping/>
+  </p:clrMapOvr>
+</p:sld>
+</file>
+
+<file path=ppt/slides/slide51.xml><?xml version="1.0" encoding="utf-8"?>
+<p:sld xmlns:a="http://schemas.openxmlformats.org/drawingml/2006/main" xmlns:r="http://schemas.openxmlformats.org/officeDocument/2006/relationships" xmlns:mc="http://schemas.openxmlformats.org/markup-compatibility/2006" xmlns:mv="urn:schemas-microsoft-com:mac:vml" xmlns:p="http://schemas.openxmlformats.org/presentationml/2006/main" xmlns:c="http://schemas.openxmlformats.org/drawingml/2006/chart" xmlns:dgm="http://schemas.openxmlformats.org/drawingml/2006/diagram" xmlns:o="urn:schemas-microsoft-com:office:office" xmlns:v="urn:schemas-microsoft-com:vml" xmlns:pvml="urn:schemas-microsoft-com:office:powerpoint" xmlns:com="http://schemas.openxmlformats.org/drawingml/2006/compatibility" xmlns:p14="http://schemas.microsoft.com/office/powerpoint/2010/main" xmlns:p15="http://schemas.microsoft.com/office/powerpoint/2012/main" xmlns:ahyp="http://schemas.microsoft.com/office/drawing/2018/hyperlinkcolor">
+  <p:cSld>
+    <p:spTree>
+      <p:nvGrpSpPr>
+        <p:cNvPr id="587" name="Shape 587"/>
+        <p:cNvGrpSpPr/>
+        <p:nvPr/>
+      </p:nvGrpSpPr>
+      <p:grpSpPr>
+        <a:xfrm>
+          <a:off x="0" y="0"/>
+          <a:ext cx="0" cy="0"/>
+          <a:chOff x="0" y="0"/>
+          <a:chExt cx="0" cy="0"/>
+        </a:xfrm>
+      </p:grpSpPr>
+      <p:sp>
+        <p:nvSpPr>
+          <p:cNvPr id="588" name="Google Shape;588;p63"/>
+          <p:cNvSpPr txBox="1"/>
+          <p:nvPr>
+            <p:ph type="title"/>
+          </p:nvPr>
+        </p:nvSpPr>
+        <p:spPr>
+          <a:xfrm>
+            <a:off x="1388400" y="796025"/>
+            <a:ext cx="7030500" cy="999300"/>
+          </a:xfrm>
+          <a:prstGeom prst="rect">
+            <a:avLst/>
+          </a:prstGeom>
+        </p:spPr>
+        <p:txBody>
+          <a:bodyPr anchorCtr="0" anchor="t" bIns="91425" lIns="91425" spcFirstLastPara="1" rIns="91425" wrap="square" tIns="91425">
+            <a:noAutofit/>
+          </a:bodyPr>
+          <a:lstStyle/>
+          <a:p>
+            <a:pPr indent="0" lvl="0" marL="0" rtl="0" algn="l">
+              <a:spcBef>
+                <a:spcPts val="0"/>
+              </a:spcBef>
+              <a:spcAft>
+                <a:spcPts val="0"/>
+              </a:spcAft>
+              <a:buNone/>
+            </a:pPr>
+            <a:r>
+              <a:rPr lang="en"/>
+              <a:t>Linear Regression </a:t>
+            </a:r>
+            <a:r>
+              <a:rPr lang="en"/>
+              <a:t>output</a:t>
+            </a:r>
+            <a:endParaRPr/>
+          </a:p>
+        </p:txBody>
+      </p:sp>
+      <p:sp>
+        <p:nvSpPr>
+          <p:cNvPr id="589" name="Google Shape;589;p63"/>
+          <p:cNvSpPr txBox="1"/>
+          <p:nvPr>
+            <p:ph idx="1" type="body"/>
+          </p:nvPr>
+        </p:nvSpPr>
+        <p:spPr>
+          <a:xfrm>
+            <a:off x="316475" y="1990050"/>
+            <a:ext cx="7030500" cy="2541600"/>
+          </a:xfrm>
+          <a:prstGeom prst="rect">
+            <a:avLst/>
+          </a:prstGeom>
+        </p:spPr>
+        <p:txBody>
+          <a:bodyPr anchorCtr="0" anchor="t" bIns="91425" lIns="91425" spcFirstLastPara="1" rIns="91425" wrap="square" tIns="91425">
+            <a:noAutofit/>
+          </a:bodyPr>
+          <a:lstStyle/>
+          <a:p>
+            <a:pPr indent="0" lvl="0" marL="0" rtl="0" algn="l">
+              <a:spcBef>
+                <a:spcPts val="0"/>
+              </a:spcBef>
+              <a:spcAft>
+                <a:spcPts val="0"/>
+              </a:spcAft>
+              <a:buNone/>
+            </a:pPr>
+            <a:r>
+              <a:rPr lang="en"/>
+              <a:t> Class for using linear regression for prediction.</a:t>
+            </a:r>
+            <a:endParaRPr/>
+          </a:p>
+          <a:p>
+            <a:pPr indent="-311150" lvl="0" marL="457200" rtl="0" algn="l">
+              <a:spcBef>
+                <a:spcPts val="1600"/>
+              </a:spcBef>
+              <a:spcAft>
+                <a:spcPts val="0"/>
+              </a:spcAft>
+              <a:buSzPts val="1300"/>
+              <a:buChar char="-"/>
+            </a:pPr>
+            <a:r>
+              <a:rPr lang="en"/>
+              <a:t>Batch Size	: 100</a:t>
+            </a:r>
+            <a:endParaRPr/>
+          </a:p>
+          <a:p>
+            <a:pPr indent="-311150" lvl="0" marL="457200" rtl="0" algn="l">
+              <a:spcBef>
+                <a:spcPts val="0"/>
+              </a:spcBef>
+              <a:spcAft>
+                <a:spcPts val="0"/>
+              </a:spcAft>
+              <a:buSzPts val="1300"/>
+              <a:buChar char="-"/>
+            </a:pPr>
+            <a:r>
+              <a:rPr lang="en"/>
+              <a:t>Ridge		: 1.0E-8</a:t>
+            </a:r>
+            <a:endParaRPr/>
+          </a:p>
+          <a:p>
+            <a:pPr indent="0" lvl="0" marL="0" rtl="0" algn="l">
+              <a:spcBef>
+                <a:spcPts val="1600"/>
+              </a:spcBef>
+              <a:spcAft>
+                <a:spcPts val="1600"/>
+              </a:spcAft>
+              <a:buNone/>
+            </a:pPr>
+            <a:r>
+              <a:t/>
+            </a:r>
+            <a:endParaRPr/>
+          </a:p>
+        </p:txBody>
+      </p:sp>
+      <p:pic>
+        <p:nvPicPr>
+          <p:cNvPr id="590" name="Google Shape;590;p63"/>
+          <p:cNvPicPr preferRelativeResize="0"/>
+          <p:nvPr/>
+        </p:nvPicPr>
+        <p:blipFill>
+          <a:blip r:embed="rId3">
+            <a:alphaModFix/>
+          </a:blip>
+          <a:stretch>
+            <a:fillRect/>
+          </a:stretch>
+        </p:blipFill>
+        <p:spPr>
+          <a:xfrm>
+            <a:off x="4673350" y="1644625"/>
+            <a:ext cx="4470650" cy="3083300"/>
+          </a:xfrm>
+          <a:prstGeom prst="rect">
+            <a:avLst/>
+          </a:prstGeom>
+          <a:noFill/>
+          <a:ln>
+            <a:noFill/>
+          </a:ln>
+        </p:spPr>
+      </p:pic>
+    </p:spTree>
+  </p:cSld>
+  <p:clrMapOvr>
+    <a:masterClrMapping/>
+  </p:clrMapOvr>
+</p:sld>
+</file>
+
+<file path=ppt/slides/slide52.xml><?xml version="1.0" encoding="utf-8"?>
+<p:sld xmlns:a="http://schemas.openxmlformats.org/drawingml/2006/main" xmlns:r="http://schemas.openxmlformats.org/officeDocument/2006/relationships" xmlns:mc="http://schemas.openxmlformats.org/markup-compatibility/2006" xmlns:mv="urn:schemas-microsoft-com:mac:vml" xmlns:p="http://schemas.openxmlformats.org/presentationml/2006/main" xmlns:c="http://schemas.openxmlformats.org/drawingml/2006/chart" xmlns:dgm="http://schemas.openxmlformats.org/drawingml/2006/diagram" xmlns:o="urn:schemas-microsoft-com:office:office" xmlns:v="urn:schemas-microsoft-com:vml" xmlns:pvml="urn:schemas-microsoft-com:office:powerpoint" xmlns:com="http://schemas.openxmlformats.org/drawingml/2006/compatibility" xmlns:p14="http://schemas.microsoft.com/office/powerpoint/2010/main" xmlns:p15="http://schemas.microsoft.com/office/powerpoint/2012/main" xmlns:ahyp="http://schemas.microsoft.com/office/drawing/2018/hyperlinkcolor">
+  <p:cSld>
+    <p:spTree>
+      <p:nvGrpSpPr>
+        <p:cNvPr id="594" name="Shape 594"/>
+        <p:cNvGrpSpPr/>
+        <p:nvPr/>
+      </p:nvGrpSpPr>
+      <p:grpSpPr>
+        <a:xfrm>
+          <a:off x="0" y="0"/>
+          <a:ext cx="0" cy="0"/>
+          <a:chOff x="0" y="0"/>
+          <a:chExt cx="0" cy="0"/>
+        </a:xfrm>
+      </p:grpSpPr>
+      <p:sp>
+        <p:nvSpPr>
+          <p:cNvPr id="595" name="Google Shape;595;p64"/>
+          <p:cNvSpPr txBox="1"/>
+          <p:nvPr>
+            <p:ph type="title"/>
+          </p:nvPr>
+        </p:nvSpPr>
+        <p:spPr>
+          <a:xfrm>
+            <a:off x="1266200" y="645600"/>
+            <a:ext cx="7030500" cy="999300"/>
+          </a:xfrm>
+          <a:prstGeom prst="rect">
+            <a:avLst/>
+          </a:prstGeom>
+        </p:spPr>
+        <p:txBody>
+          <a:bodyPr anchorCtr="0" anchor="t" bIns="91425" lIns="91425" spcFirstLastPara="1" rIns="91425" wrap="square" tIns="91425">
+            <a:noAutofit/>
+          </a:bodyPr>
+          <a:lstStyle/>
+          <a:p>
+            <a:pPr indent="0" lvl="0" marL="0" rtl="0" algn="l">
+              <a:spcBef>
+                <a:spcPts val="0"/>
+              </a:spcBef>
+              <a:spcAft>
+                <a:spcPts val="0"/>
+              </a:spcAft>
+              <a:buNone/>
+            </a:pPr>
+            <a:r>
+              <a:rPr lang="en"/>
+              <a:t>SMOreg </a:t>
+            </a:r>
+            <a:r>
+              <a:rPr lang="en"/>
+              <a:t>output</a:t>
+            </a:r>
+            <a:endParaRPr/>
+          </a:p>
+          <a:p>
+            <a:pPr indent="0" lvl="0" marL="0" rtl="0" algn="l">
+              <a:spcBef>
+                <a:spcPts val="0"/>
+              </a:spcBef>
+              <a:spcAft>
+                <a:spcPts val="0"/>
+              </a:spcAft>
+              <a:buNone/>
+            </a:pPr>
+            <a:r>
+              <a:t/>
+            </a:r>
+            <a:endParaRPr/>
+          </a:p>
+        </p:txBody>
+      </p:sp>
+      <p:sp>
+        <p:nvSpPr>
+          <p:cNvPr id="596" name="Google Shape;596;p64"/>
+          <p:cNvSpPr txBox="1"/>
+          <p:nvPr>
+            <p:ph idx="1" type="body"/>
+          </p:nvPr>
+        </p:nvSpPr>
+        <p:spPr>
+          <a:xfrm>
+            <a:off x="175425" y="1782125"/>
+            <a:ext cx="7030500" cy="2660400"/>
+          </a:xfrm>
+          <a:prstGeom prst="rect">
+            <a:avLst/>
+          </a:prstGeom>
+        </p:spPr>
+        <p:txBody>
+          <a:bodyPr anchorCtr="0" anchor="t" bIns="91425" lIns="91425" spcFirstLastPara="1" rIns="91425" wrap="square" tIns="91425">
+            <a:noAutofit/>
+          </a:bodyPr>
+          <a:lstStyle/>
+          <a:p>
+            <a:pPr indent="0" lvl="0" marL="0" rtl="0" algn="l">
+              <a:spcBef>
+                <a:spcPts val="0"/>
+              </a:spcBef>
+              <a:spcAft>
+                <a:spcPts val="0"/>
+              </a:spcAft>
+              <a:buNone/>
+            </a:pPr>
+            <a:r>
+              <a:rPr lang="en"/>
+              <a:t>SMOreg implements the support vector machine for regression.</a:t>
+            </a:r>
+            <a:endParaRPr/>
+          </a:p>
+          <a:p>
+            <a:pPr indent="-311150" lvl="0" marL="457200" rtl="0" algn="l">
+              <a:spcBef>
+                <a:spcPts val="1600"/>
+              </a:spcBef>
+              <a:spcAft>
+                <a:spcPts val="0"/>
+              </a:spcAft>
+              <a:buSzPts val="1300"/>
+              <a:buChar char="-"/>
+            </a:pPr>
+            <a:r>
+              <a:rPr lang="en"/>
+              <a:t>Batch Size	: 100</a:t>
+            </a:r>
+            <a:endParaRPr/>
+          </a:p>
+          <a:p>
+            <a:pPr indent="-311150" lvl="0" marL="457200" rtl="0" algn="l">
+              <a:spcBef>
+                <a:spcPts val="0"/>
+              </a:spcBef>
+              <a:spcAft>
+                <a:spcPts val="0"/>
+              </a:spcAft>
+              <a:buSzPts val="1300"/>
+              <a:buChar char="-"/>
+            </a:pPr>
+            <a:r>
+              <a:rPr lang="en"/>
+              <a:t>c</a:t>
+            </a:r>
+            <a:r>
+              <a:rPr lang="en"/>
+              <a:t>		: 1</a:t>
+            </a:r>
+            <a:endParaRPr/>
+          </a:p>
+          <a:p>
+            <a:pPr indent="-311150" lvl="0" marL="457200" rtl="0" algn="l">
+              <a:spcBef>
+                <a:spcPts val="0"/>
+              </a:spcBef>
+              <a:spcAft>
+                <a:spcPts val="0"/>
+              </a:spcAft>
+              <a:buSzPts val="1300"/>
+              <a:buChar char="-"/>
+            </a:pPr>
+            <a:r>
+              <a:rPr lang="en"/>
+              <a:t>Kernel 	: PolyKernel</a:t>
+            </a:r>
+            <a:endParaRPr/>
+          </a:p>
+          <a:p>
+            <a:pPr indent="0" lvl="0" marL="0" rtl="0" algn="l">
+              <a:spcBef>
+                <a:spcPts val="1600"/>
+              </a:spcBef>
+              <a:spcAft>
+                <a:spcPts val="1600"/>
+              </a:spcAft>
+              <a:buNone/>
+            </a:pPr>
+            <a:r>
+              <a:t/>
+            </a:r>
+            <a:endParaRPr/>
+          </a:p>
+        </p:txBody>
+      </p:sp>
+      <p:pic>
+        <p:nvPicPr>
+          <p:cNvPr id="597" name="Google Shape;597;p64"/>
+          <p:cNvPicPr preferRelativeResize="0"/>
+          <p:nvPr/>
+        </p:nvPicPr>
+        <p:blipFill>
+          <a:blip r:embed="rId3">
+            <a:alphaModFix/>
+          </a:blip>
+          <a:stretch>
+            <a:fillRect/>
+          </a:stretch>
+        </p:blipFill>
+        <p:spPr>
+          <a:xfrm>
+            <a:off x="4942788" y="1553450"/>
+            <a:ext cx="4201225" cy="3117750"/>
+          </a:xfrm>
+          <a:prstGeom prst="rect">
+            <a:avLst/>
+          </a:prstGeom>
+          <a:noFill/>
+          <a:ln>
+            <a:noFill/>
+          </a:ln>
+        </p:spPr>
+      </p:pic>
+    </p:spTree>
+  </p:cSld>
+  <p:clrMapOvr>
+    <a:masterClrMapping/>
+  </p:clrMapOvr>
+</p:sld>
+</file>
+
+<file path=ppt/slides/slide53.xml><?xml version="1.0" encoding="utf-8"?>
+<p:sld xmlns:a="http://schemas.openxmlformats.org/drawingml/2006/main" xmlns:r="http://schemas.openxmlformats.org/officeDocument/2006/relationships" xmlns:mc="http://schemas.openxmlformats.org/markup-compatibility/2006" xmlns:mv="urn:schemas-microsoft-com:mac:vml" xmlns:p="http://schemas.openxmlformats.org/presentationml/2006/main" xmlns:c="http://schemas.openxmlformats.org/drawingml/2006/chart" xmlns:dgm="http://schemas.openxmlformats.org/drawingml/2006/diagram" xmlns:o="urn:schemas-microsoft-com:office:office" xmlns:v="urn:schemas-microsoft-com:vml" xmlns:pvml="urn:schemas-microsoft-com:office:powerpoint" xmlns:com="http://schemas.openxmlformats.org/drawingml/2006/compatibility" xmlns:p14="http://schemas.microsoft.com/office/powerpoint/2010/main" xmlns:p15="http://schemas.microsoft.com/office/powerpoint/2012/main" xmlns:ahyp="http://schemas.microsoft.com/office/drawing/2018/hyperlinkcolor">
+  <p:cSld>
+    <p:spTree>
+      <p:nvGrpSpPr>
+        <p:cNvPr id="601" name="Shape 601"/>
+        <p:cNvGrpSpPr/>
+        <p:nvPr/>
+      </p:nvGrpSpPr>
+      <p:grpSpPr>
+        <a:xfrm>
+          <a:off x="0" y="0"/>
+          <a:ext cx="0" cy="0"/>
+          <a:chOff x="0" y="0"/>
+          <a:chExt cx="0" cy="0"/>
+        </a:xfrm>
+      </p:grpSpPr>
+      <p:sp>
+        <p:nvSpPr>
+          <p:cNvPr id="602" name="Google Shape;602;p65"/>
+          <p:cNvSpPr txBox="1"/>
+          <p:nvPr>
+            <p:ph type="title"/>
+          </p:nvPr>
+        </p:nvSpPr>
+        <p:spPr>
+          <a:xfrm>
+            <a:off x="1172150" y="667600"/>
+            <a:ext cx="7030500" cy="892500"/>
+          </a:xfrm>
+          <a:prstGeom prst="rect">
+            <a:avLst/>
+          </a:prstGeom>
+        </p:spPr>
+        <p:txBody>
+          <a:bodyPr anchorCtr="0" anchor="t" bIns="91425" lIns="91425" spcFirstLastPara="1" rIns="91425" wrap="square" tIns="91425">
+            <a:noAutofit/>
+          </a:bodyPr>
+          <a:lstStyle/>
+          <a:p>
+            <a:pPr indent="0" lvl="0" marL="0" rtl="0" algn="l">
+              <a:spcBef>
+                <a:spcPts val="0"/>
+              </a:spcBef>
+              <a:spcAft>
+                <a:spcPts val="0"/>
+              </a:spcAft>
+              <a:buNone/>
+            </a:pPr>
+            <a:r>
+              <a:rPr lang="en"/>
+              <a:t>Multilayer Perceptron </a:t>
+            </a:r>
+            <a:r>
+              <a:rPr lang="en"/>
+              <a:t>output</a:t>
+            </a:r>
+            <a:endParaRPr/>
+          </a:p>
+          <a:p>
+            <a:pPr indent="0" lvl="0" marL="0" rtl="0" algn="l">
+              <a:spcBef>
+                <a:spcPts val="0"/>
+              </a:spcBef>
+              <a:spcAft>
+                <a:spcPts val="0"/>
+              </a:spcAft>
+              <a:buNone/>
+            </a:pPr>
+            <a:r>
+              <a:t/>
+            </a:r>
+            <a:endParaRPr/>
+          </a:p>
+        </p:txBody>
+      </p:sp>
+      <p:sp>
+        <p:nvSpPr>
+          <p:cNvPr id="603" name="Google Shape;603;p65"/>
+          <p:cNvSpPr txBox="1"/>
+          <p:nvPr>
+            <p:ph idx="1" type="body"/>
+          </p:nvPr>
+        </p:nvSpPr>
+        <p:spPr>
+          <a:xfrm>
+            <a:off x="419925" y="1990050"/>
+            <a:ext cx="3870000" cy="2541600"/>
+          </a:xfrm>
+          <a:prstGeom prst="rect">
+            <a:avLst/>
+          </a:prstGeom>
+        </p:spPr>
+        <p:txBody>
+          <a:bodyPr anchorCtr="0" anchor="t" bIns="91425" lIns="91425" spcFirstLastPara="1" rIns="91425" wrap="square" tIns="91425">
+            <a:noAutofit/>
+          </a:bodyPr>
+          <a:lstStyle/>
+          <a:p>
+            <a:pPr indent="0" lvl="0" marL="0" rtl="0" algn="l">
+              <a:spcBef>
+                <a:spcPts val="0"/>
+              </a:spcBef>
+              <a:spcAft>
+                <a:spcPts val="0"/>
+              </a:spcAft>
+              <a:buNone/>
+            </a:pPr>
+            <a:r>
+              <a:rPr lang="en"/>
+              <a:t>A classifier that uses backpropagation to learn a multi-layer perceptron to classify instances.</a:t>
+            </a:r>
+            <a:endParaRPr/>
+          </a:p>
+          <a:p>
+            <a:pPr indent="-311150" lvl="0" marL="457200" rtl="0" algn="l">
+              <a:spcBef>
+                <a:spcPts val="1600"/>
+              </a:spcBef>
+              <a:spcAft>
+                <a:spcPts val="0"/>
+              </a:spcAft>
+              <a:buSzPts val="1300"/>
+              <a:buChar char="-"/>
+            </a:pPr>
+            <a:r>
+              <a:rPr lang="en"/>
+              <a:t>Batch Size		: 100</a:t>
+            </a:r>
+            <a:endParaRPr/>
+          </a:p>
+          <a:p>
+            <a:pPr indent="-311150" lvl="0" marL="457200" rtl="0" algn="l">
+              <a:spcBef>
+                <a:spcPts val="0"/>
+              </a:spcBef>
+              <a:spcAft>
+                <a:spcPts val="0"/>
+              </a:spcAft>
+              <a:buSzPts val="1300"/>
+              <a:buChar char="-"/>
+            </a:pPr>
+            <a:r>
+              <a:rPr lang="en"/>
+              <a:t>Learning Rate	: 0.03</a:t>
+            </a:r>
+            <a:endParaRPr/>
+          </a:p>
+          <a:p>
+            <a:pPr indent="-311150" lvl="0" marL="457200" rtl="0" algn="l">
+              <a:spcBef>
+                <a:spcPts val="0"/>
+              </a:spcBef>
+              <a:spcAft>
+                <a:spcPts val="0"/>
+              </a:spcAft>
+              <a:buSzPts val="1300"/>
+              <a:buChar char="-"/>
+            </a:pPr>
+            <a:r>
+              <a:rPr lang="en"/>
+              <a:t>Training Time 	: 1200</a:t>
+            </a:r>
+            <a:endParaRPr/>
+          </a:p>
+          <a:p>
+            <a:pPr indent="0" lvl="0" marL="0" rtl="0" algn="l">
+              <a:spcBef>
+                <a:spcPts val="1600"/>
+              </a:spcBef>
+              <a:spcAft>
+                <a:spcPts val="1600"/>
+              </a:spcAft>
+              <a:buNone/>
+            </a:pPr>
+            <a:r>
+              <a:t/>
+            </a:r>
+            <a:endParaRPr/>
+          </a:p>
+        </p:txBody>
+      </p:sp>
+      <p:pic>
+        <p:nvPicPr>
+          <p:cNvPr id="604" name="Google Shape;604;p65"/>
+          <p:cNvPicPr preferRelativeResize="0"/>
+          <p:nvPr/>
+        </p:nvPicPr>
+        <p:blipFill>
+          <a:blip r:embed="rId3">
+            <a:alphaModFix/>
+          </a:blip>
+          <a:stretch>
+            <a:fillRect/>
+          </a:stretch>
+        </p:blipFill>
+        <p:spPr>
+          <a:xfrm>
+            <a:off x="4195925" y="1895627"/>
+            <a:ext cx="4878025" cy="2467425"/>
           </a:xfrm>
           <a:prstGeom prst="rect">
             <a:avLst/>
@@ -24954,6 +26984,285 @@
 </file>
 
 <file path=ppt/theme/theme1.xml><?xml version="1.0" encoding="utf-8"?>
+<a:theme xmlns:a="http://schemas.openxmlformats.org/drawingml/2006/main" xmlns:r="http://schemas.openxmlformats.org/officeDocument/2006/relationships" name="Momentum">
+  <a:themeElements>
+    <a:clrScheme name="Momentum">
+      <a:dk1>
+        <a:srgbClr val="C0791B"/>
+      </a:dk1>
+      <a:lt1>
+        <a:srgbClr val="FFFFFF"/>
+      </a:lt1>
+      <a:dk2>
+        <a:srgbClr val="424242"/>
+      </a:dk2>
+      <a:lt2>
+        <a:srgbClr val="8DD8D3"/>
+      </a:lt2>
+      <a:accent1>
+        <a:srgbClr val="0B6374"/>
+      </a:accent1>
+      <a:accent2>
+        <a:srgbClr val="FD5B58"/>
+      </a:accent2>
+      <a:accent3>
+        <a:srgbClr val="599191"/>
+      </a:accent3>
+      <a:accent4>
+        <a:srgbClr val="D7E6A3"/>
+      </a:accent4>
+      <a:accent5>
+        <a:srgbClr val="27278B"/>
+      </a:accent5>
+      <a:accent6>
+        <a:srgbClr val="D558AB"/>
+      </a:accent6>
+      <a:hlink>
+        <a:srgbClr val="27278B"/>
+      </a:hlink>
+      <a:folHlink>
+        <a:srgbClr val="27278B"/>
+      </a:folHlink>
+    </a:clrScheme>
+    <a:fontScheme name="Office">
+      <a:majorFont>
+        <a:latin typeface="Arial"/>
+        <a:ea typeface=""/>
+        <a:cs typeface=""/>
+        <a:font script="Jpan" typeface="ＭＳ Ｐゴシック"/>
+        <a:font script="Hang" typeface="맑은 고딕"/>
+        <a:font script="Hans" typeface="宋体"/>
+        <a:font script="Hant" typeface="新細明體"/>
+        <a:font script="Arab" typeface="Times New Roman"/>
+        <a:font script="Hebr" typeface="Times New Roman"/>
+        <a:font script="Thai" typeface="Angsana New"/>
+        <a:font script="Ethi" typeface="Nyala"/>
+        <a:font script="Beng" typeface="Vrinda"/>
+        <a:font script="Gujr" typeface="Shruti"/>
+        <a:font script="Khmr" typeface="MoolBoran"/>
+        <a:font script="Knda" typeface="Tunga"/>
+        <a:font script="Guru" typeface="Raavi"/>
+        <a:font script="Cans" typeface="Euphemia"/>
+        <a:font script="Cher" typeface="Plantagenet Cherokee"/>
+        <a:font script="Yiii" typeface="Microsoft Yi Baiti"/>
+        <a:font script="Tibt" typeface="Microsoft Himalaya"/>
+        <a:font script="Thaa" typeface="MV Boli"/>
+        <a:font script="Deva" typeface="Mangal"/>
+        <a:font script="Telu" typeface="Gautami"/>
+        <a:font script="Taml" typeface="Latha"/>
+        <a:font script="Syrc" typeface="Estrangelo Edessa"/>
+        <a:font script="Orya" typeface="Kalinga"/>
+        <a:font script="Mlym" typeface="Kartika"/>
+        <a:font script="Laoo" typeface="DokChampa"/>
+        <a:font script="Sinh" typeface="Iskoola Pota"/>
+        <a:font script="Mong" typeface="Mongolian Baiti"/>
+        <a:font script="Viet" typeface="Times New Roman"/>
+        <a:font script="Uigh" typeface="Microsoft Uighur"/>
+        <a:font script="Geor" typeface="Sylfaen"/>
+      </a:majorFont>
+      <a:minorFont>
+        <a:latin typeface="Arial"/>
+        <a:ea typeface=""/>
+        <a:cs typeface=""/>
+        <a:font script="Jpan" typeface="ＭＳ Ｐゴシック"/>
+        <a:font script="Hang" typeface="맑은 고딕"/>
+        <a:font script="Hans" typeface="宋体"/>
+        <a:font script="Hant" typeface="新細明體"/>
+        <a:font script="Arab" typeface="Arial"/>
+        <a:font script="Hebr" typeface="Arial"/>
+        <a:font script="Thai" typeface="Cordia New"/>
+        <a:font script="Ethi" typeface="Nyala"/>
+        <a:font script="Beng" typeface="Vrinda"/>
+        <a:font script="Gujr" typeface="Shruti"/>
+        <a:font script="Khmr" typeface="DaunPenh"/>
+        <a:font script="Knda" typeface="Tunga"/>
+        <a:font script="Guru" typeface="Raavi"/>
+        <a:font script="Cans" typeface="Euphemia"/>
+        <a:font script="Cher" typeface="Plantagenet Cherokee"/>
+        <a:font script="Yiii" typeface="Microsoft Yi Baiti"/>
+        <a:font script="Tibt" typeface="Microsoft Himalaya"/>
+        <a:font script="Thaa" typeface="MV Boli"/>
+        <a:font script="Deva" typeface="Mangal"/>
+        <a:font script="Telu" typeface="Gautami"/>
+        <a:font script="Taml" typeface="Latha"/>
+        <a:font script="Syrc" typeface="Estrangelo Edessa"/>
+        <a:font script="Orya" typeface="Kalinga"/>
+        <a:font script="Mlym" typeface="Kartika"/>
+        <a:font script="Laoo" typeface="DokChampa"/>
+        <a:font script="Sinh" typeface="Iskoola Pota"/>
+        <a:font script="Mong" typeface="Mongolian Baiti"/>
+        <a:font script="Viet" typeface="Arial"/>
+        <a:font script="Uigh" typeface="Microsoft Uighur"/>
+        <a:font script="Geor" typeface="Sylfaen"/>
+      </a:minorFont>
+    </a:fontScheme>
+    <a:fmtScheme name="Office">
+      <a:fillStyleLst>
+        <a:solidFill>
+          <a:schemeClr val="phClr"/>
+        </a:solidFill>
+        <a:gradFill rotWithShape="1">
+          <a:gsLst>
+            <a:gs pos="0">
+              <a:schemeClr val="phClr">
+                <a:tint val="50000"/>
+                <a:satMod val="300000"/>
+              </a:schemeClr>
+            </a:gs>
+            <a:gs pos="35000">
+              <a:schemeClr val="phClr">
+                <a:tint val="37000"/>
+                <a:satMod val="300000"/>
+              </a:schemeClr>
+            </a:gs>
+            <a:gs pos="100000">
+              <a:schemeClr val="phClr">
+                <a:tint val="15000"/>
+                <a:satMod val="350000"/>
+              </a:schemeClr>
+            </a:gs>
+          </a:gsLst>
+          <a:lin ang="16200000" scaled="1"/>
+        </a:gradFill>
+        <a:gradFill rotWithShape="1">
+          <a:gsLst>
+            <a:gs pos="0">
+              <a:schemeClr val="phClr">
+                <a:tint val="100000"/>
+                <a:shade val="100000"/>
+                <a:satMod val="130000"/>
+              </a:schemeClr>
+            </a:gs>
+            <a:gs pos="100000">
+              <a:schemeClr val="phClr">
+                <a:tint val="50000"/>
+                <a:shade val="100000"/>
+                <a:satMod val="350000"/>
+              </a:schemeClr>
+            </a:gs>
+          </a:gsLst>
+          <a:lin ang="16200000" scaled="0"/>
+        </a:gradFill>
+      </a:fillStyleLst>
+      <a:lnStyleLst>
+        <a:ln w="9525" cap="flat" cmpd="sng" algn="ctr">
+          <a:solidFill>
+            <a:schemeClr val="phClr">
+              <a:shade val="95000"/>
+              <a:satMod val="105000"/>
+            </a:schemeClr>
+          </a:solidFill>
+          <a:prstDash val="solid"/>
+        </a:ln>
+        <a:ln w="25400" cap="flat" cmpd="sng" algn="ctr">
+          <a:solidFill>
+            <a:schemeClr val="phClr"/>
+          </a:solidFill>
+          <a:prstDash val="solid"/>
+        </a:ln>
+        <a:ln w="38100" cap="flat" cmpd="sng" algn="ctr">
+          <a:solidFill>
+            <a:schemeClr val="phClr"/>
+          </a:solidFill>
+          <a:prstDash val="solid"/>
+        </a:ln>
+      </a:lnStyleLst>
+      <a:effectStyleLst>
+        <a:effectStyle>
+          <a:effectLst>
+            <a:outerShdw blurRad="40000" dist="20000" dir="5400000" rotWithShape="0">
+              <a:srgbClr val="000000">
+                <a:alpha val="38000"/>
+              </a:srgbClr>
+            </a:outerShdw>
+          </a:effectLst>
+        </a:effectStyle>
+        <a:effectStyle>
+          <a:effectLst>
+            <a:outerShdw blurRad="40000" dist="23000" dir="5400000" rotWithShape="0">
+              <a:srgbClr val="000000">
+                <a:alpha val="35000"/>
+              </a:srgbClr>
+            </a:outerShdw>
+          </a:effectLst>
+        </a:effectStyle>
+        <a:effectStyle>
+          <a:effectLst>
+            <a:outerShdw blurRad="40000" dist="23000" dir="5400000" rotWithShape="0">
+              <a:srgbClr val="000000">
+                <a:alpha val="35000"/>
+              </a:srgbClr>
+            </a:outerShdw>
+          </a:effectLst>
+          <a:scene3d>
+            <a:camera prst="orthographicFront">
+              <a:rot lat="0" lon="0" rev="0"/>
+            </a:camera>
+            <a:lightRig rig="threePt" dir="t">
+              <a:rot lat="0" lon="0" rev="1200000"/>
+            </a:lightRig>
+          </a:scene3d>
+          <a:sp3d>
+            <a:bevelT w="63500" h="25400"/>
+          </a:sp3d>
+        </a:effectStyle>
+      </a:effectStyleLst>
+      <a:bgFillStyleLst>
+        <a:solidFill>
+          <a:schemeClr val="phClr"/>
+        </a:solidFill>
+        <a:gradFill rotWithShape="1">
+          <a:gsLst>
+            <a:gs pos="0">
+              <a:schemeClr val="phClr">
+                <a:tint val="40000"/>
+                <a:satMod val="350000"/>
+              </a:schemeClr>
+            </a:gs>
+            <a:gs pos="40000">
+              <a:schemeClr val="phClr">
+                <a:tint val="45000"/>
+                <a:shade val="99000"/>
+                <a:satMod val="350000"/>
+              </a:schemeClr>
+            </a:gs>
+            <a:gs pos="100000">
+              <a:schemeClr val="phClr">
+                <a:shade val="20000"/>
+                <a:satMod val="255000"/>
+              </a:schemeClr>
+            </a:gs>
+          </a:gsLst>
+          <a:path path="circle">
+            <a:fillToRect l="50000" t="-80000" r="50000" b="180000"/>
+          </a:path>
+        </a:gradFill>
+        <a:gradFill rotWithShape="1">
+          <a:gsLst>
+            <a:gs pos="0">
+              <a:schemeClr val="phClr">
+                <a:tint val="80000"/>
+                <a:satMod val="300000"/>
+              </a:schemeClr>
+            </a:gs>
+            <a:gs pos="100000">
+              <a:schemeClr val="phClr">
+                <a:shade val="30000"/>
+                <a:satMod val="200000"/>
+              </a:schemeClr>
+            </a:gs>
+          </a:gsLst>
+          <a:path path="circle">
+            <a:fillToRect l="50000" t="50000" r="50000" b="50000"/>
+          </a:path>
+        </a:gradFill>
+      </a:bgFillStyleLst>
+    </a:fmtScheme>
+  </a:themeElements>
+</a:theme>
+</file>
+
+<file path=ppt/theme/theme2.xml><?xml version="1.0" encoding="utf-8"?>
 <a:theme xmlns:a="http://schemas.openxmlformats.org/drawingml/2006/main" xmlns:r="http://schemas.openxmlformats.org/officeDocument/2006/relationships">
   <a:themeElements>
     <a:clrScheme name="Default">
@@ -25230,283 +27539,4 @@
     </a:fmtScheme>
   </a:themeElements>
 </a:theme>
-</file>
-
-<file path=ppt/theme/theme2.xml><?xml version="1.0" encoding="utf-8"?>
-<a:theme xmlns:a="http://schemas.openxmlformats.org/drawingml/2006/main" xmlns:r="http://schemas.openxmlformats.org/officeDocument/2006/relationships" name="Momentum">
-  <a:themeElements>
-    <a:clrScheme name="Momentum">
-      <a:dk1>
-        <a:srgbClr val="C0791B"/>
-      </a:dk1>
-      <a:lt1>
-        <a:srgbClr val="FFFFFF"/>
-      </a:lt1>
-      <a:dk2>
-        <a:srgbClr val="424242"/>
-      </a:dk2>
-      <a:lt2>
-        <a:srgbClr val="8DD8D3"/>
-      </a:lt2>
-      <a:accent1>
-        <a:srgbClr val="0B6374"/>
-      </a:accent1>
-      <a:accent2>
-        <a:srgbClr val="FD5B58"/>
-      </a:accent2>
-      <a:accent3>
-        <a:srgbClr val="599191"/>
-      </a:accent3>
-      <a:accent4>
-        <a:srgbClr val="D7E6A3"/>
-      </a:accent4>
-      <a:accent5>
-        <a:srgbClr val="27278B"/>
-      </a:accent5>
-      <a:accent6>
-        <a:srgbClr val="D558AB"/>
-      </a:accent6>
-      <a:hlink>
-        <a:srgbClr val="27278B"/>
-      </a:hlink>
-      <a:folHlink>
-        <a:srgbClr val="27278B"/>
-      </a:folHlink>
-    </a:clrScheme>
-    <a:fontScheme name="Office">
-      <a:majorFont>
-        <a:latin typeface="Arial"/>
-        <a:ea typeface=""/>
-        <a:cs typeface=""/>
-        <a:font script="Jpan" typeface="ＭＳ Ｐゴシック"/>
-        <a:font script="Hang" typeface="맑은 고딕"/>
-        <a:font script="Hans" typeface="宋体"/>
-        <a:font script="Hant" typeface="新細明體"/>
-        <a:font script="Arab" typeface="Times New Roman"/>
-        <a:font script="Hebr" typeface="Times New Roman"/>
-        <a:font script="Thai" typeface="Angsana New"/>
-        <a:font script="Ethi" typeface="Nyala"/>
-        <a:font script="Beng" typeface="Vrinda"/>
-        <a:font script="Gujr" typeface="Shruti"/>
-        <a:font script="Khmr" typeface="MoolBoran"/>
-        <a:font script="Knda" typeface="Tunga"/>
-        <a:font script="Guru" typeface="Raavi"/>
-        <a:font script="Cans" typeface="Euphemia"/>
-        <a:font script="Cher" typeface="Plantagenet Cherokee"/>
-        <a:font script="Yiii" typeface="Microsoft Yi Baiti"/>
-        <a:font script="Tibt" typeface="Microsoft Himalaya"/>
-        <a:font script="Thaa" typeface="MV Boli"/>
-        <a:font script="Deva" typeface="Mangal"/>
-        <a:font script="Telu" typeface="Gautami"/>
-        <a:font script="Taml" typeface="Latha"/>
-        <a:font script="Syrc" typeface="Estrangelo Edessa"/>
-        <a:font script="Orya" typeface="Kalinga"/>
-        <a:font script="Mlym" typeface="Kartika"/>
-        <a:font script="Laoo" typeface="DokChampa"/>
-        <a:font script="Sinh" typeface="Iskoola Pota"/>
-        <a:font script="Mong" typeface="Mongolian Baiti"/>
-        <a:font script="Viet" typeface="Times New Roman"/>
-        <a:font script="Uigh" typeface="Microsoft Uighur"/>
-        <a:font script="Geor" typeface="Sylfaen"/>
-      </a:majorFont>
-      <a:minorFont>
-        <a:latin typeface="Arial"/>
-        <a:ea typeface=""/>
-        <a:cs typeface=""/>
-        <a:font script="Jpan" typeface="ＭＳ Ｐゴシック"/>
-        <a:font script="Hang" typeface="맑은 고딕"/>
-        <a:font script="Hans" typeface="宋体"/>
-        <a:font script="Hant" typeface="新細明體"/>
-        <a:font script="Arab" typeface="Arial"/>
-        <a:font script="Hebr" typeface="Arial"/>
-        <a:font script="Thai" typeface="Cordia New"/>
-        <a:font script="Ethi" typeface="Nyala"/>
-        <a:font script="Beng" typeface="Vrinda"/>
-        <a:font script="Gujr" typeface="Shruti"/>
-        <a:font script="Khmr" typeface="DaunPenh"/>
-        <a:font script="Knda" typeface="Tunga"/>
-        <a:font script="Guru" typeface="Raavi"/>
-        <a:font script="Cans" typeface="Euphemia"/>
-        <a:font script="Cher" typeface="Plantagenet Cherokee"/>
-        <a:font script="Yiii" typeface="Microsoft Yi Baiti"/>
-        <a:font script="Tibt" typeface="Microsoft Himalaya"/>
-        <a:font script="Thaa" typeface="MV Boli"/>
-        <a:font script="Deva" typeface="Mangal"/>
-        <a:font script="Telu" typeface="Gautami"/>
-        <a:font script="Taml" typeface="Latha"/>
-        <a:font script="Syrc" typeface="Estrangelo Edessa"/>
-        <a:font script="Orya" typeface="Kalinga"/>
-        <a:font script="Mlym" typeface="Kartika"/>
-        <a:font script="Laoo" typeface="DokChampa"/>
-        <a:font script="Sinh" typeface="Iskoola Pota"/>
-        <a:font script="Mong" typeface="Mongolian Baiti"/>
-        <a:font script="Viet" typeface="Arial"/>
-        <a:font script="Uigh" typeface="Microsoft Uighur"/>
-        <a:font script="Geor" typeface="Sylfaen"/>
-      </a:minorFont>
-    </a:fontScheme>
-    <a:fmtScheme name="Office">
-      <a:fillStyleLst>
-        <a:solidFill>
-          <a:schemeClr val="phClr"/>
-        </a:solidFill>
-        <a:gradFill rotWithShape="1">
-          <a:gsLst>
-            <a:gs pos="0">
-              <a:schemeClr val="phClr">
-                <a:tint val="50000"/>
-                <a:satMod val="300000"/>
-              </a:schemeClr>
-            </a:gs>
-            <a:gs pos="35000">
-              <a:schemeClr val="phClr">
-                <a:tint val="37000"/>
-                <a:satMod val="300000"/>
-              </a:schemeClr>
-            </a:gs>
-            <a:gs pos="100000">
-              <a:schemeClr val="phClr">
-                <a:tint val="15000"/>
-                <a:satMod val="350000"/>
-              </a:schemeClr>
-            </a:gs>
-          </a:gsLst>
-          <a:lin ang="16200000" scaled="1"/>
-        </a:gradFill>
-        <a:gradFill rotWithShape="1">
-          <a:gsLst>
-            <a:gs pos="0">
-              <a:schemeClr val="phClr">
-                <a:tint val="100000"/>
-                <a:shade val="100000"/>
-                <a:satMod val="130000"/>
-              </a:schemeClr>
-            </a:gs>
-            <a:gs pos="100000">
-              <a:schemeClr val="phClr">
-                <a:tint val="50000"/>
-                <a:shade val="100000"/>
-                <a:satMod val="350000"/>
-              </a:schemeClr>
-            </a:gs>
-          </a:gsLst>
-          <a:lin ang="16200000" scaled="0"/>
-        </a:gradFill>
-      </a:fillStyleLst>
-      <a:lnStyleLst>
-        <a:ln w="9525" cap="flat" cmpd="sng" algn="ctr">
-          <a:solidFill>
-            <a:schemeClr val="phClr">
-              <a:shade val="95000"/>
-              <a:satMod val="105000"/>
-            </a:schemeClr>
-          </a:solidFill>
-          <a:prstDash val="solid"/>
-        </a:ln>
-        <a:ln w="25400" cap="flat" cmpd="sng" algn="ctr">
-          <a:solidFill>
-            <a:schemeClr val="phClr"/>
-          </a:solidFill>
-          <a:prstDash val="solid"/>
-        </a:ln>
-        <a:ln w="38100" cap="flat" cmpd="sng" algn="ctr">
-          <a:solidFill>
-            <a:schemeClr val="phClr"/>
-          </a:solidFill>
-          <a:prstDash val="solid"/>
-        </a:ln>
-      </a:lnStyleLst>
-      <a:effectStyleLst>
-        <a:effectStyle>
-          <a:effectLst>
-            <a:outerShdw blurRad="40000" dist="20000" dir="5400000" rotWithShape="0">
-              <a:srgbClr val="000000">
-                <a:alpha val="38000"/>
-              </a:srgbClr>
-            </a:outerShdw>
-          </a:effectLst>
-        </a:effectStyle>
-        <a:effectStyle>
-          <a:effectLst>
-            <a:outerShdw blurRad="40000" dist="23000" dir="5400000" rotWithShape="0">
-              <a:srgbClr val="000000">
-                <a:alpha val="35000"/>
-              </a:srgbClr>
-            </a:outerShdw>
-          </a:effectLst>
-        </a:effectStyle>
-        <a:effectStyle>
-          <a:effectLst>
-            <a:outerShdw blurRad="40000" dist="23000" dir="5400000" rotWithShape="0">
-              <a:srgbClr val="000000">
-                <a:alpha val="35000"/>
-              </a:srgbClr>
-            </a:outerShdw>
-          </a:effectLst>
-          <a:scene3d>
-            <a:camera prst="orthographicFront">
-              <a:rot lat="0" lon="0" rev="0"/>
-            </a:camera>
-            <a:lightRig rig="threePt" dir="t">
-              <a:rot lat="0" lon="0" rev="1200000"/>
-            </a:lightRig>
-          </a:scene3d>
-          <a:sp3d>
-            <a:bevelT w="63500" h="25400"/>
-          </a:sp3d>
-        </a:effectStyle>
-      </a:effectStyleLst>
-      <a:bgFillStyleLst>
-        <a:solidFill>
-          <a:schemeClr val="phClr"/>
-        </a:solidFill>
-        <a:gradFill rotWithShape="1">
-          <a:gsLst>
-            <a:gs pos="0">
-              <a:schemeClr val="phClr">
-                <a:tint val="40000"/>
-                <a:satMod val="350000"/>
-              </a:schemeClr>
-            </a:gs>
-            <a:gs pos="40000">
-              <a:schemeClr val="phClr">
-                <a:tint val="45000"/>
-                <a:shade val="99000"/>
-                <a:satMod val="350000"/>
-              </a:schemeClr>
-            </a:gs>
-            <a:gs pos="100000">
-              <a:schemeClr val="phClr">
-                <a:shade val="20000"/>
-                <a:satMod val="255000"/>
-              </a:schemeClr>
-            </a:gs>
-          </a:gsLst>
-          <a:path path="circle">
-            <a:fillToRect l="50000" t="-80000" r="50000" b="180000"/>
-          </a:path>
-        </a:gradFill>
-        <a:gradFill rotWithShape="1">
-          <a:gsLst>
-            <a:gs pos="0">
-              <a:schemeClr val="phClr">
-                <a:tint val="80000"/>
-                <a:satMod val="300000"/>
-              </a:schemeClr>
-            </a:gs>
-            <a:gs pos="100000">
-              <a:schemeClr val="phClr">
-                <a:shade val="30000"/>
-                <a:satMod val="200000"/>
-              </a:schemeClr>
-            </a:gs>
-          </a:gsLst>
-          <a:path path="circle">
-            <a:fillToRect l="50000" t="50000" r="50000" b="50000"/>
-          </a:path>
-        </a:gradFill>
-      </a:bgFillStyleLst>
-    </a:fmtScheme>
-  </a:themeElements>
-</a:theme>
 </file>
--- a/Machine Learning.pptx
+++ b/Machine Learning.pptx
@@ -5,7 +5,7 @@
     <p:sldMasterId id="2147483659" r:id="rId1"/>
   </p:sldMasterIdLst>
   <p:notesMasterIdLst>
-    <p:notesMasterId r:id="rId57"/>
+    <p:notesMasterId r:id="rId69"/>
   </p:notesMasterIdLst>
   <p:sldIdLst>
     <p:sldId id="256" r:id="rId2"/>
@@ -58,26 +58,38 @@
     <p:sldId id="301" r:id="rId49"/>
     <p:sldId id="302" r:id="rId50"/>
     <p:sldId id="303" r:id="rId51"/>
-    <p:sldId id="304" r:id="rId52"/>
-    <p:sldId id="305" r:id="rId53"/>
-    <p:sldId id="306" r:id="rId54"/>
-    <p:sldId id="307" r:id="rId55"/>
-    <p:sldId id="308" r:id="rId56"/>
+    <p:sldId id="312" r:id="rId52"/>
+    <p:sldId id="304" r:id="rId53"/>
+    <p:sldId id="305" r:id="rId54"/>
+    <p:sldId id="306" r:id="rId55"/>
+    <p:sldId id="307" r:id="rId56"/>
+    <p:sldId id="308" r:id="rId57"/>
+    <p:sldId id="313" r:id="rId58"/>
+    <p:sldId id="314" r:id="rId59"/>
+    <p:sldId id="315" r:id="rId60"/>
+    <p:sldId id="316" r:id="rId61"/>
+    <p:sldId id="317" r:id="rId62"/>
+    <p:sldId id="318" r:id="rId63"/>
+    <p:sldId id="319" r:id="rId64"/>
+    <p:sldId id="320" r:id="rId65"/>
+    <p:sldId id="321" r:id="rId66"/>
+    <p:sldId id="322" r:id="rId67"/>
+    <p:sldId id="323" r:id="rId68"/>
   </p:sldIdLst>
   <p:sldSz cx="9144000" cy="5143500" type="screen16x9"/>
   <p:notesSz cx="6858000" cy="9144000"/>
   <p:embeddedFontLst>
     <p:embeddedFont>
       <p:font typeface="Nunito" panose="020B0604020202020204" charset="0"/>
-      <p:regular r:id="rId58"/>
-      <p:bold r:id="rId59"/>
-      <p:italic r:id="rId60"/>
-      <p:boldItalic r:id="rId61"/>
+      <p:regular r:id="rId70"/>
+      <p:bold r:id="rId71"/>
+      <p:italic r:id="rId72"/>
+      <p:boldItalic r:id="rId73"/>
     </p:embeddedFont>
     <p:embeddedFont>
       <p:font typeface="Maven Pro" panose="020B0604020202020204" charset="0"/>
-      <p:regular r:id="rId62"/>
-      <p:bold r:id="rId63"/>
+      <p:regular r:id="rId74"/>
+      <p:bold r:id="rId75"/>
     </p:embeddedFont>
   </p:embeddedFontLst>
   <p:defaultTextStyle>
@@ -23181,7 +23193,7 @@
         </p:nvSpPr>
         <p:spPr>
           <a:xfrm>
-            <a:off x="3588750" y="354100"/>
+            <a:off x="1243483" y="430300"/>
             <a:ext cx="7030500" cy="999300"/>
           </a:xfrm>
           <a:prstGeom prst="rect">
@@ -23204,10 +23216,10 @@
               <a:buNone/>
             </a:pPr>
             <a:r>
-              <a:rPr lang="en"/>
+              <a:rPr lang="en" dirty="0"/>
               <a:t>Feature Descriptions</a:t>
             </a:r>
-            <a:endParaRPr/>
+            <a:endParaRPr dirty="0"/>
           </a:p>
           <a:p>
             <a:pPr marL="0" lvl="0" indent="0" algn="l" rtl="0">
@@ -23219,7 +23231,7 @@
               </a:spcAft>
               <a:buNone/>
             </a:pPr>
-            <a:endParaRPr/>
+            <a:endParaRPr dirty="0"/>
           </a:p>
         </p:txBody>
       </p:sp>
@@ -25738,10 +25750,10 @@
               <a:buNone/>
             </a:pPr>
             <a:r>
-              <a:rPr lang="en"/>
+              <a:rPr lang="en" dirty="0"/>
               <a:t>Student Grade Prediction</a:t>
             </a:r>
-            <a:endParaRPr/>
+            <a:endParaRPr dirty="0"/>
           </a:p>
           <a:p>
             <a:pPr marL="0" lvl="0" indent="0" algn="l" rtl="0">
@@ -25753,7 +25765,7 @@
               </a:spcAft>
               <a:buNone/>
             </a:pPr>
-            <a:endParaRPr/>
+            <a:endParaRPr dirty="0"/>
           </a:p>
         </p:txBody>
       </p:sp>
@@ -25876,6 +25888,309 @@
 </file>
 
 <file path=ppt/slides/slide51.xml><?xml version="1.0" encoding="utf-8"?>
+<p:sld xmlns:a="http://schemas.openxmlformats.org/drawingml/2006/main" xmlns:r="http://schemas.openxmlformats.org/officeDocument/2006/relationships" xmlns:p="http://schemas.openxmlformats.org/presentationml/2006/main">
+  <p:cSld>
+    <p:spTree>
+      <p:nvGrpSpPr>
+        <p:cNvPr id="1" name=""/>
+        <p:cNvGrpSpPr/>
+        <p:nvPr/>
+      </p:nvGrpSpPr>
+      <p:grpSpPr>
+        <a:xfrm>
+          <a:off x="0" y="0"/>
+          <a:ext cx="0" cy="0"/>
+          <a:chOff x="0" y="0"/>
+          <a:chExt cx="0" cy="0"/>
+        </a:xfrm>
+      </p:grpSpPr>
+      <p:sp>
+        <p:nvSpPr>
+          <p:cNvPr id="2" name="Title 1"/>
+          <p:cNvSpPr>
+            <a:spLocks noGrp="1"/>
+          </p:cNvSpPr>
+          <p:nvPr>
+            <p:ph type="title"/>
+          </p:nvPr>
+        </p:nvSpPr>
+        <p:spPr>
+          <a:xfrm>
+            <a:off x="1269112" y="643926"/>
+            <a:ext cx="7030500" cy="1065533"/>
+          </a:xfrm>
+        </p:spPr>
+        <p:txBody>
+          <a:bodyPr/>
+          <a:lstStyle/>
+          <a:p>
+            <a:r>
+              <a:rPr lang="en" dirty="0"/>
+              <a:t>Feature Descriptions</a:t>
+            </a:r>
+            <a:endParaRPr lang="sq-AL" dirty="0"/>
+          </a:p>
+        </p:txBody>
+      </p:sp>
+      <p:sp>
+        <p:nvSpPr>
+          <p:cNvPr id="3" name="Text Placeholder 2"/>
+          <p:cNvSpPr>
+            <a:spLocks noGrp="1"/>
+          </p:cNvSpPr>
+          <p:nvPr>
+            <p:ph type="body" idx="1"/>
+          </p:nvPr>
+        </p:nvSpPr>
+        <p:spPr>
+          <a:xfrm>
+            <a:off x="1303800" y="1301579"/>
+            <a:ext cx="7030500" cy="3230072"/>
+          </a:xfrm>
+        </p:spPr>
+        <p:txBody>
+          <a:bodyPr/>
+          <a:lstStyle/>
+          <a:p>
+            <a:pPr marL="146050" indent="0">
+              <a:buNone/>
+            </a:pPr>
+            <a:r>
+              <a:rPr lang="en-US" dirty="0" smtClean="0"/>
+              <a:t>Key Feature Description:</a:t>
+            </a:r>
+          </a:p>
+          <a:p>
+            <a:pPr marL="146050" indent="0">
+              <a:buNone/>
+            </a:pPr>
+            <a:endParaRPr lang="en-US" b="1" dirty="0" smtClean="0"/>
+          </a:p>
+          <a:p>
+            <a:pPr fontAlgn="base"/>
+            <a:r>
+              <a:rPr lang="en-US" dirty="0" smtClean="0"/>
+              <a:t>Sex: </a:t>
+            </a:r>
+            <a:r>
+              <a:rPr lang="en-US" dirty="0"/>
+              <a:t>student's sex (binary: 'F' - female or 'M' - male</a:t>
+            </a:r>
+            <a:r>
+              <a:rPr lang="en-US" dirty="0" smtClean="0"/>
+              <a:t>)</a:t>
+            </a:r>
+          </a:p>
+          <a:p>
+            <a:pPr fontAlgn="base"/>
+            <a:r>
+              <a:rPr lang="en-US" dirty="0" smtClean="0"/>
+              <a:t>Age: student's </a:t>
+            </a:r>
+            <a:r>
+              <a:rPr lang="en-US" dirty="0"/>
+              <a:t>age (numeric: from 15 to 22</a:t>
+            </a:r>
+            <a:r>
+              <a:rPr lang="en-US" dirty="0" smtClean="0"/>
+              <a:t>)</a:t>
+            </a:r>
+          </a:p>
+          <a:p>
+            <a:pPr fontAlgn="base"/>
+            <a:r>
+              <a:rPr lang="en-US" dirty="0" smtClean="0"/>
+              <a:t>Address:  student's </a:t>
+            </a:r>
+            <a:r>
+              <a:rPr lang="en-US" dirty="0"/>
+              <a:t>home address type (binary: 'U' - urban or 'R' - rural</a:t>
+            </a:r>
+            <a:r>
+              <a:rPr lang="en-US" dirty="0" smtClean="0"/>
+              <a:t>)</a:t>
+            </a:r>
+          </a:p>
+          <a:p>
+            <a:pPr fontAlgn="base"/>
+            <a:r>
+              <a:rPr lang="en-US" dirty="0" err="1" smtClean="0"/>
+              <a:t>Studytime</a:t>
+            </a:r>
+            <a:r>
+              <a:rPr lang="en-US" dirty="0" smtClean="0"/>
+              <a:t>: weekly </a:t>
+            </a:r>
+            <a:r>
+              <a:rPr lang="en-US" dirty="0"/>
+              <a:t>study time (numeric: 1 - </a:t>
+            </a:r>
+            <a:r>
+              <a:rPr lang="en-US" dirty="0"/>
+              <a:t>&lt;</a:t>
+            </a:r>
+            <a:r>
+              <a:rPr lang="en-US" dirty="0" smtClean="0"/>
+              <a:t>2 </a:t>
+            </a:r>
+            <a:r>
+              <a:rPr lang="en-US" dirty="0"/>
+              <a:t>hours, 2 - 2 to 5 hours, 3 - 5 to 10 hours, or 4 - </a:t>
+            </a:r>
+            <a:r>
+              <a:rPr lang="en-US" dirty="0" smtClean="0"/>
+              <a:t>&gt;10 </a:t>
+            </a:r>
+            <a:r>
+              <a:rPr lang="en-US" dirty="0"/>
+              <a:t>hours</a:t>
+            </a:r>
+            <a:r>
+              <a:rPr lang="en-US" dirty="0" smtClean="0"/>
+              <a:t>)</a:t>
+            </a:r>
+          </a:p>
+          <a:p>
+            <a:pPr fontAlgn="base"/>
+            <a:r>
+              <a:rPr lang="en-US" dirty="0" err="1" smtClean="0"/>
+              <a:t>Traveltime</a:t>
+            </a:r>
+            <a:r>
+              <a:rPr lang="en-US" dirty="0" smtClean="0"/>
+              <a:t>: </a:t>
+            </a:r>
+            <a:r>
+              <a:rPr lang="en-US" dirty="0"/>
+              <a:t>home to school travel time (numeric: 1 - </a:t>
+            </a:r>
+            <a:r>
+              <a:rPr lang="en-US" dirty="0"/>
+              <a:t>&lt;</a:t>
+            </a:r>
+            <a:r>
+              <a:rPr lang="en-US" dirty="0" smtClean="0"/>
+              <a:t>15 </a:t>
+            </a:r>
+            <a:r>
+              <a:rPr lang="en-US" dirty="0"/>
+              <a:t>min., 2 - 15 to 30 min., 3 - 30 min. to 1 hour, or 4 - </a:t>
+            </a:r>
+            <a:r>
+              <a:rPr lang="en-US" dirty="0"/>
+              <a:t>&gt;</a:t>
+            </a:r>
+            <a:r>
+              <a:rPr lang="en-US" dirty="0" smtClean="0"/>
+              <a:t>1 hour)</a:t>
+            </a:r>
+          </a:p>
+          <a:p>
+            <a:pPr fontAlgn="base"/>
+            <a:r>
+              <a:rPr lang="en-US" dirty="0" smtClean="0"/>
+              <a:t>Failures: </a:t>
+            </a:r>
+            <a:r>
+              <a:rPr lang="en-US" dirty="0"/>
+              <a:t>number of past class failures (numeric: n if 1&amp;lt;=n&amp;lt;3, else 4</a:t>
+            </a:r>
+            <a:r>
+              <a:rPr lang="en-US" dirty="0" smtClean="0"/>
+              <a:t>)</a:t>
+            </a:r>
+          </a:p>
+          <a:p>
+            <a:pPr fontAlgn="base"/>
+            <a:r>
+              <a:rPr lang="en-US" dirty="0" err="1" smtClean="0"/>
+              <a:t>Dalc</a:t>
+            </a:r>
+            <a:r>
+              <a:rPr lang="en-US" dirty="0" smtClean="0"/>
+              <a:t>: </a:t>
+            </a:r>
+            <a:r>
+              <a:rPr lang="en-US" dirty="0"/>
+              <a:t>workday alcohol consumption (numeric: from 1 - very low to 5 - very high</a:t>
+            </a:r>
+            <a:r>
+              <a:rPr lang="en-US" dirty="0" smtClean="0"/>
+              <a:t>)</a:t>
+            </a:r>
+          </a:p>
+          <a:p>
+            <a:pPr fontAlgn="base"/>
+            <a:r>
+              <a:rPr lang="en-US" dirty="0" smtClean="0"/>
+              <a:t>Health: </a:t>
+            </a:r>
+            <a:r>
+              <a:rPr lang="en-US" dirty="0"/>
+              <a:t>current health status (numeric: from 1 - very bad to 5 - very good</a:t>
+            </a:r>
+            <a:r>
+              <a:rPr lang="en-US" dirty="0" smtClean="0"/>
+              <a:t>)</a:t>
+            </a:r>
+          </a:p>
+          <a:p>
+            <a:pPr fontAlgn="base"/>
+            <a:r>
+              <a:rPr lang="en-US" dirty="0" smtClean="0"/>
+              <a:t>Absences: number </a:t>
+            </a:r>
+            <a:r>
+              <a:rPr lang="en-US" dirty="0"/>
+              <a:t>of school absences (numeric: from 0 to 93)</a:t>
+            </a:r>
+          </a:p>
+          <a:p>
+            <a:pPr fontAlgn="base"/>
+            <a:r>
+              <a:rPr lang="en-US" dirty="0" smtClean="0"/>
+              <a:t>G3: final </a:t>
+            </a:r>
+            <a:r>
+              <a:rPr lang="en-US" dirty="0"/>
+              <a:t>grade (numeric: from 0 to 20)</a:t>
+            </a:r>
+          </a:p>
+          <a:p>
+            <a:pPr marL="146050" indent="0">
+              <a:buNone/>
+            </a:pPr>
+            <a:r>
+              <a:rPr lang="en-US" dirty="0"/>
+              <a:t/>
+            </a:r>
+            <a:br>
+              <a:rPr lang="en-US" dirty="0"/>
+            </a:br>
+            <a:endParaRPr lang="en-US" dirty="0" smtClean="0"/>
+          </a:p>
+          <a:p>
+            <a:pPr marL="146050" indent="0">
+              <a:buNone/>
+            </a:pPr>
+            <a:endParaRPr lang="sq-AL" dirty="0"/>
+          </a:p>
+        </p:txBody>
+      </p:sp>
+    </p:spTree>
+    <p:extLst>
+      <p:ext uri="{BB962C8B-B14F-4D97-AF65-F5344CB8AC3E}">
+        <p14:creationId xmlns:p14="http://schemas.microsoft.com/office/powerpoint/2010/main" val="2065899401"/>
+      </p:ext>
+    </p:extLst>
+  </p:cSld>
+  <p:clrMapOvr>
+    <a:masterClrMapping/>
+  </p:clrMapOvr>
+</p:sld>
+</file>
+
+<file path=ppt/slides/slide52.xml><?xml version="1.0" encoding="utf-8"?>
 <p:sld xmlns:a="http://schemas.openxmlformats.org/drawingml/2006/main" xmlns:r="http://schemas.openxmlformats.org/officeDocument/2006/relationships" xmlns:p="http://schemas.openxmlformats.org/presentationml/2006/main">
   <p:cSld>
     <p:spTree>
@@ -26065,7 +26380,7 @@
 </p:sld>
 </file>
 
-<file path=ppt/slides/slide52.xml><?xml version="1.0" encoding="utf-8"?>
+<file path=ppt/slides/slide53.xml><?xml version="1.0" encoding="utf-8"?>
 <p:sld xmlns:a="http://schemas.openxmlformats.org/drawingml/2006/main" xmlns:r="http://schemas.openxmlformats.org/officeDocument/2006/relationships" xmlns:p="http://schemas.openxmlformats.org/presentationml/2006/main">
   <p:cSld>
     <p:spTree>
@@ -26282,7 +26597,7 @@
 </p:sld>
 </file>
 
-<file path=ppt/slides/slide53.xml><?xml version="1.0" encoding="utf-8"?>
+<file path=ppt/slides/slide54.xml><?xml version="1.0" encoding="utf-8"?>
 <p:sld xmlns:a="http://schemas.openxmlformats.org/drawingml/2006/main" xmlns:r="http://schemas.openxmlformats.org/officeDocument/2006/relationships" xmlns:p="http://schemas.openxmlformats.org/presentationml/2006/main">
   <p:cSld>
     <p:spTree>
@@ -26465,7 +26780,7 @@
 </p:sld>
 </file>
 
-<file path=ppt/slides/slide54.xml><?xml version="1.0" encoding="utf-8"?>
+<file path=ppt/slides/slide55.xml><?xml version="1.0" encoding="utf-8"?>
 <p:sld xmlns:a="http://schemas.openxmlformats.org/drawingml/2006/main" xmlns:r="http://schemas.openxmlformats.org/officeDocument/2006/relationships" xmlns:p="http://schemas.openxmlformats.org/presentationml/2006/main">
   <p:cSld>
     <p:spTree>
@@ -26677,7 +26992,7 @@
 </p:sld>
 </file>
 
-<file path=ppt/slides/slide55.xml><?xml version="1.0" encoding="utf-8"?>
+<file path=ppt/slides/slide56.xml><?xml version="1.0" encoding="utf-8"?>
 <p:sld xmlns:a="http://schemas.openxmlformats.org/drawingml/2006/main" xmlns:r="http://schemas.openxmlformats.org/officeDocument/2006/relationships" xmlns:p="http://schemas.openxmlformats.org/presentationml/2006/main">
   <p:cSld>
     <p:spTree>
@@ -26882,6 +27197,493 @@
         </p:spPr>
       </p:pic>
     </p:spTree>
+  </p:cSld>
+  <p:clrMapOvr>
+    <a:masterClrMapping/>
+  </p:clrMapOvr>
+</p:sld>
+</file>
+
+<file path=ppt/slides/slide57.xml><?xml version="1.0" encoding="utf-8"?>
+<p:sld xmlns:a="http://schemas.openxmlformats.org/drawingml/2006/main" xmlns:r="http://schemas.openxmlformats.org/officeDocument/2006/relationships" xmlns:p="http://schemas.openxmlformats.org/presentationml/2006/main">
+  <p:cSld>
+    <p:spTree>
+      <p:nvGrpSpPr>
+        <p:cNvPr id="1" name=""/>
+        <p:cNvGrpSpPr/>
+        <p:nvPr/>
+      </p:nvGrpSpPr>
+      <p:grpSpPr>
+        <a:xfrm>
+          <a:off x="0" y="0"/>
+          <a:ext cx="0" cy="0"/>
+          <a:chOff x="0" y="0"/>
+          <a:chExt cx="0" cy="0"/>
+        </a:xfrm>
+      </p:grpSpPr>
+      <p:sp>
+        <p:nvSpPr>
+          <p:cNvPr id="2" name="Title 1"/>
+          <p:cNvSpPr>
+            <a:spLocks noGrp="1"/>
+          </p:cNvSpPr>
+          <p:nvPr>
+            <p:ph type="title"/>
+          </p:nvPr>
+        </p:nvSpPr>
+        <p:spPr/>
+        <p:txBody>
+          <a:bodyPr/>
+          <a:lstStyle/>
+          <a:p>
+            <a:r>
+              <a:rPr lang="en-US" dirty="0" smtClean="0"/>
+              <a:t>NBA All Star Prediction</a:t>
+            </a:r>
+            <a:endParaRPr lang="sq-AL" dirty="0"/>
+          </a:p>
+        </p:txBody>
+      </p:sp>
+      <p:sp>
+        <p:nvSpPr>
+          <p:cNvPr id="3" name="Text Placeholder 2"/>
+          <p:cNvSpPr>
+            <a:spLocks noGrp="1"/>
+          </p:cNvSpPr>
+          <p:nvPr>
+            <p:ph type="body" idx="1"/>
+          </p:nvPr>
+        </p:nvSpPr>
+        <p:spPr>
+          <a:xfrm>
+            <a:off x="1219133" y="1465115"/>
+            <a:ext cx="7030500" cy="3166151"/>
+          </a:xfrm>
+        </p:spPr>
+        <p:txBody>
+          <a:bodyPr/>
+          <a:lstStyle/>
+          <a:p>
+            <a:pPr marL="146050" indent="0">
+              <a:buNone/>
+            </a:pPr>
+            <a:r>
+              <a:rPr lang="en-US" dirty="0" smtClean="0"/>
+              <a:t>Datasets :</a:t>
+            </a:r>
+          </a:p>
+          <a:p>
+            <a:r>
+              <a:rPr lang="en-US" dirty="0">
+                <a:hlinkClick r:id="rId2"/>
+              </a:rPr>
+              <a:t>https://</a:t>
+            </a:r>
+            <a:r>
+              <a:rPr lang="en-US" dirty="0" smtClean="0">
+                <a:hlinkClick r:id="rId2"/>
+              </a:rPr>
+              <a:t>www.kaggle.com/drgilermo/nba-players-stats?select=Seasons_Stats.csv</a:t>
+            </a:r>
+            <a:endParaRPr lang="en-US" dirty="0" smtClean="0"/>
+          </a:p>
+          <a:p>
+            <a:pPr lvl="1"/>
+            <a:r>
+              <a:rPr lang="en-US" b="1" dirty="0"/>
+              <a:t>Number of features: 	</a:t>
+            </a:r>
+            <a:r>
+              <a:rPr lang="en-US" b="1" dirty="0" smtClean="0"/>
+              <a:t>53</a:t>
+            </a:r>
+          </a:p>
+          <a:p>
+            <a:pPr lvl="1"/>
+            <a:r>
+              <a:rPr lang="en-US" b="1" dirty="0"/>
+              <a:t>Number of instances:	</a:t>
+            </a:r>
+            <a:r>
+              <a:rPr lang="en-US" b="1" dirty="0" smtClean="0"/>
+              <a:t>24.7K</a:t>
+            </a:r>
+            <a:endParaRPr lang="en-US" b="1" dirty="0"/>
+          </a:p>
+          <a:p>
+            <a:pPr lvl="1"/>
+            <a:endParaRPr lang="en-US" dirty="0" smtClean="0"/>
+          </a:p>
+          <a:p>
+            <a:r>
+              <a:rPr lang="en-US" dirty="0"/>
+              <a:t>https://www.kaggle.com/fmejia21/nba-all-star-game-20002016/version/2?select=NBA+All+Stars+2000-2016+-+Sheet1.csv</a:t>
+            </a:r>
+            <a:endParaRPr lang="en-US" dirty="0" smtClean="0"/>
+          </a:p>
+          <a:p>
+            <a:pPr lvl="1"/>
+            <a:r>
+              <a:rPr lang="en-US" b="1" dirty="0"/>
+              <a:t>Number of features: 	</a:t>
+            </a:r>
+            <a:r>
+              <a:rPr lang="en-US" b="1" dirty="0" smtClean="0"/>
+              <a:t>9</a:t>
+            </a:r>
+            <a:endParaRPr lang="en-US" b="1" dirty="0"/>
+          </a:p>
+          <a:p>
+            <a:pPr lvl="1"/>
+            <a:r>
+              <a:rPr lang="en-US" b="1" dirty="0"/>
+              <a:t>Number </a:t>
+            </a:r>
+            <a:r>
+              <a:rPr lang="en-US" b="1" dirty="0" smtClean="0"/>
+              <a:t>of instances:	439</a:t>
+            </a:r>
+          </a:p>
+          <a:p>
+            <a:pPr marL="615950" lvl="1" indent="0">
+              <a:buNone/>
+            </a:pPr>
+            <a:endParaRPr lang="en-US" b="1" dirty="0" smtClean="0"/>
+          </a:p>
+        </p:txBody>
+      </p:sp>
+    </p:spTree>
+    <p:extLst>
+      <p:ext uri="{BB962C8B-B14F-4D97-AF65-F5344CB8AC3E}">
+        <p14:creationId xmlns:p14="http://schemas.microsoft.com/office/powerpoint/2010/main" val="1127023908"/>
+      </p:ext>
+    </p:extLst>
+  </p:cSld>
+  <p:clrMapOvr>
+    <a:masterClrMapping/>
+  </p:clrMapOvr>
+</p:sld>
+</file>
+
+<file path=ppt/slides/slide58.xml><?xml version="1.0" encoding="utf-8"?>
+<p:sld xmlns:a="http://schemas.openxmlformats.org/drawingml/2006/main" xmlns:r="http://schemas.openxmlformats.org/officeDocument/2006/relationships" xmlns:p="http://schemas.openxmlformats.org/presentationml/2006/main">
+  <p:cSld>
+    <p:spTree>
+      <p:nvGrpSpPr>
+        <p:cNvPr id="1" name=""/>
+        <p:cNvGrpSpPr/>
+        <p:nvPr/>
+      </p:nvGrpSpPr>
+      <p:grpSpPr>
+        <a:xfrm>
+          <a:off x="0" y="0"/>
+          <a:ext cx="0" cy="0"/>
+          <a:chOff x="0" y="0"/>
+          <a:chExt cx="0" cy="0"/>
+        </a:xfrm>
+      </p:grpSpPr>
+      <p:sp>
+        <p:nvSpPr>
+          <p:cNvPr id="2" name="Title 1"/>
+          <p:cNvSpPr>
+            <a:spLocks noGrp="1"/>
+          </p:cNvSpPr>
+          <p:nvPr>
+            <p:ph type="title"/>
+          </p:nvPr>
+        </p:nvSpPr>
+        <p:spPr>
+          <a:xfrm>
+            <a:off x="1243483" y="337167"/>
+            <a:ext cx="7030500" cy="999300"/>
+          </a:xfrm>
+        </p:spPr>
+        <p:txBody>
+          <a:bodyPr/>
+          <a:lstStyle/>
+          <a:p>
+            <a:r>
+              <a:rPr lang="en-US" dirty="0" smtClean="0"/>
+              <a:t>Feature Descriptions</a:t>
+            </a:r>
+            <a:endParaRPr lang="sq-AL" dirty="0"/>
+          </a:p>
+        </p:txBody>
+      </p:sp>
+      <p:sp>
+        <p:nvSpPr>
+          <p:cNvPr id="3" name="Text Placeholder 2"/>
+          <p:cNvSpPr>
+            <a:spLocks noGrp="1"/>
+          </p:cNvSpPr>
+          <p:nvPr>
+            <p:ph type="body" idx="1"/>
+          </p:nvPr>
+        </p:nvSpPr>
+        <p:spPr/>
+        <p:txBody>
+          <a:bodyPr/>
+          <a:lstStyle/>
+          <a:p>
+            <a:r>
+              <a:rPr lang="en-US" dirty="0" smtClean="0"/>
+              <a:t>Year (numeric): Season year</a:t>
+            </a:r>
+          </a:p>
+          <a:p>
+            <a:r>
+              <a:rPr lang="en-US" dirty="0" smtClean="0"/>
+              <a:t>Player (string) : Player’s full name</a:t>
+            </a:r>
+          </a:p>
+          <a:p>
+            <a:r>
+              <a:rPr lang="en-US" dirty="0" err="1" smtClean="0"/>
+              <a:t>Pos</a:t>
+            </a:r>
+            <a:r>
+              <a:rPr lang="en-US" dirty="0" smtClean="0"/>
+              <a:t> (string) : Position</a:t>
+            </a:r>
+          </a:p>
+          <a:p>
+            <a:r>
+              <a:rPr lang="en-US" dirty="0" smtClean="0"/>
+              <a:t>Age (numeric): Player’s age</a:t>
+            </a:r>
+          </a:p>
+          <a:p>
+            <a:r>
+              <a:rPr lang="en-US" dirty="0" smtClean="0"/>
+              <a:t>Tm (string): Team’s name </a:t>
+            </a:r>
+          </a:p>
+          <a:p>
+            <a:r>
+              <a:rPr lang="en-US" dirty="0" err="1" smtClean="0"/>
+              <a:t>Gs</a:t>
+            </a:r>
+            <a:r>
+              <a:rPr lang="en-US" dirty="0" smtClean="0"/>
+              <a:t> (numeric): Games Started </a:t>
+            </a:r>
+            <a:r>
+              <a:rPr lang="en-US" dirty="0"/>
+              <a:t>throughout the season</a:t>
+            </a:r>
+            <a:endParaRPr lang="en-US" dirty="0" smtClean="0"/>
+          </a:p>
+          <a:p>
+            <a:r>
+              <a:rPr lang="en-US" dirty="0" err="1" smtClean="0"/>
+              <a:t>Mp</a:t>
+            </a:r>
+            <a:r>
+              <a:rPr lang="en-US" dirty="0" smtClean="0"/>
+              <a:t> (numeric): Minutes played </a:t>
+            </a:r>
+            <a:r>
+              <a:rPr lang="en-US" dirty="0"/>
+              <a:t>throughout the season</a:t>
+            </a:r>
+            <a:endParaRPr lang="en-US" dirty="0" smtClean="0"/>
+          </a:p>
+          <a:p>
+            <a:r>
+              <a:rPr lang="en-US" dirty="0" err="1" smtClean="0"/>
+              <a:t>Trb</a:t>
+            </a:r>
+            <a:r>
+              <a:rPr lang="en-US" dirty="0" smtClean="0"/>
+              <a:t> </a:t>
+            </a:r>
+            <a:r>
+              <a:rPr lang="en-US" dirty="0"/>
+              <a:t>(numeric</a:t>
+            </a:r>
+            <a:r>
+              <a:rPr lang="en-US" dirty="0" smtClean="0"/>
+              <a:t>): Total Rebounds </a:t>
+            </a:r>
+            <a:r>
+              <a:rPr lang="en-US" dirty="0"/>
+              <a:t>throughout the season</a:t>
+            </a:r>
+            <a:endParaRPr lang="en-US" dirty="0" smtClean="0"/>
+          </a:p>
+          <a:p>
+            <a:r>
+              <a:rPr lang="en-US" dirty="0" err="1" smtClean="0"/>
+              <a:t>Ast</a:t>
+            </a:r>
+            <a:r>
+              <a:rPr lang="en-US" dirty="0"/>
+              <a:t> (numeric</a:t>
+            </a:r>
+            <a:r>
+              <a:rPr lang="en-US" dirty="0" smtClean="0"/>
+              <a:t>): Assists throughout the season</a:t>
+            </a:r>
+          </a:p>
+          <a:p>
+            <a:r>
+              <a:rPr lang="en-US" dirty="0" smtClean="0"/>
+              <a:t>Pts</a:t>
+            </a:r>
+            <a:r>
+              <a:rPr lang="en-US" dirty="0"/>
+              <a:t> (numeric</a:t>
+            </a:r>
+            <a:r>
+              <a:rPr lang="en-US" dirty="0" smtClean="0"/>
+              <a:t>): Points </a:t>
+            </a:r>
+            <a:r>
+              <a:rPr lang="en-US" dirty="0"/>
+              <a:t>throughout the season</a:t>
+            </a:r>
+            <a:endParaRPr lang="en-US" dirty="0" smtClean="0"/>
+          </a:p>
+          <a:p>
+            <a:pPr marL="146050" indent="0">
+              <a:buNone/>
+            </a:pPr>
+            <a:endParaRPr lang="en-US" dirty="0" smtClean="0"/>
+          </a:p>
+        </p:txBody>
+      </p:sp>
+    </p:spTree>
+    <p:extLst>
+      <p:ext uri="{BB962C8B-B14F-4D97-AF65-F5344CB8AC3E}">
+        <p14:creationId xmlns:p14="http://schemas.microsoft.com/office/powerpoint/2010/main" val="2852089595"/>
+      </p:ext>
+    </p:extLst>
+  </p:cSld>
+  <p:clrMapOvr>
+    <a:masterClrMapping/>
+  </p:clrMapOvr>
+</p:sld>
+</file>
+
+<file path=ppt/slides/slide59.xml><?xml version="1.0" encoding="utf-8"?>
+<p:sld xmlns:a="http://schemas.openxmlformats.org/drawingml/2006/main" xmlns:r="http://schemas.openxmlformats.org/officeDocument/2006/relationships" xmlns:p="http://schemas.openxmlformats.org/presentationml/2006/main">
+  <p:cSld>
+    <p:spTree>
+      <p:nvGrpSpPr>
+        <p:cNvPr id="1" name=""/>
+        <p:cNvGrpSpPr/>
+        <p:nvPr/>
+      </p:nvGrpSpPr>
+      <p:grpSpPr>
+        <a:xfrm>
+          <a:off x="0" y="0"/>
+          <a:ext cx="0" cy="0"/>
+          <a:chOff x="0" y="0"/>
+          <a:chExt cx="0" cy="0"/>
+        </a:xfrm>
+      </p:grpSpPr>
+      <p:sp>
+        <p:nvSpPr>
+          <p:cNvPr id="2" name="Title 1"/>
+          <p:cNvSpPr>
+            <a:spLocks noGrp="1"/>
+          </p:cNvSpPr>
+          <p:nvPr>
+            <p:ph type="title"/>
+          </p:nvPr>
+        </p:nvSpPr>
+        <p:spPr/>
+        <p:txBody>
+          <a:bodyPr/>
+          <a:lstStyle/>
+          <a:p>
+            <a:r>
+              <a:rPr lang="en-US" dirty="0" smtClean="0"/>
+              <a:t> </a:t>
+            </a:r>
+            <a:endParaRPr lang="sq-AL" dirty="0"/>
+          </a:p>
+        </p:txBody>
+      </p:sp>
+      <p:sp>
+        <p:nvSpPr>
+          <p:cNvPr id="3" name="Text Placeholder 2"/>
+          <p:cNvSpPr>
+            <a:spLocks noGrp="1"/>
+          </p:cNvSpPr>
+          <p:nvPr>
+            <p:ph type="body" idx="1"/>
+          </p:nvPr>
+        </p:nvSpPr>
+        <p:spPr/>
+        <p:txBody>
+          <a:bodyPr/>
+          <a:lstStyle/>
+          <a:p>
+            <a:endParaRPr lang="sq-AL"/>
+          </a:p>
+        </p:txBody>
+      </p:sp>
+      <p:pic>
+        <p:nvPicPr>
+          <p:cNvPr id="1026" name="Picture 2"/>
+          <p:cNvPicPr>
+            <a:picLocks noChangeAspect="1" noChangeArrowheads="1"/>
+          </p:cNvPicPr>
+          <p:nvPr/>
+        </p:nvPicPr>
+        <p:blipFill>
+          <a:blip r:embed="rId2">
+            <a:extLst>
+              <a:ext uri="{28A0092B-C50C-407E-A947-70E740481C1C}">
+                <a14:useLocalDpi xmlns:a14="http://schemas.microsoft.com/office/drawing/2010/main" val="0"/>
+              </a:ext>
+            </a:extLst>
+          </a:blip>
+          <a:srcRect/>
+          <a:stretch>
+            <a:fillRect/>
+          </a:stretch>
+        </p:blipFill>
+        <p:spPr bwMode="auto">
+          <a:xfrm>
+            <a:off x="1203325" y="371475"/>
+            <a:ext cx="7296150" cy="4400550"/>
+          </a:xfrm>
+          <a:prstGeom prst="rect">
+            <a:avLst/>
+          </a:prstGeom>
+          <a:noFill/>
+          <a:ln>
+            <a:noFill/>
+          </a:ln>
+          <a:extLst>
+            <a:ext uri="{909E8E84-426E-40DD-AFC4-6F175D3DCCD1}">
+              <a14:hiddenFill xmlns:a14="http://schemas.microsoft.com/office/drawing/2010/main">
+                <a:solidFill>
+                  <a:schemeClr val="accent1"/>
+                </a:solidFill>
+              </a14:hiddenFill>
+            </a:ext>
+            <a:ext uri="{91240B29-F687-4F45-9708-019B960494DF}">
+              <a14:hiddenLine xmlns:a14="http://schemas.microsoft.com/office/drawing/2010/main" w="9525">
+                <a:solidFill>
+                  <a:schemeClr val="tx1"/>
+                </a:solidFill>
+                <a:miter lim="800000"/>
+                <a:headEnd/>
+                <a:tailEnd/>
+              </a14:hiddenLine>
+            </a:ext>
+          </a:extLst>
+        </p:spPr>
+      </p:pic>
+    </p:spTree>
+    <p:extLst>
+      <p:ext uri="{BB962C8B-B14F-4D97-AF65-F5344CB8AC3E}">
+        <p14:creationId xmlns:p14="http://schemas.microsoft.com/office/powerpoint/2010/main" val="847942692"/>
+      </p:ext>
+    </p:extLst>
   </p:cSld>
   <p:clrMapOvr>
     <a:masterClrMapping/>
@@ -27072,6 +27874,1424 @@
         </p:spPr>
       </p:pic>
     </p:spTree>
+  </p:cSld>
+  <p:clrMapOvr>
+    <a:masterClrMapping/>
+  </p:clrMapOvr>
+</p:sld>
+</file>
+
+<file path=ppt/slides/slide60.xml><?xml version="1.0" encoding="utf-8"?>
+<p:sld xmlns:a="http://schemas.openxmlformats.org/drawingml/2006/main" xmlns:r="http://schemas.openxmlformats.org/officeDocument/2006/relationships" xmlns:p="http://schemas.openxmlformats.org/presentationml/2006/main">
+  <p:cSld>
+    <p:spTree>
+      <p:nvGrpSpPr>
+        <p:cNvPr id="1" name=""/>
+        <p:cNvGrpSpPr/>
+        <p:nvPr/>
+      </p:nvGrpSpPr>
+      <p:grpSpPr>
+        <a:xfrm>
+          <a:off x="0" y="0"/>
+          <a:ext cx="0" cy="0"/>
+          <a:chOff x="0" y="0"/>
+          <a:chExt cx="0" cy="0"/>
+        </a:xfrm>
+      </p:grpSpPr>
+      <p:sp>
+        <p:nvSpPr>
+          <p:cNvPr id="2" name="Title 1"/>
+          <p:cNvSpPr>
+            <a:spLocks noGrp="1"/>
+          </p:cNvSpPr>
+          <p:nvPr>
+            <p:ph type="title"/>
+          </p:nvPr>
+        </p:nvSpPr>
+        <p:spPr/>
+        <p:txBody>
+          <a:bodyPr/>
+          <a:lstStyle/>
+          <a:p>
+            <a:r>
+              <a:rPr lang="en-US" dirty="0" smtClean="0"/>
+              <a:t> </a:t>
+            </a:r>
+            <a:endParaRPr lang="sq-AL" dirty="0"/>
+          </a:p>
+        </p:txBody>
+      </p:sp>
+      <p:sp>
+        <p:nvSpPr>
+          <p:cNvPr id="3" name="Text Placeholder 2"/>
+          <p:cNvSpPr>
+            <a:spLocks noGrp="1"/>
+          </p:cNvSpPr>
+          <p:nvPr>
+            <p:ph type="body" idx="1"/>
+          </p:nvPr>
+        </p:nvSpPr>
+        <p:spPr/>
+        <p:txBody>
+          <a:bodyPr/>
+          <a:lstStyle/>
+          <a:p>
+            <a:r>
+              <a:rPr lang="en-US" dirty="0" smtClean="0"/>
+              <a:t> </a:t>
+            </a:r>
+            <a:endParaRPr lang="sq-AL" dirty="0"/>
+          </a:p>
+        </p:txBody>
+      </p:sp>
+      <p:pic>
+        <p:nvPicPr>
+          <p:cNvPr id="2050" name="Picture 2"/>
+          <p:cNvPicPr>
+            <a:picLocks noChangeAspect="1" noChangeArrowheads="1"/>
+          </p:cNvPicPr>
+          <p:nvPr/>
+        </p:nvPicPr>
+        <p:blipFill>
+          <a:blip r:embed="rId2">
+            <a:extLst>
+              <a:ext uri="{28A0092B-C50C-407E-A947-70E740481C1C}">
+                <a14:useLocalDpi xmlns:a14="http://schemas.microsoft.com/office/drawing/2010/main" val="0"/>
+              </a:ext>
+            </a:extLst>
+          </a:blip>
+          <a:srcRect/>
+          <a:stretch>
+            <a:fillRect/>
+          </a:stretch>
+        </p:blipFill>
+        <p:spPr bwMode="auto">
+          <a:xfrm>
+            <a:off x="1163108" y="439738"/>
+            <a:ext cx="5429250" cy="1724025"/>
+          </a:xfrm>
+          <a:prstGeom prst="rect">
+            <a:avLst/>
+          </a:prstGeom>
+          <a:noFill/>
+          <a:ln>
+            <a:noFill/>
+          </a:ln>
+          <a:extLst>
+            <a:ext uri="{909E8E84-426E-40DD-AFC4-6F175D3DCCD1}">
+              <a14:hiddenFill xmlns:a14="http://schemas.microsoft.com/office/drawing/2010/main">
+                <a:solidFill>
+                  <a:schemeClr val="accent1"/>
+                </a:solidFill>
+              </a14:hiddenFill>
+            </a:ext>
+            <a:ext uri="{91240B29-F687-4F45-9708-019B960494DF}">
+              <a14:hiddenLine xmlns:a14="http://schemas.microsoft.com/office/drawing/2010/main" w="9525">
+                <a:solidFill>
+                  <a:schemeClr val="tx1"/>
+                </a:solidFill>
+                <a:miter lim="800000"/>
+                <a:headEnd/>
+                <a:tailEnd/>
+              </a14:hiddenLine>
+            </a:ext>
+          </a:extLst>
+        </p:spPr>
+      </p:pic>
+      <p:pic>
+        <p:nvPicPr>
+          <p:cNvPr id="2051" name="Picture 3"/>
+          <p:cNvPicPr>
+            <a:picLocks noChangeAspect="1" noChangeArrowheads="1"/>
+          </p:cNvPicPr>
+          <p:nvPr/>
+        </p:nvPicPr>
+        <p:blipFill>
+          <a:blip r:embed="rId3">
+            <a:extLst>
+              <a:ext uri="{28A0092B-C50C-407E-A947-70E740481C1C}">
+                <a14:useLocalDpi xmlns:a14="http://schemas.microsoft.com/office/drawing/2010/main" val="0"/>
+              </a:ext>
+            </a:extLst>
+          </a:blip>
+          <a:srcRect/>
+          <a:stretch>
+            <a:fillRect/>
+          </a:stretch>
+        </p:blipFill>
+        <p:spPr bwMode="auto">
+          <a:xfrm>
+            <a:off x="4207933" y="1856305"/>
+            <a:ext cx="4809066" cy="3100928"/>
+          </a:xfrm>
+          <a:prstGeom prst="rect">
+            <a:avLst/>
+          </a:prstGeom>
+          <a:noFill/>
+          <a:ln>
+            <a:noFill/>
+          </a:ln>
+          <a:extLst>
+            <a:ext uri="{909E8E84-426E-40DD-AFC4-6F175D3DCCD1}">
+              <a14:hiddenFill xmlns:a14="http://schemas.microsoft.com/office/drawing/2010/main">
+                <a:solidFill>
+                  <a:schemeClr val="accent1"/>
+                </a:solidFill>
+              </a14:hiddenFill>
+            </a:ext>
+            <a:ext uri="{91240B29-F687-4F45-9708-019B960494DF}">
+              <a14:hiddenLine xmlns:a14="http://schemas.microsoft.com/office/drawing/2010/main" w="9525">
+                <a:solidFill>
+                  <a:schemeClr val="tx1"/>
+                </a:solidFill>
+                <a:miter lim="800000"/>
+                <a:headEnd/>
+                <a:tailEnd/>
+              </a14:hiddenLine>
+            </a:ext>
+          </a:extLst>
+        </p:spPr>
+      </p:pic>
+    </p:spTree>
+    <p:extLst>
+      <p:ext uri="{BB962C8B-B14F-4D97-AF65-F5344CB8AC3E}">
+        <p14:creationId xmlns:p14="http://schemas.microsoft.com/office/powerpoint/2010/main" val="637719271"/>
+      </p:ext>
+    </p:extLst>
+  </p:cSld>
+  <p:clrMapOvr>
+    <a:masterClrMapping/>
+  </p:clrMapOvr>
+</p:sld>
+</file>
+
+<file path=ppt/slides/slide61.xml><?xml version="1.0" encoding="utf-8"?>
+<p:sld xmlns:a="http://schemas.openxmlformats.org/drawingml/2006/main" xmlns:r="http://schemas.openxmlformats.org/officeDocument/2006/relationships" xmlns:p="http://schemas.openxmlformats.org/presentationml/2006/main">
+  <p:cSld>
+    <p:spTree>
+      <p:nvGrpSpPr>
+        <p:cNvPr id="1" name=""/>
+        <p:cNvGrpSpPr/>
+        <p:nvPr/>
+      </p:nvGrpSpPr>
+      <p:grpSpPr>
+        <a:xfrm>
+          <a:off x="0" y="0"/>
+          <a:ext cx="0" cy="0"/>
+          <a:chOff x="0" y="0"/>
+          <a:chExt cx="0" cy="0"/>
+        </a:xfrm>
+      </p:grpSpPr>
+      <p:sp>
+        <p:nvSpPr>
+          <p:cNvPr id="2" name="Title 1"/>
+          <p:cNvSpPr>
+            <a:spLocks noGrp="1"/>
+          </p:cNvSpPr>
+          <p:nvPr>
+            <p:ph type="title"/>
+          </p:nvPr>
+        </p:nvSpPr>
+        <p:spPr/>
+        <p:txBody>
+          <a:bodyPr/>
+          <a:lstStyle/>
+          <a:p>
+            <a:r>
+              <a:rPr lang="en-US" dirty="0" smtClean="0"/>
+              <a:t> </a:t>
+            </a:r>
+            <a:endParaRPr lang="sq-AL" dirty="0"/>
+          </a:p>
+        </p:txBody>
+      </p:sp>
+      <p:sp>
+        <p:nvSpPr>
+          <p:cNvPr id="3" name="Text Placeholder 2"/>
+          <p:cNvSpPr>
+            <a:spLocks noGrp="1"/>
+          </p:cNvSpPr>
+          <p:nvPr>
+            <p:ph type="body" idx="1"/>
+          </p:nvPr>
+        </p:nvSpPr>
+        <p:spPr/>
+        <p:txBody>
+          <a:bodyPr/>
+          <a:lstStyle/>
+          <a:p>
+            <a:r>
+              <a:rPr lang="en-US" dirty="0" smtClean="0"/>
+              <a:t> </a:t>
+            </a:r>
+            <a:endParaRPr lang="sq-AL" dirty="0"/>
+          </a:p>
+        </p:txBody>
+      </p:sp>
+      <p:pic>
+        <p:nvPicPr>
+          <p:cNvPr id="3074" name="Picture 2"/>
+          <p:cNvPicPr>
+            <a:picLocks noChangeAspect="1" noChangeArrowheads="1"/>
+          </p:cNvPicPr>
+          <p:nvPr/>
+        </p:nvPicPr>
+        <p:blipFill>
+          <a:blip r:embed="rId2">
+            <a:extLst>
+              <a:ext uri="{28A0092B-C50C-407E-A947-70E740481C1C}">
+                <a14:useLocalDpi xmlns:a14="http://schemas.microsoft.com/office/drawing/2010/main" val="0"/>
+              </a:ext>
+            </a:extLst>
+          </a:blip>
+          <a:srcRect/>
+          <a:stretch>
+            <a:fillRect/>
+          </a:stretch>
+        </p:blipFill>
+        <p:spPr bwMode="auto">
+          <a:xfrm>
+            <a:off x="52388" y="1"/>
+            <a:ext cx="7330545" cy="2803991"/>
+          </a:xfrm>
+          <a:prstGeom prst="rect">
+            <a:avLst/>
+          </a:prstGeom>
+          <a:noFill/>
+          <a:ln>
+            <a:noFill/>
+          </a:ln>
+          <a:extLst>
+            <a:ext uri="{909E8E84-426E-40DD-AFC4-6F175D3DCCD1}">
+              <a14:hiddenFill xmlns:a14="http://schemas.microsoft.com/office/drawing/2010/main">
+                <a:solidFill>
+                  <a:schemeClr val="accent1"/>
+                </a:solidFill>
+              </a14:hiddenFill>
+            </a:ext>
+            <a:ext uri="{91240B29-F687-4F45-9708-019B960494DF}">
+              <a14:hiddenLine xmlns:a14="http://schemas.microsoft.com/office/drawing/2010/main" w="9525">
+                <a:solidFill>
+                  <a:schemeClr val="tx1"/>
+                </a:solidFill>
+                <a:miter lim="800000"/>
+                <a:headEnd/>
+                <a:tailEnd/>
+              </a14:hiddenLine>
+            </a:ext>
+          </a:extLst>
+        </p:spPr>
+      </p:pic>
+      <p:pic>
+        <p:nvPicPr>
+          <p:cNvPr id="3075" name="Picture 3"/>
+          <p:cNvPicPr>
+            <a:picLocks noChangeAspect="1" noChangeArrowheads="1"/>
+          </p:cNvPicPr>
+          <p:nvPr/>
+        </p:nvPicPr>
+        <p:blipFill>
+          <a:blip r:embed="rId3">
+            <a:extLst>
+              <a:ext uri="{28A0092B-C50C-407E-A947-70E740481C1C}">
+                <a14:useLocalDpi xmlns:a14="http://schemas.microsoft.com/office/drawing/2010/main" val="0"/>
+              </a:ext>
+            </a:extLst>
+          </a:blip>
+          <a:srcRect/>
+          <a:stretch>
+            <a:fillRect/>
+          </a:stretch>
+        </p:blipFill>
+        <p:spPr bwMode="auto">
+          <a:xfrm>
+            <a:off x="2396067" y="2616184"/>
+            <a:ext cx="6747933" cy="2527315"/>
+          </a:xfrm>
+          <a:prstGeom prst="rect">
+            <a:avLst/>
+          </a:prstGeom>
+          <a:noFill/>
+          <a:ln>
+            <a:noFill/>
+          </a:ln>
+          <a:extLst>
+            <a:ext uri="{909E8E84-426E-40DD-AFC4-6F175D3DCCD1}">
+              <a14:hiddenFill xmlns:a14="http://schemas.microsoft.com/office/drawing/2010/main">
+                <a:solidFill>
+                  <a:schemeClr val="accent1"/>
+                </a:solidFill>
+              </a14:hiddenFill>
+            </a:ext>
+            <a:ext uri="{91240B29-F687-4F45-9708-019B960494DF}">
+              <a14:hiddenLine xmlns:a14="http://schemas.microsoft.com/office/drawing/2010/main" w="9525">
+                <a:solidFill>
+                  <a:schemeClr val="tx1"/>
+                </a:solidFill>
+                <a:miter lim="800000"/>
+                <a:headEnd/>
+                <a:tailEnd/>
+              </a14:hiddenLine>
+            </a:ext>
+          </a:extLst>
+        </p:spPr>
+      </p:pic>
+    </p:spTree>
+    <p:extLst>
+      <p:ext uri="{BB962C8B-B14F-4D97-AF65-F5344CB8AC3E}">
+        <p14:creationId xmlns:p14="http://schemas.microsoft.com/office/powerpoint/2010/main" val="3294666586"/>
+      </p:ext>
+    </p:extLst>
+  </p:cSld>
+  <p:clrMapOvr>
+    <a:masterClrMapping/>
+  </p:clrMapOvr>
+</p:sld>
+</file>
+
+<file path=ppt/slides/slide62.xml><?xml version="1.0" encoding="utf-8"?>
+<p:sld xmlns:a="http://schemas.openxmlformats.org/drawingml/2006/main" xmlns:r="http://schemas.openxmlformats.org/officeDocument/2006/relationships" xmlns:p="http://schemas.openxmlformats.org/presentationml/2006/main">
+  <p:cSld>
+    <p:spTree>
+      <p:nvGrpSpPr>
+        <p:cNvPr id="1" name=""/>
+        <p:cNvGrpSpPr/>
+        <p:nvPr/>
+      </p:nvGrpSpPr>
+      <p:grpSpPr>
+        <a:xfrm>
+          <a:off x="0" y="0"/>
+          <a:ext cx="0" cy="0"/>
+          <a:chOff x="0" y="0"/>
+          <a:chExt cx="0" cy="0"/>
+        </a:xfrm>
+      </p:grpSpPr>
+      <p:sp>
+        <p:nvSpPr>
+          <p:cNvPr id="2" name="Title 1"/>
+          <p:cNvSpPr>
+            <a:spLocks noGrp="1"/>
+          </p:cNvSpPr>
+          <p:nvPr>
+            <p:ph type="title"/>
+          </p:nvPr>
+        </p:nvSpPr>
+        <p:spPr/>
+        <p:txBody>
+          <a:bodyPr/>
+          <a:lstStyle/>
+          <a:p>
+            <a:r>
+              <a:rPr lang="en-US" dirty="0" smtClean="0"/>
+              <a:t> </a:t>
+            </a:r>
+            <a:endParaRPr lang="sq-AL" dirty="0"/>
+          </a:p>
+        </p:txBody>
+      </p:sp>
+      <p:sp>
+        <p:nvSpPr>
+          <p:cNvPr id="3" name="Text Placeholder 2"/>
+          <p:cNvSpPr>
+            <a:spLocks noGrp="1"/>
+          </p:cNvSpPr>
+          <p:nvPr>
+            <p:ph type="body" idx="1"/>
+          </p:nvPr>
+        </p:nvSpPr>
+        <p:spPr/>
+        <p:txBody>
+          <a:bodyPr/>
+          <a:lstStyle/>
+          <a:p>
+            <a:endParaRPr lang="sq-AL"/>
+          </a:p>
+        </p:txBody>
+      </p:sp>
+      <p:pic>
+        <p:nvPicPr>
+          <p:cNvPr id="4098" name="Picture 2"/>
+          <p:cNvPicPr>
+            <a:picLocks noChangeAspect="1" noChangeArrowheads="1"/>
+          </p:cNvPicPr>
+          <p:nvPr/>
+        </p:nvPicPr>
+        <p:blipFill>
+          <a:blip r:embed="rId2">
+            <a:extLst>
+              <a:ext uri="{28A0092B-C50C-407E-A947-70E740481C1C}">
+                <a14:useLocalDpi xmlns:a14="http://schemas.microsoft.com/office/drawing/2010/main" val="0"/>
+              </a:ext>
+            </a:extLst>
+          </a:blip>
+          <a:srcRect/>
+          <a:stretch>
+            <a:fillRect/>
+          </a:stretch>
+        </p:blipFill>
+        <p:spPr bwMode="auto">
+          <a:xfrm>
+            <a:off x="1168400" y="394899"/>
+            <a:ext cx="7975600" cy="4672401"/>
+          </a:xfrm>
+          <a:prstGeom prst="rect">
+            <a:avLst/>
+          </a:prstGeom>
+          <a:noFill/>
+          <a:ln>
+            <a:noFill/>
+          </a:ln>
+          <a:extLst>
+            <a:ext uri="{909E8E84-426E-40DD-AFC4-6F175D3DCCD1}">
+              <a14:hiddenFill xmlns:a14="http://schemas.microsoft.com/office/drawing/2010/main">
+                <a:solidFill>
+                  <a:schemeClr val="accent1"/>
+                </a:solidFill>
+              </a14:hiddenFill>
+            </a:ext>
+            <a:ext uri="{91240B29-F687-4F45-9708-019B960494DF}">
+              <a14:hiddenLine xmlns:a14="http://schemas.microsoft.com/office/drawing/2010/main" w="9525">
+                <a:solidFill>
+                  <a:schemeClr val="tx1"/>
+                </a:solidFill>
+                <a:miter lim="800000"/>
+                <a:headEnd/>
+                <a:tailEnd/>
+              </a14:hiddenLine>
+            </a:ext>
+          </a:extLst>
+        </p:spPr>
+      </p:pic>
+    </p:spTree>
+    <p:extLst>
+      <p:ext uri="{BB962C8B-B14F-4D97-AF65-F5344CB8AC3E}">
+        <p14:creationId xmlns:p14="http://schemas.microsoft.com/office/powerpoint/2010/main" val="3781582383"/>
+      </p:ext>
+    </p:extLst>
+  </p:cSld>
+  <p:clrMapOvr>
+    <a:masterClrMapping/>
+  </p:clrMapOvr>
+</p:sld>
+</file>
+
+<file path=ppt/slides/slide63.xml><?xml version="1.0" encoding="utf-8"?>
+<p:sld xmlns:a="http://schemas.openxmlformats.org/drawingml/2006/main" xmlns:r="http://schemas.openxmlformats.org/officeDocument/2006/relationships" xmlns:p="http://schemas.openxmlformats.org/presentationml/2006/main">
+  <p:cSld>
+    <p:spTree>
+      <p:nvGrpSpPr>
+        <p:cNvPr id="1" name=""/>
+        <p:cNvGrpSpPr/>
+        <p:nvPr/>
+      </p:nvGrpSpPr>
+      <p:grpSpPr>
+        <a:xfrm>
+          <a:off x="0" y="0"/>
+          <a:ext cx="0" cy="0"/>
+          <a:chOff x="0" y="0"/>
+          <a:chExt cx="0" cy="0"/>
+        </a:xfrm>
+      </p:grpSpPr>
+      <p:sp>
+        <p:nvSpPr>
+          <p:cNvPr id="2" name="Title 1"/>
+          <p:cNvSpPr>
+            <a:spLocks noGrp="1"/>
+          </p:cNvSpPr>
+          <p:nvPr>
+            <p:ph type="title"/>
+          </p:nvPr>
+        </p:nvSpPr>
+        <p:spPr/>
+        <p:txBody>
+          <a:bodyPr/>
+          <a:lstStyle/>
+          <a:p>
+            <a:r>
+              <a:rPr lang="en-US" dirty="0" smtClean="0"/>
+              <a:t> </a:t>
+            </a:r>
+            <a:endParaRPr lang="sq-AL" dirty="0"/>
+          </a:p>
+        </p:txBody>
+      </p:sp>
+      <p:sp>
+        <p:nvSpPr>
+          <p:cNvPr id="3" name="Text Placeholder 2"/>
+          <p:cNvSpPr>
+            <a:spLocks noGrp="1"/>
+          </p:cNvSpPr>
+          <p:nvPr>
+            <p:ph type="body" idx="1"/>
+          </p:nvPr>
+        </p:nvSpPr>
+        <p:spPr/>
+        <p:txBody>
+          <a:bodyPr/>
+          <a:lstStyle/>
+          <a:p>
+            <a:r>
+              <a:rPr lang="en-US" dirty="0" smtClean="0"/>
+              <a:t> </a:t>
+            </a:r>
+            <a:endParaRPr lang="sq-AL" dirty="0"/>
+          </a:p>
+        </p:txBody>
+      </p:sp>
+      <p:pic>
+        <p:nvPicPr>
+          <p:cNvPr id="5122" name="Picture 2"/>
+          <p:cNvPicPr>
+            <a:picLocks noChangeAspect="1" noChangeArrowheads="1"/>
+          </p:cNvPicPr>
+          <p:nvPr/>
+        </p:nvPicPr>
+        <p:blipFill>
+          <a:blip r:embed="rId2">
+            <a:extLst>
+              <a:ext uri="{28A0092B-C50C-407E-A947-70E740481C1C}">
+                <a14:useLocalDpi xmlns:a14="http://schemas.microsoft.com/office/drawing/2010/main" val="0"/>
+              </a:ext>
+            </a:extLst>
+          </a:blip>
+          <a:srcRect/>
+          <a:stretch>
+            <a:fillRect/>
+          </a:stretch>
+        </p:blipFill>
+        <p:spPr bwMode="auto">
+          <a:xfrm>
+            <a:off x="1" y="0"/>
+            <a:ext cx="4436532" cy="5085977"/>
+          </a:xfrm>
+          <a:prstGeom prst="rect">
+            <a:avLst/>
+          </a:prstGeom>
+          <a:noFill/>
+          <a:ln>
+            <a:noFill/>
+          </a:ln>
+          <a:extLst>
+            <a:ext uri="{909E8E84-426E-40DD-AFC4-6F175D3DCCD1}">
+              <a14:hiddenFill xmlns:a14="http://schemas.microsoft.com/office/drawing/2010/main">
+                <a:solidFill>
+                  <a:schemeClr val="accent1"/>
+                </a:solidFill>
+              </a14:hiddenFill>
+            </a:ext>
+            <a:ext uri="{91240B29-F687-4F45-9708-019B960494DF}">
+              <a14:hiddenLine xmlns:a14="http://schemas.microsoft.com/office/drawing/2010/main" w="9525">
+                <a:solidFill>
+                  <a:schemeClr val="tx1"/>
+                </a:solidFill>
+                <a:miter lim="800000"/>
+                <a:headEnd/>
+                <a:tailEnd/>
+              </a14:hiddenLine>
+            </a:ext>
+          </a:extLst>
+        </p:spPr>
+      </p:pic>
+      <p:pic>
+        <p:nvPicPr>
+          <p:cNvPr id="5123" name="Picture 3"/>
+          <p:cNvPicPr>
+            <a:picLocks noChangeAspect="1" noChangeArrowheads="1"/>
+          </p:cNvPicPr>
+          <p:nvPr/>
+        </p:nvPicPr>
+        <p:blipFill>
+          <a:blip r:embed="rId3">
+            <a:extLst>
+              <a:ext uri="{28A0092B-C50C-407E-A947-70E740481C1C}">
+                <a14:useLocalDpi xmlns:a14="http://schemas.microsoft.com/office/drawing/2010/main" val="0"/>
+              </a:ext>
+            </a:extLst>
+          </a:blip>
+          <a:srcRect/>
+          <a:stretch>
+            <a:fillRect/>
+          </a:stretch>
+        </p:blipFill>
+        <p:spPr bwMode="auto">
+          <a:xfrm>
+            <a:off x="5249333" y="0"/>
+            <a:ext cx="3894667" cy="4961467"/>
+          </a:xfrm>
+          <a:prstGeom prst="rect">
+            <a:avLst/>
+          </a:prstGeom>
+          <a:noFill/>
+          <a:ln>
+            <a:noFill/>
+          </a:ln>
+          <a:extLst>
+            <a:ext uri="{909E8E84-426E-40DD-AFC4-6F175D3DCCD1}">
+              <a14:hiddenFill xmlns:a14="http://schemas.microsoft.com/office/drawing/2010/main">
+                <a:solidFill>
+                  <a:schemeClr val="accent1"/>
+                </a:solidFill>
+              </a14:hiddenFill>
+            </a:ext>
+            <a:ext uri="{91240B29-F687-4F45-9708-019B960494DF}">
+              <a14:hiddenLine xmlns:a14="http://schemas.microsoft.com/office/drawing/2010/main" w="9525">
+                <a:solidFill>
+                  <a:schemeClr val="tx1"/>
+                </a:solidFill>
+                <a:miter lim="800000"/>
+                <a:headEnd/>
+                <a:tailEnd/>
+              </a14:hiddenLine>
+            </a:ext>
+          </a:extLst>
+        </p:spPr>
+      </p:pic>
+    </p:spTree>
+    <p:extLst>
+      <p:ext uri="{BB962C8B-B14F-4D97-AF65-F5344CB8AC3E}">
+        <p14:creationId xmlns:p14="http://schemas.microsoft.com/office/powerpoint/2010/main" val="3142277542"/>
+      </p:ext>
+    </p:extLst>
+  </p:cSld>
+  <p:clrMapOvr>
+    <a:masterClrMapping/>
+  </p:clrMapOvr>
+</p:sld>
+</file>
+
+<file path=ppt/slides/slide64.xml><?xml version="1.0" encoding="utf-8"?>
+<p:sld xmlns:a="http://schemas.openxmlformats.org/drawingml/2006/main" xmlns:r="http://schemas.openxmlformats.org/officeDocument/2006/relationships" xmlns:p="http://schemas.openxmlformats.org/presentationml/2006/main">
+  <p:cSld>
+    <p:spTree>
+      <p:nvGrpSpPr>
+        <p:cNvPr id="1" name=""/>
+        <p:cNvGrpSpPr/>
+        <p:nvPr/>
+      </p:nvGrpSpPr>
+      <p:grpSpPr>
+        <a:xfrm>
+          <a:off x="0" y="0"/>
+          <a:ext cx="0" cy="0"/>
+          <a:chOff x="0" y="0"/>
+          <a:chExt cx="0" cy="0"/>
+        </a:xfrm>
+      </p:grpSpPr>
+      <p:sp>
+        <p:nvSpPr>
+          <p:cNvPr id="2" name="Title 1"/>
+          <p:cNvSpPr>
+            <a:spLocks noGrp="1"/>
+          </p:cNvSpPr>
+          <p:nvPr>
+            <p:ph type="title"/>
+          </p:nvPr>
+        </p:nvSpPr>
+        <p:spPr/>
+        <p:txBody>
+          <a:bodyPr/>
+          <a:lstStyle/>
+          <a:p>
+            <a:r>
+              <a:rPr lang="en-US" dirty="0" smtClean="0"/>
+              <a:t> </a:t>
+            </a:r>
+            <a:endParaRPr lang="sq-AL" dirty="0"/>
+          </a:p>
+        </p:txBody>
+      </p:sp>
+      <p:sp>
+        <p:nvSpPr>
+          <p:cNvPr id="3" name="Text Placeholder 2"/>
+          <p:cNvSpPr>
+            <a:spLocks noGrp="1"/>
+          </p:cNvSpPr>
+          <p:nvPr>
+            <p:ph type="body" idx="1"/>
+          </p:nvPr>
+        </p:nvSpPr>
+        <p:spPr/>
+        <p:txBody>
+          <a:bodyPr/>
+          <a:lstStyle/>
+          <a:p>
+            <a:endParaRPr lang="sq-AL"/>
+          </a:p>
+        </p:txBody>
+      </p:sp>
+      <p:pic>
+        <p:nvPicPr>
+          <p:cNvPr id="6146" name="Picture 2"/>
+          <p:cNvPicPr>
+            <a:picLocks noChangeAspect="1" noChangeArrowheads="1"/>
+          </p:cNvPicPr>
+          <p:nvPr/>
+        </p:nvPicPr>
+        <p:blipFill>
+          <a:blip r:embed="rId2">
+            <a:extLst>
+              <a:ext uri="{28A0092B-C50C-407E-A947-70E740481C1C}">
+                <a14:useLocalDpi xmlns:a14="http://schemas.microsoft.com/office/drawing/2010/main" val="0"/>
+              </a:ext>
+            </a:extLst>
+          </a:blip>
+          <a:srcRect/>
+          <a:stretch>
+            <a:fillRect/>
+          </a:stretch>
+        </p:blipFill>
+        <p:spPr bwMode="auto">
+          <a:xfrm>
+            <a:off x="1273175" y="753533"/>
+            <a:ext cx="7372244" cy="4182534"/>
+          </a:xfrm>
+          <a:prstGeom prst="rect">
+            <a:avLst/>
+          </a:prstGeom>
+          <a:noFill/>
+          <a:ln>
+            <a:noFill/>
+          </a:ln>
+          <a:extLst>
+            <a:ext uri="{909E8E84-426E-40DD-AFC4-6F175D3DCCD1}">
+              <a14:hiddenFill xmlns:a14="http://schemas.microsoft.com/office/drawing/2010/main">
+                <a:solidFill>
+                  <a:schemeClr val="accent1"/>
+                </a:solidFill>
+              </a14:hiddenFill>
+            </a:ext>
+            <a:ext uri="{91240B29-F687-4F45-9708-019B960494DF}">
+              <a14:hiddenLine xmlns:a14="http://schemas.microsoft.com/office/drawing/2010/main" w="9525">
+                <a:solidFill>
+                  <a:schemeClr val="tx1"/>
+                </a:solidFill>
+                <a:miter lim="800000"/>
+                <a:headEnd/>
+                <a:tailEnd/>
+              </a14:hiddenLine>
+            </a:ext>
+          </a:extLst>
+        </p:spPr>
+      </p:pic>
+    </p:spTree>
+    <p:extLst>
+      <p:ext uri="{BB962C8B-B14F-4D97-AF65-F5344CB8AC3E}">
+        <p14:creationId xmlns:p14="http://schemas.microsoft.com/office/powerpoint/2010/main" val="2691521452"/>
+      </p:ext>
+    </p:extLst>
+  </p:cSld>
+  <p:clrMapOvr>
+    <a:masterClrMapping/>
+  </p:clrMapOvr>
+</p:sld>
+</file>
+
+<file path=ppt/slides/slide65.xml><?xml version="1.0" encoding="utf-8"?>
+<p:sld xmlns:a="http://schemas.openxmlformats.org/drawingml/2006/main" xmlns:r="http://schemas.openxmlformats.org/officeDocument/2006/relationships" xmlns:p="http://schemas.openxmlformats.org/presentationml/2006/main">
+  <p:cSld>
+    <p:spTree>
+      <p:nvGrpSpPr>
+        <p:cNvPr id="1" name=""/>
+        <p:cNvGrpSpPr/>
+        <p:nvPr/>
+      </p:nvGrpSpPr>
+      <p:grpSpPr>
+        <a:xfrm>
+          <a:off x="0" y="0"/>
+          <a:ext cx="0" cy="0"/>
+          <a:chOff x="0" y="0"/>
+          <a:chExt cx="0" cy="0"/>
+        </a:xfrm>
+      </p:grpSpPr>
+      <p:sp>
+        <p:nvSpPr>
+          <p:cNvPr id="2" name="Title 1"/>
+          <p:cNvSpPr>
+            <a:spLocks noGrp="1"/>
+          </p:cNvSpPr>
+          <p:nvPr>
+            <p:ph type="title"/>
+          </p:nvPr>
+        </p:nvSpPr>
+        <p:spPr/>
+        <p:txBody>
+          <a:bodyPr/>
+          <a:lstStyle/>
+          <a:p>
+            <a:r>
+              <a:rPr lang="en-US" dirty="0" smtClean="0"/>
+              <a:t> </a:t>
+            </a:r>
+            <a:endParaRPr lang="sq-AL" dirty="0"/>
+          </a:p>
+        </p:txBody>
+      </p:sp>
+      <p:sp>
+        <p:nvSpPr>
+          <p:cNvPr id="3" name="Text Placeholder 2"/>
+          <p:cNvSpPr>
+            <a:spLocks noGrp="1"/>
+          </p:cNvSpPr>
+          <p:nvPr>
+            <p:ph type="body" idx="1"/>
+          </p:nvPr>
+        </p:nvSpPr>
+        <p:spPr>
+          <a:xfrm>
+            <a:off x="6366934" y="3073400"/>
+            <a:ext cx="1109134" cy="1458250"/>
+          </a:xfrm>
+        </p:spPr>
+        <p:txBody>
+          <a:bodyPr/>
+          <a:lstStyle/>
+          <a:p>
+            <a:endParaRPr lang="sq-AL" dirty="0"/>
+          </a:p>
+        </p:txBody>
+      </p:sp>
+      <p:pic>
+        <p:nvPicPr>
+          <p:cNvPr id="7170" name="Picture 2"/>
+          <p:cNvPicPr>
+            <a:picLocks noChangeAspect="1" noChangeArrowheads="1"/>
+          </p:cNvPicPr>
+          <p:nvPr/>
+        </p:nvPicPr>
+        <p:blipFill>
+          <a:blip r:embed="rId2">
+            <a:extLst>
+              <a:ext uri="{28A0092B-C50C-407E-A947-70E740481C1C}">
+                <a14:useLocalDpi xmlns:a14="http://schemas.microsoft.com/office/drawing/2010/main" val="0"/>
+              </a:ext>
+            </a:extLst>
+          </a:blip>
+          <a:srcRect/>
+          <a:stretch>
+            <a:fillRect/>
+          </a:stretch>
+        </p:blipFill>
+        <p:spPr bwMode="auto">
+          <a:xfrm>
+            <a:off x="1320799" y="582613"/>
+            <a:ext cx="5486401" cy="1297057"/>
+          </a:xfrm>
+          <a:prstGeom prst="rect">
+            <a:avLst/>
+          </a:prstGeom>
+          <a:noFill/>
+          <a:ln>
+            <a:noFill/>
+          </a:ln>
+          <a:extLst>
+            <a:ext uri="{909E8E84-426E-40DD-AFC4-6F175D3DCCD1}">
+              <a14:hiddenFill xmlns:a14="http://schemas.microsoft.com/office/drawing/2010/main">
+                <a:solidFill>
+                  <a:schemeClr val="accent1"/>
+                </a:solidFill>
+              </a14:hiddenFill>
+            </a:ext>
+            <a:ext uri="{91240B29-F687-4F45-9708-019B960494DF}">
+              <a14:hiddenLine xmlns:a14="http://schemas.microsoft.com/office/drawing/2010/main" w="9525">
+                <a:solidFill>
+                  <a:schemeClr val="tx1"/>
+                </a:solidFill>
+                <a:miter lim="800000"/>
+                <a:headEnd/>
+                <a:tailEnd/>
+              </a14:hiddenLine>
+            </a:ext>
+          </a:extLst>
+        </p:spPr>
+      </p:pic>
+      <p:pic>
+        <p:nvPicPr>
+          <p:cNvPr id="7171" name="Picture 3"/>
+          <p:cNvPicPr>
+            <a:picLocks noChangeAspect="1" noChangeArrowheads="1"/>
+          </p:cNvPicPr>
+          <p:nvPr/>
+        </p:nvPicPr>
+        <p:blipFill>
+          <a:blip r:embed="rId3">
+            <a:extLst>
+              <a:ext uri="{28A0092B-C50C-407E-A947-70E740481C1C}">
+                <a14:useLocalDpi xmlns:a14="http://schemas.microsoft.com/office/drawing/2010/main" val="0"/>
+              </a:ext>
+            </a:extLst>
+          </a:blip>
+          <a:srcRect/>
+          <a:stretch>
+            <a:fillRect/>
+          </a:stretch>
+        </p:blipFill>
+        <p:spPr bwMode="auto">
+          <a:xfrm>
+            <a:off x="2250546" y="2283953"/>
+            <a:ext cx="6657975" cy="2419350"/>
+          </a:xfrm>
+          <a:prstGeom prst="rect">
+            <a:avLst/>
+          </a:prstGeom>
+          <a:noFill/>
+          <a:ln>
+            <a:noFill/>
+          </a:ln>
+          <a:extLst>
+            <a:ext uri="{909E8E84-426E-40DD-AFC4-6F175D3DCCD1}">
+              <a14:hiddenFill xmlns:a14="http://schemas.microsoft.com/office/drawing/2010/main">
+                <a:solidFill>
+                  <a:schemeClr val="accent1"/>
+                </a:solidFill>
+              </a14:hiddenFill>
+            </a:ext>
+            <a:ext uri="{91240B29-F687-4F45-9708-019B960494DF}">
+              <a14:hiddenLine xmlns:a14="http://schemas.microsoft.com/office/drawing/2010/main" w="9525">
+                <a:solidFill>
+                  <a:schemeClr val="tx1"/>
+                </a:solidFill>
+                <a:miter lim="800000"/>
+                <a:headEnd/>
+                <a:tailEnd/>
+              </a14:hiddenLine>
+            </a:ext>
+          </a:extLst>
+        </p:spPr>
+      </p:pic>
+    </p:spTree>
+    <p:extLst>
+      <p:ext uri="{BB962C8B-B14F-4D97-AF65-F5344CB8AC3E}">
+        <p14:creationId xmlns:p14="http://schemas.microsoft.com/office/powerpoint/2010/main" val="4078678090"/>
+      </p:ext>
+    </p:extLst>
+  </p:cSld>
+  <p:clrMapOvr>
+    <a:masterClrMapping/>
+  </p:clrMapOvr>
+</p:sld>
+</file>
+
+<file path=ppt/slides/slide66.xml><?xml version="1.0" encoding="utf-8"?>
+<p:sld xmlns:a="http://schemas.openxmlformats.org/drawingml/2006/main" xmlns:r="http://schemas.openxmlformats.org/officeDocument/2006/relationships" xmlns:p="http://schemas.openxmlformats.org/presentationml/2006/main">
+  <p:cSld>
+    <p:spTree>
+      <p:nvGrpSpPr>
+        <p:cNvPr id="1" name=""/>
+        <p:cNvGrpSpPr/>
+        <p:nvPr/>
+      </p:nvGrpSpPr>
+      <p:grpSpPr>
+        <a:xfrm>
+          <a:off x="0" y="0"/>
+          <a:ext cx="0" cy="0"/>
+          <a:chOff x="0" y="0"/>
+          <a:chExt cx="0" cy="0"/>
+        </a:xfrm>
+      </p:grpSpPr>
+      <p:sp>
+        <p:nvSpPr>
+          <p:cNvPr id="2" name="Title 1"/>
+          <p:cNvSpPr>
+            <a:spLocks noGrp="1"/>
+          </p:cNvSpPr>
+          <p:nvPr>
+            <p:ph type="title"/>
+          </p:nvPr>
+        </p:nvSpPr>
+        <p:spPr>
+          <a:xfrm>
+            <a:off x="9973732" y="354100"/>
+            <a:ext cx="645517" cy="708466"/>
+          </a:xfrm>
+        </p:spPr>
+        <p:txBody>
+          <a:bodyPr/>
+          <a:lstStyle/>
+          <a:p>
+            <a:r>
+              <a:rPr lang="en-US" dirty="0" smtClean="0"/>
+              <a:t> </a:t>
+            </a:r>
+            <a:endParaRPr lang="sq-AL" dirty="0"/>
+          </a:p>
+        </p:txBody>
+      </p:sp>
+      <p:sp>
+        <p:nvSpPr>
+          <p:cNvPr id="3" name="Text Placeholder 2"/>
+          <p:cNvSpPr>
+            <a:spLocks noGrp="1"/>
+          </p:cNvSpPr>
+          <p:nvPr>
+            <p:ph type="body" idx="1"/>
+          </p:nvPr>
+        </p:nvSpPr>
+        <p:spPr>
+          <a:xfrm>
+            <a:off x="1303800" y="2844800"/>
+            <a:ext cx="2777133" cy="1686850"/>
+          </a:xfrm>
+        </p:spPr>
+        <p:txBody>
+          <a:bodyPr/>
+          <a:lstStyle/>
+          <a:p>
+            <a:endParaRPr lang="sq-AL" dirty="0"/>
+          </a:p>
+        </p:txBody>
+      </p:sp>
+      <p:pic>
+        <p:nvPicPr>
+          <p:cNvPr id="8194" name="Picture 2"/>
+          <p:cNvPicPr>
+            <a:picLocks noChangeAspect="1" noChangeArrowheads="1"/>
+          </p:cNvPicPr>
+          <p:nvPr/>
+        </p:nvPicPr>
+        <p:blipFill>
+          <a:blip r:embed="rId2">
+            <a:extLst>
+              <a:ext uri="{28A0092B-C50C-407E-A947-70E740481C1C}">
+                <a14:useLocalDpi xmlns:a14="http://schemas.microsoft.com/office/drawing/2010/main" val="0"/>
+              </a:ext>
+            </a:extLst>
+          </a:blip>
+          <a:srcRect/>
+          <a:stretch>
+            <a:fillRect/>
+          </a:stretch>
+        </p:blipFill>
+        <p:spPr bwMode="auto">
+          <a:xfrm>
+            <a:off x="1419225" y="338666"/>
+            <a:ext cx="6305550" cy="723900"/>
+          </a:xfrm>
+          <a:prstGeom prst="rect">
+            <a:avLst/>
+          </a:prstGeom>
+          <a:noFill/>
+          <a:ln>
+            <a:noFill/>
+          </a:ln>
+          <a:extLst>
+            <a:ext uri="{909E8E84-426E-40DD-AFC4-6F175D3DCCD1}">
+              <a14:hiddenFill xmlns:a14="http://schemas.microsoft.com/office/drawing/2010/main">
+                <a:solidFill>
+                  <a:schemeClr val="accent1"/>
+                </a:solidFill>
+              </a14:hiddenFill>
+            </a:ext>
+            <a:ext uri="{91240B29-F687-4F45-9708-019B960494DF}">
+              <a14:hiddenLine xmlns:a14="http://schemas.microsoft.com/office/drawing/2010/main" w="9525">
+                <a:solidFill>
+                  <a:schemeClr val="tx1"/>
+                </a:solidFill>
+                <a:miter lim="800000"/>
+                <a:headEnd/>
+                <a:tailEnd/>
+              </a14:hiddenLine>
+            </a:ext>
+          </a:extLst>
+        </p:spPr>
+      </p:pic>
+      <p:pic>
+        <p:nvPicPr>
+          <p:cNvPr id="8195" name="Picture 3"/>
+          <p:cNvPicPr>
+            <a:picLocks noChangeAspect="1" noChangeArrowheads="1"/>
+          </p:cNvPicPr>
+          <p:nvPr/>
+        </p:nvPicPr>
+        <p:blipFill>
+          <a:blip r:embed="rId3">
+            <a:extLst>
+              <a:ext uri="{28A0092B-C50C-407E-A947-70E740481C1C}">
+                <a14:useLocalDpi xmlns:a14="http://schemas.microsoft.com/office/drawing/2010/main" val="0"/>
+              </a:ext>
+            </a:extLst>
+          </a:blip>
+          <a:srcRect/>
+          <a:stretch>
+            <a:fillRect/>
+          </a:stretch>
+        </p:blipFill>
+        <p:spPr bwMode="auto">
+          <a:xfrm>
+            <a:off x="377296" y="1410230"/>
+            <a:ext cx="3952875" cy="3152775"/>
+          </a:xfrm>
+          <a:prstGeom prst="rect">
+            <a:avLst/>
+          </a:prstGeom>
+          <a:noFill/>
+          <a:ln>
+            <a:noFill/>
+          </a:ln>
+          <a:extLst>
+            <a:ext uri="{909E8E84-426E-40DD-AFC4-6F175D3DCCD1}">
+              <a14:hiddenFill xmlns:a14="http://schemas.microsoft.com/office/drawing/2010/main">
+                <a:solidFill>
+                  <a:schemeClr val="accent1"/>
+                </a:solidFill>
+              </a14:hiddenFill>
+            </a:ext>
+            <a:ext uri="{91240B29-F687-4F45-9708-019B960494DF}">
+              <a14:hiddenLine xmlns:a14="http://schemas.microsoft.com/office/drawing/2010/main" w="9525">
+                <a:solidFill>
+                  <a:schemeClr val="tx1"/>
+                </a:solidFill>
+                <a:miter lim="800000"/>
+                <a:headEnd/>
+                <a:tailEnd/>
+              </a14:hiddenLine>
+            </a:ext>
+          </a:extLst>
+        </p:spPr>
+      </p:pic>
+      <p:pic>
+        <p:nvPicPr>
+          <p:cNvPr id="8196" name="Picture 4"/>
+          <p:cNvPicPr>
+            <a:picLocks noChangeAspect="1" noChangeArrowheads="1"/>
+          </p:cNvPicPr>
+          <p:nvPr/>
+        </p:nvPicPr>
+        <p:blipFill>
+          <a:blip r:embed="rId4">
+            <a:extLst>
+              <a:ext uri="{28A0092B-C50C-407E-A947-70E740481C1C}">
+                <a14:useLocalDpi xmlns:a14="http://schemas.microsoft.com/office/drawing/2010/main" val="0"/>
+              </a:ext>
+            </a:extLst>
+          </a:blip>
+          <a:srcRect/>
+          <a:stretch>
+            <a:fillRect/>
+          </a:stretch>
+        </p:blipFill>
+        <p:spPr bwMode="auto">
+          <a:xfrm>
+            <a:off x="4628091" y="1558396"/>
+            <a:ext cx="4515909" cy="3208893"/>
+          </a:xfrm>
+          <a:prstGeom prst="rect">
+            <a:avLst/>
+          </a:prstGeom>
+          <a:noFill/>
+          <a:ln>
+            <a:noFill/>
+          </a:ln>
+          <a:extLst>
+            <a:ext uri="{909E8E84-426E-40DD-AFC4-6F175D3DCCD1}">
+              <a14:hiddenFill xmlns:a14="http://schemas.microsoft.com/office/drawing/2010/main">
+                <a:solidFill>
+                  <a:schemeClr val="accent1"/>
+                </a:solidFill>
+              </a14:hiddenFill>
+            </a:ext>
+            <a:ext uri="{91240B29-F687-4F45-9708-019B960494DF}">
+              <a14:hiddenLine xmlns:a14="http://schemas.microsoft.com/office/drawing/2010/main" w="9525">
+                <a:solidFill>
+                  <a:schemeClr val="tx1"/>
+                </a:solidFill>
+                <a:miter lim="800000"/>
+                <a:headEnd/>
+                <a:tailEnd/>
+              </a14:hiddenLine>
+            </a:ext>
+          </a:extLst>
+        </p:spPr>
+      </p:pic>
+    </p:spTree>
+    <p:extLst>
+      <p:ext uri="{BB962C8B-B14F-4D97-AF65-F5344CB8AC3E}">
+        <p14:creationId xmlns:p14="http://schemas.microsoft.com/office/powerpoint/2010/main" val="2258194471"/>
+      </p:ext>
+    </p:extLst>
+  </p:cSld>
+  <p:clrMapOvr>
+    <a:masterClrMapping/>
+  </p:clrMapOvr>
+</p:sld>
+</file>
+
+<file path=ppt/slides/slide67.xml><?xml version="1.0" encoding="utf-8"?>
+<p:sld xmlns:a="http://schemas.openxmlformats.org/drawingml/2006/main" xmlns:r="http://schemas.openxmlformats.org/officeDocument/2006/relationships" xmlns:p="http://schemas.openxmlformats.org/presentationml/2006/main">
+  <p:cSld>
+    <p:spTree>
+      <p:nvGrpSpPr>
+        <p:cNvPr id="1" name=""/>
+        <p:cNvGrpSpPr/>
+        <p:nvPr/>
+      </p:nvGrpSpPr>
+      <p:grpSpPr>
+        <a:xfrm>
+          <a:off x="0" y="0"/>
+          <a:ext cx="0" cy="0"/>
+          <a:chOff x="0" y="0"/>
+          <a:chExt cx="0" cy="0"/>
+        </a:xfrm>
+      </p:grpSpPr>
+      <p:sp>
+        <p:nvSpPr>
+          <p:cNvPr id="2" name="Title 1"/>
+          <p:cNvSpPr>
+            <a:spLocks noGrp="1"/>
+          </p:cNvSpPr>
+          <p:nvPr>
+            <p:ph type="title"/>
+          </p:nvPr>
+        </p:nvSpPr>
+        <p:spPr/>
+        <p:txBody>
+          <a:bodyPr/>
+          <a:lstStyle/>
+          <a:p>
+            <a:r>
+              <a:rPr lang="en-US" dirty="0" smtClean="0"/>
+              <a:t> </a:t>
+            </a:r>
+            <a:endParaRPr lang="sq-AL" dirty="0"/>
+          </a:p>
+        </p:txBody>
+      </p:sp>
+      <p:sp>
+        <p:nvSpPr>
+          <p:cNvPr id="3" name="Text Placeholder 2"/>
+          <p:cNvSpPr>
+            <a:spLocks noGrp="1"/>
+          </p:cNvSpPr>
+          <p:nvPr>
+            <p:ph type="body" idx="1"/>
+          </p:nvPr>
+        </p:nvSpPr>
+        <p:spPr>
+          <a:xfrm>
+            <a:off x="1303800" y="1990050"/>
+            <a:ext cx="2946467" cy="1405083"/>
+          </a:xfrm>
+        </p:spPr>
+        <p:txBody>
+          <a:bodyPr/>
+          <a:lstStyle/>
+          <a:p>
+            <a:endParaRPr lang="sq-AL" dirty="0"/>
+          </a:p>
+        </p:txBody>
+      </p:sp>
+      <p:pic>
+        <p:nvPicPr>
+          <p:cNvPr id="9218" name="Picture 2"/>
+          <p:cNvPicPr>
+            <a:picLocks noChangeAspect="1" noChangeArrowheads="1"/>
+          </p:cNvPicPr>
+          <p:nvPr/>
+        </p:nvPicPr>
+        <p:blipFill>
+          <a:blip r:embed="rId2">
+            <a:extLst>
+              <a:ext uri="{28A0092B-C50C-407E-A947-70E740481C1C}">
+                <a14:useLocalDpi xmlns:a14="http://schemas.microsoft.com/office/drawing/2010/main" val="0"/>
+              </a:ext>
+            </a:extLst>
+          </a:blip>
+          <a:srcRect/>
+          <a:stretch>
+            <a:fillRect/>
+          </a:stretch>
+        </p:blipFill>
+        <p:spPr bwMode="auto">
+          <a:xfrm>
+            <a:off x="299508" y="1408641"/>
+            <a:ext cx="5347759" cy="3383492"/>
+          </a:xfrm>
+          <a:prstGeom prst="rect">
+            <a:avLst/>
+          </a:prstGeom>
+          <a:noFill/>
+          <a:ln>
+            <a:noFill/>
+          </a:ln>
+          <a:extLst>
+            <a:ext uri="{909E8E84-426E-40DD-AFC4-6F175D3DCCD1}">
+              <a14:hiddenFill xmlns:a14="http://schemas.microsoft.com/office/drawing/2010/main">
+                <a:solidFill>
+                  <a:schemeClr val="accent1"/>
+                </a:solidFill>
+              </a14:hiddenFill>
+            </a:ext>
+            <a:ext uri="{91240B29-F687-4F45-9708-019B960494DF}">
+              <a14:hiddenLine xmlns:a14="http://schemas.microsoft.com/office/drawing/2010/main" w="9525">
+                <a:solidFill>
+                  <a:schemeClr val="tx1"/>
+                </a:solidFill>
+                <a:miter lim="800000"/>
+                <a:headEnd/>
+                <a:tailEnd/>
+              </a14:hiddenLine>
+            </a:ext>
+          </a:extLst>
+        </p:spPr>
+      </p:pic>
+      <p:pic>
+        <p:nvPicPr>
+          <p:cNvPr id="9219" name="Picture 3"/>
+          <p:cNvPicPr>
+            <a:picLocks noChangeAspect="1" noChangeArrowheads="1"/>
+          </p:cNvPicPr>
+          <p:nvPr/>
+        </p:nvPicPr>
+        <p:blipFill>
+          <a:blip r:embed="rId3">
+            <a:extLst>
+              <a:ext uri="{28A0092B-C50C-407E-A947-70E740481C1C}">
+                <a14:useLocalDpi xmlns:a14="http://schemas.microsoft.com/office/drawing/2010/main" val="0"/>
+              </a:ext>
+            </a:extLst>
+          </a:blip>
+          <a:srcRect/>
+          <a:stretch>
+            <a:fillRect/>
+          </a:stretch>
+        </p:blipFill>
+        <p:spPr bwMode="auto">
+          <a:xfrm>
+            <a:off x="5614988" y="0"/>
+            <a:ext cx="3529012" cy="2803251"/>
+          </a:xfrm>
+          <a:prstGeom prst="rect">
+            <a:avLst/>
+          </a:prstGeom>
+          <a:noFill/>
+          <a:ln>
+            <a:noFill/>
+          </a:ln>
+          <a:extLst>
+            <a:ext uri="{909E8E84-426E-40DD-AFC4-6F175D3DCCD1}">
+              <a14:hiddenFill xmlns:a14="http://schemas.microsoft.com/office/drawing/2010/main">
+                <a:solidFill>
+                  <a:schemeClr val="accent1"/>
+                </a:solidFill>
+              </a14:hiddenFill>
+            </a:ext>
+            <a:ext uri="{91240B29-F687-4F45-9708-019B960494DF}">
+              <a14:hiddenLine xmlns:a14="http://schemas.microsoft.com/office/drawing/2010/main" w="9525">
+                <a:solidFill>
+                  <a:schemeClr val="tx1"/>
+                </a:solidFill>
+                <a:miter lim="800000"/>
+                <a:headEnd/>
+                <a:tailEnd/>
+              </a14:hiddenLine>
+            </a:ext>
+          </a:extLst>
+        </p:spPr>
+      </p:pic>
+    </p:spTree>
+    <p:extLst>
+      <p:ext uri="{BB962C8B-B14F-4D97-AF65-F5344CB8AC3E}">
+        <p14:creationId xmlns:p14="http://schemas.microsoft.com/office/powerpoint/2010/main" val="532843570"/>
+      </p:ext>
+    </p:extLst>
   </p:cSld>
   <p:clrMapOvr>
     <a:masterClrMapping/>
